--- a/08-function/00-function.pptx
+++ b/08-function/00-function.pptx
@@ -30,9 +30,12 @@
     <p:sldId id="324" r:id="rId24"/>
     <p:sldId id="326" r:id="rId25"/>
     <p:sldId id="313" r:id="rId26"/>
-    <p:sldId id="310" r:id="rId27"/>
-    <p:sldId id="307" r:id="rId28"/>
-    <p:sldId id="294" r:id="rId29"/>
+    <p:sldId id="328" r:id="rId27"/>
+    <p:sldId id="327" r:id="rId28"/>
+    <p:sldId id="329" r:id="rId29"/>
+    <p:sldId id="330" r:id="rId30"/>
+    <p:sldId id="307" r:id="rId31"/>
+    <p:sldId id="294" r:id="rId32"/>
   </p:sldIdLst>
   <p:sldSz cx="12192000" cy="6858000"/>
   <p:notesSz cx="6858000" cy="9144000"/>
@@ -286,7 +289,7 @@
           <a:p>
             <a:fld id="{3C22E3A1-C276-43FD-A0AD-E3E3A7519323}" type="datetimeFigureOut">
               <a:rPr lang="zh-TW" altLang="en-US" smtClean="0"/>
-              <a:t>2021/11/2</a:t>
+              <a:t>2021/11/3</a:t>
             </a:fld>
             <a:endParaRPr lang="zh-TW" altLang="en-US"/>
           </a:p>
@@ -484,7 +487,7 @@
           <a:p>
             <a:fld id="{3C22E3A1-C276-43FD-A0AD-E3E3A7519323}" type="datetimeFigureOut">
               <a:rPr lang="zh-TW" altLang="en-US" smtClean="0"/>
-              <a:t>2021/11/2</a:t>
+              <a:t>2021/11/3</a:t>
             </a:fld>
             <a:endParaRPr lang="zh-TW" altLang="en-US"/>
           </a:p>
@@ -692,7 +695,7 @@
           <a:p>
             <a:fld id="{3C22E3A1-C276-43FD-A0AD-E3E3A7519323}" type="datetimeFigureOut">
               <a:rPr lang="zh-TW" altLang="en-US" smtClean="0"/>
-              <a:t>2021/11/2</a:t>
+              <a:t>2021/11/3</a:t>
             </a:fld>
             <a:endParaRPr lang="zh-TW" altLang="en-US"/>
           </a:p>
@@ -890,7 +893,7 @@
           <a:p>
             <a:fld id="{3C22E3A1-C276-43FD-A0AD-E3E3A7519323}" type="datetimeFigureOut">
               <a:rPr lang="zh-TW" altLang="en-US" smtClean="0"/>
-              <a:t>2021/11/2</a:t>
+              <a:t>2021/11/3</a:t>
             </a:fld>
             <a:endParaRPr lang="zh-TW" altLang="en-US"/>
           </a:p>
@@ -1165,7 +1168,7 @@
           <a:p>
             <a:fld id="{3C22E3A1-C276-43FD-A0AD-E3E3A7519323}" type="datetimeFigureOut">
               <a:rPr lang="zh-TW" altLang="en-US" smtClean="0"/>
-              <a:t>2021/11/2</a:t>
+              <a:t>2021/11/3</a:t>
             </a:fld>
             <a:endParaRPr lang="zh-TW" altLang="en-US"/>
           </a:p>
@@ -1430,7 +1433,7 @@
           <a:p>
             <a:fld id="{3C22E3A1-C276-43FD-A0AD-E3E3A7519323}" type="datetimeFigureOut">
               <a:rPr lang="zh-TW" altLang="en-US" smtClean="0"/>
-              <a:t>2021/11/2</a:t>
+              <a:t>2021/11/3</a:t>
             </a:fld>
             <a:endParaRPr lang="zh-TW" altLang="en-US"/>
           </a:p>
@@ -1842,7 +1845,7 @@
           <a:p>
             <a:fld id="{3C22E3A1-C276-43FD-A0AD-E3E3A7519323}" type="datetimeFigureOut">
               <a:rPr lang="zh-TW" altLang="en-US" smtClean="0"/>
-              <a:t>2021/11/2</a:t>
+              <a:t>2021/11/3</a:t>
             </a:fld>
             <a:endParaRPr lang="zh-TW" altLang="en-US"/>
           </a:p>
@@ -1983,7 +1986,7 @@
           <a:p>
             <a:fld id="{3C22E3A1-C276-43FD-A0AD-E3E3A7519323}" type="datetimeFigureOut">
               <a:rPr lang="zh-TW" altLang="en-US" smtClean="0"/>
-              <a:t>2021/11/2</a:t>
+              <a:t>2021/11/3</a:t>
             </a:fld>
             <a:endParaRPr lang="zh-TW" altLang="en-US"/>
           </a:p>
@@ -2096,7 +2099,7 @@
           <a:p>
             <a:fld id="{3C22E3A1-C276-43FD-A0AD-E3E3A7519323}" type="datetimeFigureOut">
               <a:rPr lang="zh-TW" altLang="en-US" smtClean="0"/>
-              <a:t>2021/11/2</a:t>
+              <a:t>2021/11/3</a:t>
             </a:fld>
             <a:endParaRPr lang="zh-TW" altLang="en-US"/>
           </a:p>
@@ -2407,7 +2410,7 @@
           <a:p>
             <a:fld id="{3C22E3A1-C276-43FD-A0AD-E3E3A7519323}" type="datetimeFigureOut">
               <a:rPr lang="zh-TW" altLang="en-US" smtClean="0"/>
-              <a:t>2021/11/2</a:t>
+              <a:t>2021/11/3</a:t>
             </a:fld>
             <a:endParaRPr lang="zh-TW" altLang="en-US"/>
           </a:p>
@@ -2695,7 +2698,7 @@
           <a:p>
             <a:fld id="{3C22E3A1-C276-43FD-A0AD-E3E3A7519323}" type="datetimeFigureOut">
               <a:rPr lang="zh-TW" altLang="en-US" smtClean="0"/>
-              <a:t>2021/11/2</a:t>
+              <a:t>2021/11/3</a:t>
             </a:fld>
             <a:endParaRPr lang="zh-TW" altLang="en-US"/>
           </a:p>
@@ -2936,7 +2939,7 @@
           <a:p>
             <a:fld id="{3C22E3A1-C276-43FD-A0AD-E3E3A7519323}" type="datetimeFigureOut">
               <a:rPr lang="zh-TW" altLang="en-US" smtClean="0"/>
-              <a:t>2021/11/2</a:t>
+              <a:t>2021/11/3</a:t>
             </a:fld>
             <a:endParaRPr lang="zh-TW" altLang="en-US"/>
           </a:p>
@@ -5857,27 +5860,7 @@
                 <a:effectLst/>
                 <a:latin typeface="Consolas" panose="020B0609020204030204" pitchFamily="49" charset="0"/>
               </a:rPr>
-              <a:t>// </a:t>
-            </a:r>
-            <a:r>
-              <a:rPr lang="en-US" altLang="zh-TW" b="0" dirty="0" err="1">
-                <a:solidFill>
-                  <a:srgbClr val="008000"/>
-                </a:solidFill>
-                <a:effectLst/>
-                <a:latin typeface="Consolas" panose="020B0609020204030204" pitchFamily="49" charset="0"/>
-              </a:rPr>
-              <a:t>defaul</a:t>
-            </a:r>
-            <a:r>
-              <a:rPr lang="en-US" altLang="zh-TW" b="0" dirty="0">
-                <a:solidFill>
-                  <a:srgbClr val="008000"/>
-                </a:solidFill>
-                <a:effectLst/>
-                <a:latin typeface="Consolas" panose="020B0609020204030204" pitchFamily="49" charset="0"/>
-              </a:rPr>
-              <a:t> arguments should list in declaration</a:t>
+              <a:t>// default arguments should list in declaration</a:t>
             </a:r>
             <a:endParaRPr lang="en-US" altLang="zh-TW" b="0" dirty="0">
               <a:solidFill>
@@ -15477,47 +15460,907 @@
           <a:p>
             <a:r>
               <a:rPr lang="en-US" altLang="zh-TW" dirty="0"/>
-              <a:t>Application</a:t>
+              <a:t>Application - Fibonacci</a:t>
             </a:r>
             <a:endParaRPr lang="zh-TW" altLang="en-US" dirty="0"/>
           </a:p>
         </p:txBody>
       </p:sp>
+      <mc:AlternateContent xmlns:mc="http://schemas.openxmlformats.org/markup-compatibility/2006" xmlns:a14="http://schemas.microsoft.com/office/drawing/2010/main">
+        <mc:Choice Requires="a14">
+          <p:sp>
+            <p:nvSpPr>
+              <p:cNvPr id="3" name="內容版面配置區 2">
+                <a:extLst>
+                  <a:ext uri="{FF2B5EF4-FFF2-40B4-BE49-F238E27FC236}">
+                    <a16:creationId xmlns:a16="http://schemas.microsoft.com/office/drawing/2014/main" id="{7073129A-BBC7-415D-8AC4-D7C69D033D3C}"/>
+                  </a:ext>
+                </a:extLst>
+              </p:cNvPr>
+              <p:cNvSpPr>
+                <a:spLocks noGrp="1"/>
+              </p:cNvSpPr>
+              <p:nvPr>
+                <p:ph idx="1"/>
+              </p:nvPr>
+            </p:nvSpPr>
+            <p:spPr/>
+            <p:txBody>
+              <a:bodyPr/>
+              <a:lstStyle/>
+              <a:p>
+                <a:pPr marL="0" indent="0">
+                  <a:buNone/>
+                </a:pPr>
+                <a14:m>
+                  <m:oMathPara xmlns:m="http://schemas.openxmlformats.org/officeDocument/2006/math">
+                    <m:oMathParaPr>
+                      <m:jc m:val="centerGroup"/>
+                    </m:oMathParaPr>
+                    <m:oMath xmlns:m="http://schemas.openxmlformats.org/officeDocument/2006/math">
+                      <m:d>
+                        <m:dPr>
+                          <m:begChr m:val="{"/>
+                          <m:endChr m:val=""/>
+                          <m:ctrlPr>
+                            <a:rPr lang="en-US" altLang="zh-TW" i="1" smtClean="0">
+                              <a:latin typeface="Cambria Math" panose="02040503050406030204" pitchFamily="18" charset="0"/>
+                            </a:rPr>
+                          </m:ctrlPr>
+                        </m:dPr>
+                        <m:e>
+                          <m:m>
+                            <m:mPr>
+                              <m:mcs>
+                                <m:mc>
+                                  <m:mcPr>
+                                    <m:count m:val="1"/>
+                                    <m:mcJc m:val="center"/>
+                                  </m:mcPr>
+                                </m:mc>
+                              </m:mcs>
+                              <m:ctrlPr>
+                                <a:rPr lang="en-US" altLang="zh-TW" i="1" smtClean="0">
+                                  <a:latin typeface="Cambria Math" panose="02040503050406030204" pitchFamily="18" charset="0"/>
+                                </a:rPr>
+                              </m:ctrlPr>
+                            </m:mPr>
+                            <m:mr>
+                              <m:e>
+                                <m:sSub>
+                                  <m:sSubPr>
+                                    <m:ctrlPr>
+                                      <a:rPr lang="en-US" altLang="zh-TW" i="1">
+                                        <a:latin typeface="Cambria Math" panose="02040503050406030204" pitchFamily="18" charset="0"/>
+                                      </a:rPr>
+                                    </m:ctrlPr>
+                                  </m:sSubPr>
+                                  <m:e>
+                                    <m:r>
+                                      <m:rPr>
+                                        <m:sty m:val="p"/>
+                                      </m:rPr>
+                                      <a:rPr lang="en-US" altLang="zh-TW" i="1">
+                                        <a:latin typeface="Cambria Math" panose="02040503050406030204" pitchFamily="18" charset="0"/>
+                                      </a:rPr>
+                                      <m:t>F</m:t>
+                                    </m:r>
+                                  </m:e>
+                                  <m:sub>
+                                    <m:r>
+                                      <a:rPr lang="en-US" altLang="zh-TW" i="1">
+                                        <a:latin typeface="Cambria Math" panose="02040503050406030204" pitchFamily="18" charset="0"/>
+                                      </a:rPr>
+                                      <m:t>𝑛</m:t>
+                                    </m:r>
+                                  </m:sub>
+                                </m:sSub>
+                                <m:r>
+                                  <m:rPr>
+                                    <m:brk m:alnAt="7"/>
+                                  </m:rPr>
+                                  <a:rPr lang="en-US" altLang="zh-TW" i="1">
+                                    <a:latin typeface="Cambria Math" panose="02040503050406030204" pitchFamily="18" charset="0"/>
+                                  </a:rPr>
+                                  <m:t>=</m:t>
+                                </m:r>
+                                <m:sSub>
+                                  <m:sSubPr>
+                                    <m:ctrlPr>
+                                      <a:rPr lang="en-US" altLang="zh-TW" i="1">
+                                        <a:latin typeface="Cambria Math" panose="02040503050406030204" pitchFamily="18" charset="0"/>
+                                      </a:rPr>
+                                    </m:ctrlPr>
+                                  </m:sSubPr>
+                                  <m:e>
+                                    <m:r>
+                                      <m:rPr>
+                                        <m:sty m:val="p"/>
+                                      </m:rPr>
+                                      <a:rPr lang="en-US" altLang="zh-TW" i="1">
+                                        <a:latin typeface="Cambria Math" panose="02040503050406030204" pitchFamily="18" charset="0"/>
+                                      </a:rPr>
+                                      <m:t>F</m:t>
+                                    </m:r>
+                                  </m:e>
+                                  <m:sub>
+                                    <m:r>
+                                      <a:rPr lang="en-US" altLang="zh-TW" i="1">
+                                        <a:latin typeface="Cambria Math" panose="02040503050406030204" pitchFamily="18" charset="0"/>
+                                      </a:rPr>
+                                      <m:t>𝑛</m:t>
+                                    </m:r>
+                                    <m:r>
+                                      <a:rPr lang="en-US" altLang="zh-TW" i="1">
+                                        <a:latin typeface="Cambria Math" panose="02040503050406030204" pitchFamily="18" charset="0"/>
+                                      </a:rPr>
+                                      <m:t>−1</m:t>
+                                    </m:r>
+                                  </m:sub>
+                                </m:sSub>
+                                <m:r>
+                                  <a:rPr lang="en-US" altLang="zh-TW" i="1">
+                                    <a:latin typeface="Cambria Math" panose="02040503050406030204" pitchFamily="18" charset="0"/>
+                                  </a:rPr>
+                                  <m:t>+</m:t>
+                                </m:r>
+                                <m:sSub>
+                                  <m:sSubPr>
+                                    <m:ctrlPr>
+                                      <a:rPr lang="en-US" altLang="zh-TW" i="1">
+                                        <a:latin typeface="Cambria Math" panose="02040503050406030204" pitchFamily="18" charset="0"/>
+                                      </a:rPr>
+                                    </m:ctrlPr>
+                                  </m:sSubPr>
+                                  <m:e>
+                                    <m:r>
+                                      <m:rPr>
+                                        <m:sty m:val="p"/>
+                                      </m:rPr>
+                                      <a:rPr lang="en-US" altLang="zh-TW" i="1">
+                                        <a:latin typeface="Cambria Math" panose="02040503050406030204" pitchFamily="18" charset="0"/>
+                                      </a:rPr>
+                                      <m:t>F</m:t>
+                                    </m:r>
+                                  </m:e>
+                                  <m:sub>
+                                    <m:r>
+                                      <a:rPr lang="en-US" altLang="zh-TW" i="1">
+                                        <a:latin typeface="Cambria Math" panose="02040503050406030204" pitchFamily="18" charset="0"/>
+                                      </a:rPr>
+                                      <m:t>𝑛</m:t>
+                                    </m:r>
+                                    <m:r>
+                                      <a:rPr lang="en-US" altLang="zh-TW" i="1">
+                                        <a:latin typeface="Cambria Math" panose="02040503050406030204" pitchFamily="18" charset="0"/>
+                                      </a:rPr>
+                                      <m:t>−2</m:t>
+                                    </m:r>
+                                  </m:sub>
+                                </m:sSub>
+                                <m:r>
+                                  <a:rPr lang="en-US" altLang="zh-TW" i="1">
+                                    <a:latin typeface="Cambria Math" panose="02040503050406030204" pitchFamily="18" charset="0"/>
+                                  </a:rPr>
+                                  <m:t>, </m:t>
+                                </m:r>
+                                <m:r>
+                                  <a:rPr lang="en-US" altLang="zh-TW" i="1">
+                                    <a:latin typeface="Cambria Math" panose="02040503050406030204" pitchFamily="18" charset="0"/>
+                                  </a:rPr>
+                                  <m:t>𝑛</m:t>
+                                </m:r>
+                                <m:r>
+                                  <a:rPr lang="en-US" altLang="zh-TW" i="1">
+                                    <a:latin typeface="Cambria Math" panose="02040503050406030204" pitchFamily="18" charset="0"/>
+                                    <a:ea typeface="Cambria Math" panose="02040503050406030204" pitchFamily="18" charset="0"/>
+                                  </a:rPr>
+                                  <m:t>&gt;1</m:t>
+                                </m:r>
+                              </m:e>
+                            </m:mr>
+                            <m:mr>
+                              <m:e>
+                                <m:r>
+                                  <a:rPr lang="en-US" altLang="zh-TW" b="0" i="1" smtClean="0">
+                                    <a:latin typeface="Cambria Math" panose="02040503050406030204" pitchFamily="18" charset="0"/>
+                                  </a:rPr>
+                                  <m:t>1 , </m:t>
+                                </m:r>
+                                <m:r>
+                                  <a:rPr lang="en-US" altLang="zh-TW" b="0" i="1" smtClean="0">
+                                    <a:latin typeface="Cambria Math" panose="02040503050406030204" pitchFamily="18" charset="0"/>
+                                  </a:rPr>
+                                  <m:t>𝑛</m:t>
+                                </m:r>
+                                <m:r>
+                                  <a:rPr lang="en-US" altLang="zh-TW" b="0" i="1" smtClean="0">
+                                    <a:latin typeface="Cambria Math" panose="02040503050406030204" pitchFamily="18" charset="0"/>
+                                  </a:rPr>
+                                  <m:t>=1</m:t>
+                                </m:r>
+                              </m:e>
+                            </m:mr>
+                            <m:mr>
+                              <m:e>
+                                <m:r>
+                                  <a:rPr lang="en-US" altLang="zh-TW" b="0" i="1" smtClean="0">
+                                    <a:latin typeface="Cambria Math" panose="02040503050406030204" pitchFamily="18" charset="0"/>
+                                  </a:rPr>
+                                  <m:t>0, </m:t>
+                                </m:r>
+                                <m:r>
+                                  <a:rPr lang="en-US" altLang="zh-TW" b="0" i="1" smtClean="0">
+                                    <a:latin typeface="Cambria Math" panose="02040503050406030204" pitchFamily="18" charset="0"/>
+                                  </a:rPr>
+                                  <m:t>𝑛</m:t>
+                                </m:r>
+                                <m:r>
+                                  <a:rPr lang="en-US" altLang="zh-TW" b="0" i="1" smtClean="0">
+                                    <a:latin typeface="Cambria Math" panose="02040503050406030204" pitchFamily="18" charset="0"/>
+                                  </a:rPr>
+                                  <m:t>=0</m:t>
+                                </m:r>
+                              </m:e>
+                            </m:mr>
+                          </m:m>
+                        </m:e>
+                      </m:d>
+                    </m:oMath>
+                  </m:oMathPara>
+                </a14:m>
+                <a:endParaRPr lang="en-US" altLang="zh-TW" i="1" dirty="0">
+                  <a:latin typeface="Cambria Math" panose="02040503050406030204" pitchFamily="18" charset="0"/>
+                </a:endParaRPr>
+              </a:p>
+              <a:p>
+                <a:endParaRPr lang="en-US" altLang="zh-TW" dirty="0"/>
+              </a:p>
+              <a:p>
+                <a:endParaRPr lang="en-US" altLang="zh-TW" dirty="0"/>
+              </a:p>
+            </p:txBody>
+          </p:sp>
+        </mc:Choice>
+        <mc:Fallback xmlns="">
+          <p:sp>
+            <p:nvSpPr>
+              <p:cNvPr id="3" name="內容版面配置區 2">
+                <a:extLst>
+                  <a:ext uri="{FF2B5EF4-FFF2-40B4-BE49-F238E27FC236}">
+                    <a16:creationId xmlns:a16="http://schemas.microsoft.com/office/drawing/2014/main" id="{7073129A-BBC7-415D-8AC4-D7C69D033D3C}"/>
+                  </a:ext>
+                </a:extLst>
+              </p:cNvPr>
+              <p:cNvSpPr>
+                <a:spLocks noGrp="1" noRot="1" noChangeAspect="1" noMove="1" noResize="1" noEditPoints="1" noAdjustHandles="1" noChangeArrowheads="1" noChangeShapeType="1" noTextEdit="1"/>
+              </p:cNvSpPr>
+              <p:nvPr>
+                <p:ph idx="1"/>
+              </p:nvPr>
+            </p:nvSpPr>
+            <p:spPr>
+              <a:blipFill>
+                <a:blip r:embed="rId2"/>
+                <a:stretch>
+                  <a:fillRect/>
+                </a:stretch>
+              </a:blipFill>
+            </p:spPr>
+            <p:txBody>
+              <a:bodyPr/>
+              <a:lstStyle/>
+              <a:p>
+                <a:r>
+                  <a:rPr lang="zh-TW" altLang="en-US">
+                    <a:noFill/>
+                  </a:rPr>
+                  <a:t> </a:t>
+                </a:r>
+              </a:p>
+            </p:txBody>
+          </p:sp>
+        </mc:Fallback>
+      </mc:AlternateContent>
       <p:sp>
         <p:nvSpPr>
-          <p:cNvPr id="3" name="內容版面配置區 2">
+          <p:cNvPr id="5" name="文字方塊 4">
             <a:extLst>
               <a:ext uri="{FF2B5EF4-FFF2-40B4-BE49-F238E27FC236}">
-                <a16:creationId xmlns:a16="http://schemas.microsoft.com/office/drawing/2014/main" id="{7073129A-BBC7-415D-8AC4-D7C69D033D3C}"/>
+                <a16:creationId xmlns:a16="http://schemas.microsoft.com/office/drawing/2014/main" id="{BD0358E6-9DDB-4B2D-87D4-1F4895F7F6D5}"/>
               </a:ext>
             </a:extLst>
           </p:cNvPr>
-          <p:cNvSpPr>
-            <a:spLocks noGrp="1"/>
-          </p:cNvSpPr>
-          <p:nvPr>
-            <p:ph idx="1"/>
-          </p:nvPr>
+          <p:cNvSpPr txBox="1"/>
+          <p:nvPr/>
         </p:nvSpPr>
-        <p:spPr/>
+        <p:spPr>
+          <a:xfrm>
+            <a:off x="0" y="6492875"/>
+            <a:ext cx="6094602" cy="369332"/>
+          </a:xfrm>
+          <a:prstGeom prst="rect">
+            <a:avLst/>
+          </a:prstGeom>
+          <a:noFill/>
+        </p:spPr>
         <p:txBody>
-          <a:bodyPr/>
+          <a:bodyPr wrap="square">
+            <a:spAutoFit/>
+          </a:bodyPr>
           <a:lstStyle/>
           <a:p>
             <a:r>
-              <a:rPr lang="en-US" altLang="zh-TW" dirty="0"/>
-              <a:t>Fibonacci</a:t>
-            </a:r>
-          </a:p>
-          <a:p>
-            <a:r>
-              <a:rPr lang="en-US" altLang="zh-TW" dirty="0"/>
-              <a:t>merge sort</a:t>
-            </a:r>
-            <a:endParaRPr lang="zh-TW" altLang="en-US" dirty="0"/>
+              <a:rPr lang="zh-TW" altLang="en-US" dirty="0"/>
+              <a:t>https://en.wikipedia.org/wiki/Fibonacci_number</a:t>
+            </a:r>
           </a:p>
         </p:txBody>
       </p:sp>
+      <p:graphicFrame>
+        <p:nvGraphicFramePr>
+          <p:cNvPr id="6" name="表格 6">
+            <a:extLst>
+              <a:ext uri="{FF2B5EF4-FFF2-40B4-BE49-F238E27FC236}">
+                <a16:creationId xmlns:a16="http://schemas.microsoft.com/office/drawing/2014/main" id="{8D1E29C5-EDEB-466D-81A5-0B3690B4EDE7}"/>
+              </a:ext>
+            </a:extLst>
+          </p:cNvPr>
+          <p:cNvGraphicFramePr>
+            <a:graphicFrameLocks noGrp="1"/>
+          </p:cNvGraphicFramePr>
+          <p:nvPr>
+            <p:extLst>
+              <p:ext uri="{D42A27DB-BD31-4B8C-83A1-F6EECF244321}">
+                <p14:modId xmlns:p14="http://schemas.microsoft.com/office/powerpoint/2010/main" val="4283840263"/>
+              </p:ext>
+            </p:extLst>
+          </p:nvPr>
+        </p:nvGraphicFramePr>
+        <p:xfrm>
+          <a:off x="1839053" y="3866757"/>
+          <a:ext cx="8128000" cy="741680"/>
+        </p:xfrm>
+        <a:graphic>
+          <a:graphicData uri="http://schemas.openxmlformats.org/drawingml/2006/table">
+            <a:tbl>
+              <a:tblPr firstRow="1" bandRow="1">
+                <a:tableStyleId>{5C22544A-7EE6-4342-B048-85BDC9FD1C3A}</a:tableStyleId>
+              </a:tblPr>
+              <a:tblGrid>
+                <a:gridCol w="812800">
+                  <a:extLst>
+                    <a:ext uri="{9D8B030D-6E8A-4147-A177-3AD203B41FA5}">
+                      <a16:colId xmlns:a16="http://schemas.microsoft.com/office/drawing/2014/main" val="3637557528"/>
+                    </a:ext>
+                  </a:extLst>
+                </a:gridCol>
+                <a:gridCol w="812800">
+                  <a:extLst>
+                    <a:ext uri="{9D8B030D-6E8A-4147-A177-3AD203B41FA5}">
+                      <a16:colId xmlns:a16="http://schemas.microsoft.com/office/drawing/2014/main" val="329154837"/>
+                    </a:ext>
+                  </a:extLst>
+                </a:gridCol>
+                <a:gridCol w="812800">
+                  <a:extLst>
+                    <a:ext uri="{9D8B030D-6E8A-4147-A177-3AD203B41FA5}">
+                      <a16:colId xmlns:a16="http://schemas.microsoft.com/office/drawing/2014/main" val="2995851917"/>
+                    </a:ext>
+                  </a:extLst>
+                </a:gridCol>
+                <a:gridCol w="812800">
+                  <a:extLst>
+                    <a:ext uri="{9D8B030D-6E8A-4147-A177-3AD203B41FA5}">
+                      <a16:colId xmlns:a16="http://schemas.microsoft.com/office/drawing/2014/main" val="1141026100"/>
+                    </a:ext>
+                  </a:extLst>
+                </a:gridCol>
+                <a:gridCol w="812800">
+                  <a:extLst>
+                    <a:ext uri="{9D8B030D-6E8A-4147-A177-3AD203B41FA5}">
+                      <a16:colId xmlns:a16="http://schemas.microsoft.com/office/drawing/2014/main" val="2365666057"/>
+                    </a:ext>
+                  </a:extLst>
+                </a:gridCol>
+                <a:gridCol w="812800">
+                  <a:extLst>
+                    <a:ext uri="{9D8B030D-6E8A-4147-A177-3AD203B41FA5}">
+                      <a16:colId xmlns:a16="http://schemas.microsoft.com/office/drawing/2014/main" val="2611963735"/>
+                    </a:ext>
+                  </a:extLst>
+                </a:gridCol>
+                <a:gridCol w="812800">
+                  <a:extLst>
+                    <a:ext uri="{9D8B030D-6E8A-4147-A177-3AD203B41FA5}">
+                      <a16:colId xmlns:a16="http://schemas.microsoft.com/office/drawing/2014/main" val="1083628626"/>
+                    </a:ext>
+                  </a:extLst>
+                </a:gridCol>
+                <a:gridCol w="812800">
+                  <a:extLst>
+                    <a:ext uri="{9D8B030D-6E8A-4147-A177-3AD203B41FA5}">
+                      <a16:colId xmlns:a16="http://schemas.microsoft.com/office/drawing/2014/main" val="3467115894"/>
+                    </a:ext>
+                  </a:extLst>
+                </a:gridCol>
+                <a:gridCol w="812800">
+                  <a:extLst>
+                    <a:ext uri="{9D8B030D-6E8A-4147-A177-3AD203B41FA5}">
+                      <a16:colId xmlns:a16="http://schemas.microsoft.com/office/drawing/2014/main" val="2045809967"/>
+                    </a:ext>
+                  </a:extLst>
+                </a:gridCol>
+                <a:gridCol w="812800">
+                  <a:extLst>
+                    <a:ext uri="{9D8B030D-6E8A-4147-A177-3AD203B41FA5}">
+                      <a16:colId xmlns:a16="http://schemas.microsoft.com/office/drawing/2014/main" val="2707785554"/>
+                    </a:ext>
+                  </a:extLst>
+                </a:gridCol>
+              </a:tblGrid>
+              <a:tr h="370840">
+                <a:tc>
+                  <a:txBody>
+                    <a:bodyPr/>
+                    <a:lstStyle/>
+                    <a:p>
+                      <a:pPr algn="ctr"/>
+                      <a:r>
+                        <a:rPr lang="en-US" altLang="zh-TW" dirty="0"/>
+                        <a:t>F(0)</a:t>
+                      </a:r>
+                      <a:endParaRPr lang="zh-TW" altLang="en-US" dirty="0"/>
+                    </a:p>
+                  </a:txBody>
+                  <a:tcPr/>
+                </a:tc>
+                <a:tc>
+                  <a:txBody>
+                    <a:bodyPr/>
+                    <a:lstStyle/>
+                    <a:p>
+                      <a:pPr marL="0" marR="0" lvl="0" indent="0" algn="ctr" defTabSz="914400" rtl="0" eaLnBrk="1" fontAlgn="auto" latinLnBrk="0" hangingPunct="1">
+                        <a:lnSpc>
+                          <a:spcPct val="100000"/>
+                        </a:lnSpc>
+                        <a:spcBef>
+                          <a:spcPts val="0"/>
+                        </a:spcBef>
+                        <a:spcAft>
+                          <a:spcPts val="0"/>
+                        </a:spcAft>
+                        <a:buClrTx/>
+                        <a:buSzTx/>
+                        <a:buFontTx/>
+                        <a:buNone/>
+                        <a:tabLst/>
+                        <a:defRPr/>
+                      </a:pPr>
+                      <a:r>
+                        <a:rPr lang="en-US" altLang="zh-TW" dirty="0"/>
+                        <a:t>F(1)</a:t>
+                      </a:r>
+                      <a:endParaRPr lang="zh-TW" altLang="en-US" dirty="0"/>
+                    </a:p>
+                  </a:txBody>
+                  <a:tcPr/>
+                </a:tc>
+                <a:tc>
+                  <a:txBody>
+                    <a:bodyPr/>
+                    <a:lstStyle/>
+                    <a:p>
+                      <a:pPr marL="0" marR="0" lvl="0" indent="0" algn="ctr" defTabSz="914400" rtl="0" eaLnBrk="1" fontAlgn="auto" latinLnBrk="0" hangingPunct="1">
+                        <a:lnSpc>
+                          <a:spcPct val="100000"/>
+                        </a:lnSpc>
+                        <a:spcBef>
+                          <a:spcPts val="0"/>
+                        </a:spcBef>
+                        <a:spcAft>
+                          <a:spcPts val="0"/>
+                        </a:spcAft>
+                        <a:buClrTx/>
+                        <a:buSzTx/>
+                        <a:buFontTx/>
+                        <a:buNone/>
+                        <a:tabLst/>
+                        <a:defRPr/>
+                      </a:pPr>
+                      <a:r>
+                        <a:rPr lang="en-US" altLang="zh-TW" dirty="0"/>
+                        <a:t>F(2)</a:t>
+                      </a:r>
+                      <a:endParaRPr lang="zh-TW" altLang="en-US" dirty="0"/>
+                    </a:p>
+                  </a:txBody>
+                  <a:tcPr/>
+                </a:tc>
+                <a:tc>
+                  <a:txBody>
+                    <a:bodyPr/>
+                    <a:lstStyle/>
+                    <a:p>
+                      <a:pPr marL="0" marR="0" lvl="0" indent="0" algn="ctr" defTabSz="914400" rtl="0" eaLnBrk="1" fontAlgn="auto" latinLnBrk="0" hangingPunct="1">
+                        <a:lnSpc>
+                          <a:spcPct val="100000"/>
+                        </a:lnSpc>
+                        <a:spcBef>
+                          <a:spcPts val="0"/>
+                        </a:spcBef>
+                        <a:spcAft>
+                          <a:spcPts val="0"/>
+                        </a:spcAft>
+                        <a:buClrTx/>
+                        <a:buSzTx/>
+                        <a:buFontTx/>
+                        <a:buNone/>
+                        <a:tabLst/>
+                        <a:defRPr/>
+                      </a:pPr>
+                      <a:r>
+                        <a:rPr lang="en-US" altLang="zh-TW" dirty="0"/>
+                        <a:t>F(3)</a:t>
+                      </a:r>
+                      <a:endParaRPr lang="zh-TW" altLang="en-US" dirty="0"/>
+                    </a:p>
+                  </a:txBody>
+                  <a:tcPr/>
+                </a:tc>
+                <a:tc>
+                  <a:txBody>
+                    <a:bodyPr/>
+                    <a:lstStyle/>
+                    <a:p>
+                      <a:pPr marL="0" marR="0" lvl="0" indent="0" algn="ctr" defTabSz="914400" rtl="0" eaLnBrk="1" fontAlgn="auto" latinLnBrk="0" hangingPunct="1">
+                        <a:lnSpc>
+                          <a:spcPct val="100000"/>
+                        </a:lnSpc>
+                        <a:spcBef>
+                          <a:spcPts val="0"/>
+                        </a:spcBef>
+                        <a:spcAft>
+                          <a:spcPts val="0"/>
+                        </a:spcAft>
+                        <a:buClrTx/>
+                        <a:buSzTx/>
+                        <a:buFontTx/>
+                        <a:buNone/>
+                        <a:tabLst/>
+                        <a:defRPr/>
+                      </a:pPr>
+                      <a:r>
+                        <a:rPr lang="en-US" altLang="zh-TW" dirty="0"/>
+                        <a:t>F(4)</a:t>
+                      </a:r>
+                      <a:endParaRPr lang="zh-TW" altLang="en-US" dirty="0"/>
+                    </a:p>
+                  </a:txBody>
+                  <a:tcPr/>
+                </a:tc>
+                <a:tc>
+                  <a:txBody>
+                    <a:bodyPr/>
+                    <a:lstStyle/>
+                    <a:p>
+                      <a:pPr marL="0" marR="0" lvl="0" indent="0" algn="ctr" defTabSz="914400" rtl="0" eaLnBrk="1" fontAlgn="auto" latinLnBrk="0" hangingPunct="1">
+                        <a:lnSpc>
+                          <a:spcPct val="100000"/>
+                        </a:lnSpc>
+                        <a:spcBef>
+                          <a:spcPts val="0"/>
+                        </a:spcBef>
+                        <a:spcAft>
+                          <a:spcPts val="0"/>
+                        </a:spcAft>
+                        <a:buClrTx/>
+                        <a:buSzTx/>
+                        <a:buFontTx/>
+                        <a:buNone/>
+                        <a:tabLst/>
+                        <a:defRPr/>
+                      </a:pPr>
+                      <a:r>
+                        <a:rPr lang="en-US" altLang="zh-TW" dirty="0"/>
+                        <a:t>F(5)</a:t>
+                      </a:r>
+                      <a:endParaRPr lang="zh-TW" altLang="en-US" dirty="0"/>
+                    </a:p>
+                  </a:txBody>
+                  <a:tcPr/>
+                </a:tc>
+                <a:tc>
+                  <a:txBody>
+                    <a:bodyPr/>
+                    <a:lstStyle/>
+                    <a:p>
+                      <a:pPr marL="0" marR="0" lvl="0" indent="0" algn="ctr" defTabSz="914400" rtl="0" eaLnBrk="1" fontAlgn="auto" latinLnBrk="0" hangingPunct="1">
+                        <a:lnSpc>
+                          <a:spcPct val="100000"/>
+                        </a:lnSpc>
+                        <a:spcBef>
+                          <a:spcPts val="0"/>
+                        </a:spcBef>
+                        <a:spcAft>
+                          <a:spcPts val="0"/>
+                        </a:spcAft>
+                        <a:buClrTx/>
+                        <a:buSzTx/>
+                        <a:buFontTx/>
+                        <a:buNone/>
+                        <a:tabLst/>
+                        <a:defRPr/>
+                      </a:pPr>
+                      <a:r>
+                        <a:rPr lang="en-US" altLang="zh-TW" dirty="0"/>
+                        <a:t>F(6)</a:t>
+                      </a:r>
+                      <a:endParaRPr lang="zh-TW" altLang="en-US" dirty="0"/>
+                    </a:p>
+                  </a:txBody>
+                  <a:tcPr/>
+                </a:tc>
+                <a:tc>
+                  <a:txBody>
+                    <a:bodyPr/>
+                    <a:lstStyle/>
+                    <a:p>
+                      <a:pPr marL="0" marR="0" lvl="0" indent="0" algn="ctr" defTabSz="914400" rtl="0" eaLnBrk="1" fontAlgn="auto" latinLnBrk="0" hangingPunct="1">
+                        <a:lnSpc>
+                          <a:spcPct val="100000"/>
+                        </a:lnSpc>
+                        <a:spcBef>
+                          <a:spcPts val="0"/>
+                        </a:spcBef>
+                        <a:spcAft>
+                          <a:spcPts val="0"/>
+                        </a:spcAft>
+                        <a:buClrTx/>
+                        <a:buSzTx/>
+                        <a:buFontTx/>
+                        <a:buNone/>
+                        <a:tabLst/>
+                        <a:defRPr/>
+                      </a:pPr>
+                      <a:r>
+                        <a:rPr lang="en-US" altLang="zh-TW" dirty="0"/>
+                        <a:t>F(7)</a:t>
+                      </a:r>
+                      <a:endParaRPr lang="zh-TW" altLang="en-US" dirty="0"/>
+                    </a:p>
+                  </a:txBody>
+                  <a:tcPr/>
+                </a:tc>
+                <a:tc>
+                  <a:txBody>
+                    <a:bodyPr/>
+                    <a:lstStyle/>
+                    <a:p>
+                      <a:pPr marL="0" marR="0" lvl="0" indent="0" algn="ctr" defTabSz="914400" rtl="0" eaLnBrk="1" fontAlgn="auto" latinLnBrk="0" hangingPunct="1">
+                        <a:lnSpc>
+                          <a:spcPct val="100000"/>
+                        </a:lnSpc>
+                        <a:spcBef>
+                          <a:spcPts val="0"/>
+                        </a:spcBef>
+                        <a:spcAft>
+                          <a:spcPts val="0"/>
+                        </a:spcAft>
+                        <a:buClrTx/>
+                        <a:buSzTx/>
+                        <a:buFontTx/>
+                        <a:buNone/>
+                        <a:tabLst/>
+                        <a:defRPr/>
+                      </a:pPr>
+                      <a:r>
+                        <a:rPr lang="en-US" altLang="zh-TW" dirty="0"/>
+                        <a:t>F(8)</a:t>
+                      </a:r>
+                      <a:endParaRPr lang="zh-TW" altLang="en-US" dirty="0"/>
+                    </a:p>
+                  </a:txBody>
+                  <a:tcPr/>
+                </a:tc>
+                <a:tc>
+                  <a:txBody>
+                    <a:bodyPr/>
+                    <a:lstStyle/>
+                    <a:p>
+                      <a:pPr marL="0" marR="0" lvl="0" indent="0" algn="ctr" defTabSz="914400" rtl="0" eaLnBrk="1" fontAlgn="auto" latinLnBrk="0" hangingPunct="1">
+                        <a:lnSpc>
+                          <a:spcPct val="100000"/>
+                        </a:lnSpc>
+                        <a:spcBef>
+                          <a:spcPts val="0"/>
+                        </a:spcBef>
+                        <a:spcAft>
+                          <a:spcPts val="0"/>
+                        </a:spcAft>
+                        <a:buClrTx/>
+                        <a:buSzTx/>
+                        <a:buFontTx/>
+                        <a:buNone/>
+                        <a:tabLst/>
+                        <a:defRPr/>
+                      </a:pPr>
+                      <a:r>
+                        <a:rPr lang="en-US" altLang="zh-TW" dirty="0"/>
+                        <a:t>F(9)</a:t>
+                      </a:r>
+                      <a:endParaRPr lang="zh-TW" altLang="en-US" dirty="0"/>
+                    </a:p>
+                  </a:txBody>
+                  <a:tcPr/>
+                </a:tc>
+                <a:extLst>
+                  <a:ext uri="{0D108BD9-81ED-4DB2-BD59-A6C34878D82A}">
+                    <a16:rowId xmlns:a16="http://schemas.microsoft.com/office/drawing/2014/main" val="116114820"/>
+                  </a:ext>
+                </a:extLst>
+              </a:tr>
+              <a:tr h="370840">
+                <a:tc>
+                  <a:txBody>
+                    <a:bodyPr/>
+                    <a:lstStyle/>
+                    <a:p>
+                      <a:pPr algn="ctr"/>
+                      <a:r>
+                        <a:rPr lang="en-US" altLang="zh-TW" dirty="0"/>
+                        <a:t>0</a:t>
+                      </a:r>
+                      <a:endParaRPr lang="zh-TW" altLang="en-US" dirty="0"/>
+                    </a:p>
+                  </a:txBody>
+                  <a:tcPr/>
+                </a:tc>
+                <a:tc>
+                  <a:txBody>
+                    <a:bodyPr/>
+                    <a:lstStyle/>
+                    <a:p>
+                      <a:pPr algn="ctr"/>
+                      <a:r>
+                        <a:rPr lang="en-US" altLang="zh-TW" dirty="0"/>
+                        <a:t>1</a:t>
+                      </a:r>
+                      <a:endParaRPr lang="zh-TW" altLang="en-US" dirty="0"/>
+                    </a:p>
+                  </a:txBody>
+                  <a:tcPr/>
+                </a:tc>
+                <a:tc>
+                  <a:txBody>
+                    <a:bodyPr/>
+                    <a:lstStyle/>
+                    <a:p>
+                      <a:pPr algn="ctr"/>
+                      <a:r>
+                        <a:rPr lang="en-US" altLang="zh-TW" dirty="0"/>
+                        <a:t>1</a:t>
+                      </a:r>
+                      <a:endParaRPr lang="zh-TW" altLang="en-US" dirty="0"/>
+                    </a:p>
+                  </a:txBody>
+                  <a:tcPr/>
+                </a:tc>
+                <a:tc>
+                  <a:txBody>
+                    <a:bodyPr/>
+                    <a:lstStyle/>
+                    <a:p>
+                      <a:pPr algn="ctr"/>
+                      <a:r>
+                        <a:rPr lang="en-US" altLang="zh-TW" dirty="0"/>
+                        <a:t>2</a:t>
+                      </a:r>
+                      <a:endParaRPr lang="zh-TW" altLang="en-US" dirty="0"/>
+                    </a:p>
+                  </a:txBody>
+                  <a:tcPr/>
+                </a:tc>
+                <a:tc>
+                  <a:txBody>
+                    <a:bodyPr/>
+                    <a:lstStyle/>
+                    <a:p>
+                      <a:pPr algn="ctr"/>
+                      <a:r>
+                        <a:rPr lang="en-US" altLang="zh-TW" dirty="0"/>
+                        <a:t>3</a:t>
+                      </a:r>
+                      <a:endParaRPr lang="zh-TW" altLang="en-US" dirty="0"/>
+                    </a:p>
+                  </a:txBody>
+                  <a:tcPr/>
+                </a:tc>
+                <a:tc>
+                  <a:txBody>
+                    <a:bodyPr/>
+                    <a:lstStyle/>
+                    <a:p>
+                      <a:pPr algn="ctr"/>
+                      <a:r>
+                        <a:rPr lang="en-US" altLang="zh-TW" dirty="0"/>
+                        <a:t>5</a:t>
+                      </a:r>
+                      <a:endParaRPr lang="zh-TW" altLang="en-US" dirty="0"/>
+                    </a:p>
+                  </a:txBody>
+                  <a:tcPr/>
+                </a:tc>
+                <a:tc>
+                  <a:txBody>
+                    <a:bodyPr/>
+                    <a:lstStyle/>
+                    <a:p>
+                      <a:pPr algn="ctr"/>
+                      <a:r>
+                        <a:rPr lang="en-US" altLang="zh-TW" dirty="0"/>
+                        <a:t>8</a:t>
+                      </a:r>
+                      <a:endParaRPr lang="zh-TW" altLang="en-US" dirty="0"/>
+                    </a:p>
+                  </a:txBody>
+                  <a:tcPr/>
+                </a:tc>
+                <a:tc>
+                  <a:txBody>
+                    <a:bodyPr/>
+                    <a:lstStyle/>
+                    <a:p>
+                      <a:pPr algn="ctr"/>
+                      <a:r>
+                        <a:rPr lang="en-US" altLang="zh-TW" dirty="0"/>
+                        <a:t>13</a:t>
+                      </a:r>
+                      <a:endParaRPr lang="zh-TW" altLang="en-US" dirty="0"/>
+                    </a:p>
+                  </a:txBody>
+                  <a:tcPr/>
+                </a:tc>
+                <a:tc>
+                  <a:txBody>
+                    <a:bodyPr/>
+                    <a:lstStyle/>
+                    <a:p>
+                      <a:pPr algn="ctr"/>
+                      <a:r>
+                        <a:rPr lang="en-US" altLang="zh-TW" dirty="0"/>
+                        <a:t>21</a:t>
+                      </a:r>
+                      <a:endParaRPr lang="zh-TW" altLang="en-US" dirty="0"/>
+                    </a:p>
+                  </a:txBody>
+                  <a:tcPr/>
+                </a:tc>
+                <a:tc>
+                  <a:txBody>
+                    <a:bodyPr/>
+                    <a:lstStyle/>
+                    <a:p>
+                      <a:pPr algn="ctr"/>
+                      <a:r>
+                        <a:rPr lang="en-US" altLang="zh-TW" dirty="0"/>
+                        <a:t>34</a:t>
+                      </a:r>
+                      <a:endParaRPr lang="zh-TW" altLang="en-US" dirty="0"/>
+                    </a:p>
+                  </a:txBody>
+                  <a:tcPr/>
+                </a:tc>
+                <a:extLst>
+                  <a:ext uri="{0D108BD9-81ED-4DB2-BD59-A6C34878D82A}">
+                    <a16:rowId xmlns:a16="http://schemas.microsoft.com/office/drawing/2014/main" val="3541695615"/>
+                  </a:ext>
+                </a:extLst>
+              </a:tr>
+            </a:tbl>
+          </a:graphicData>
+        </a:graphic>
+      </p:graphicFrame>
     </p:spTree>
     <p:extLst>
       <p:ext uri="{BB962C8B-B14F-4D97-AF65-F5344CB8AC3E}">
@@ -15553,7 +16396,7 @@
           <p:cNvPr id="2" name="標題 1">
             <a:extLst>
               <a:ext uri="{FF2B5EF4-FFF2-40B4-BE49-F238E27FC236}">
-                <a16:creationId xmlns:a16="http://schemas.microsoft.com/office/drawing/2014/main" id="{4B636CDF-E6B5-4CE0-A5B2-2928A2432B5C}"/>
+                <a16:creationId xmlns:a16="http://schemas.microsoft.com/office/drawing/2014/main" id="{1DF2FE65-E910-4148-BD07-B04B05A50CDA}"/>
               </a:ext>
             </a:extLst>
           </p:cNvPr>
@@ -15571,7 +16414,1628 @@
           <a:p>
             <a:r>
               <a:rPr lang="en-US" altLang="zh-TW" dirty="0"/>
-              <a:t>Example for separated file</a:t>
+              <a:t>Application - Fibonacci</a:t>
+            </a:r>
+            <a:endParaRPr lang="zh-TW" altLang="en-US" dirty="0"/>
+          </a:p>
+        </p:txBody>
+      </p:sp>
+      <p:graphicFrame>
+        <p:nvGraphicFramePr>
+          <p:cNvPr id="4" name="表格 4">
+            <a:extLst>
+              <a:ext uri="{FF2B5EF4-FFF2-40B4-BE49-F238E27FC236}">
+                <a16:creationId xmlns:a16="http://schemas.microsoft.com/office/drawing/2014/main" id="{3E0EF692-63B1-459E-85F4-18ECE0A8BF06}"/>
+              </a:ext>
+            </a:extLst>
+          </p:cNvPr>
+          <p:cNvGraphicFramePr>
+            <a:graphicFrameLocks noGrp="1"/>
+          </p:cNvGraphicFramePr>
+          <p:nvPr>
+            <p:extLst>
+              <p:ext uri="{D42A27DB-BD31-4B8C-83A1-F6EECF244321}">
+                <p14:modId xmlns:p14="http://schemas.microsoft.com/office/powerpoint/2010/main" val="2551266531"/>
+              </p:ext>
+            </p:extLst>
+          </p:nvPr>
+        </p:nvGraphicFramePr>
+        <p:xfrm>
+          <a:off x="6877109" y="1489961"/>
+          <a:ext cx="1189372" cy="741680"/>
+        </p:xfrm>
+        <a:graphic>
+          <a:graphicData uri="http://schemas.openxmlformats.org/drawingml/2006/table">
+            <a:tbl>
+              <a:tblPr firstRow="1" bandRow="1">
+                <a:tableStyleId>{5C22544A-7EE6-4342-B048-85BDC9FD1C3A}</a:tableStyleId>
+              </a:tblPr>
+              <a:tblGrid>
+                <a:gridCol w="1189372">
+                  <a:extLst>
+                    <a:ext uri="{9D8B030D-6E8A-4147-A177-3AD203B41FA5}">
+                      <a16:colId xmlns:a16="http://schemas.microsoft.com/office/drawing/2014/main" val="3985845303"/>
+                    </a:ext>
+                  </a:extLst>
+                </a:gridCol>
+              </a:tblGrid>
+              <a:tr h="370840">
+                <a:tc>
+                  <a:txBody>
+                    <a:bodyPr/>
+                    <a:lstStyle/>
+                    <a:p>
+                      <a:pPr algn="ctr"/>
+                      <a:r>
+                        <a:rPr lang="en-US" altLang="zh-TW" dirty="0"/>
+                        <a:t>F(5)</a:t>
+                      </a:r>
+                      <a:endParaRPr lang="zh-TW" altLang="en-US" dirty="0"/>
+                    </a:p>
+                  </a:txBody>
+                  <a:tcPr anchor="ctr"/>
+                </a:tc>
+                <a:extLst>
+                  <a:ext uri="{0D108BD9-81ED-4DB2-BD59-A6C34878D82A}">
+                    <a16:rowId xmlns:a16="http://schemas.microsoft.com/office/drawing/2014/main" val="466023095"/>
+                  </a:ext>
+                </a:extLst>
+              </a:tr>
+              <a:tr h="370840">
+                <a:tc>
+                  <a:txBody>
+                    <a:bodyPr/>
+                    <a:lstStyle/>
+                    <a:p>
+                      <a:r>
+                        <a:rPr lang="en-US" altLang="zh-TW" dirty="0"/>
+                        <a:t>F(4) + F(3)</a:t>
+                      </a:r>
+                      <a:endParaRPr lang="zh-TW" altLang="en-US" dirty="0"/>
+                    </a:p>
+                  </a:txBody>
+                  <a:tcPr anchor="ctr"/>
+                </a:tc>
+                <a:extLst>
+                  <a:ext uri="{0D108BD9-81ED-4DB2-BD59-A6C34878D82A}">
+                    <a16:rowId xmlns:a16="http://schemas.microsoft.com/office/drawing/2014/main" val="815776900"/>
+                  </a:ext>
+                </a:extLst>
+              </a:tr>
+            </a:tbl>
+          </a:graphicData>
+        </a:graphic>
+      </p:graphicFrame>
+      <p:graphicFrame>
+        <p:nvGraphicFramePr>
+          <p:cNvPr id="5" name="表格 4">
+            <a:extLst>
+              <a:ext uri="{FF2B5EF4-FFF2-40B4-BE49-F238E27FC236}">
+                <a16:creationId xmlns:a16="http://schemas.microsoft.com/office/drawing/2014/main" id="{CA2D3C92-94C2-439A-90B6-5729CF014563}"/>
+              </a:ext>
+            </a:extLst>
+          </p:cNvPr>
+          <p:cNvGraphicFramePr>
+            <a:graphicFrameLocks noGrp="1"/>
+          </p:cNvGraphicFramePr>
+          <p:nvPr>
+            <p:extLst>
+              <p:ext uri="{D42A27DB-BD31-4B8C-83A1-F6EECF244321}">
+                <p14:modId xmlns:p14="http://schemas.microsoft.com/office/powerpoint/2010/main" val="870706872"/>
+              </p:ext>
+            </p:extLst>
+          </p:nvPr>
+        </p:nvGraphicFramePr>
+        <p:xfrm>
+          <a:off x="5511565" y="2489406"/>
+          <a:ext cx="1189372" cy="736600"/>
+        </p:xfrm>
+        <a:graphic>
+          <a:graphicData uri="http://schemas.openxmlformats.org/drawingml/2006/table">
+            <a:tbl>
+              <a:tblPr firstRow="1" bandRow="1">
+                <a:tableStyleId>{5C22544A-7EE6-4342-B048-85BDC9FD1C3A}</a:tableStyleId>
+              </a:tblPr>
+              <a:tblGrid>
+                <a:gridCol w="1189372">
+                  <a:extLst>
+                    <a:ext uri="{9D8B030D-6E8A-4147-A177-3AD203B41FA5}">
+                      <a16:colId xmlns:a16="http://schemas.microsoft.com/office/drawing/2014/main" val="3985845303"/>
+                    </a:ext>
+                  </a:extLst>
+                </a:gridCol>
+              </a:tblGrid>
+              <a:tr h="0">
+                <a:tc>
+                  <a:txBody>
+                    <a:bodyPr/>
+                    <a:lstStyle/>
+                    <a:p>
+                      <a:pPr algn="ctr"/>
+                      <a:r>
+                        <a:rPr lang="en-US" altLang="zh-TW" dirty="0"/>
+                        <a:t>F(4)</a:t>
+                      </a:r>
+                      <a:endParaRPr lang="zh-TW" altLang="en-US" dirty="0"/>
+                    </a:p>
+                  </a:txBody>
+                  <a:tcPr anchor="ctr"/>
+                </a:tc>
+                <a:extLst>
+                  <a:ext uri="{0D108BD9-81ED-4DB2-BD59-A6C34878D82A}">
+                    <a16:rowId xmlns:a16="http://schemas.microsoft.com/office/drawing/2014/main" val="466023095"/>
+                  </a:ext>
+                </a:extLst>
+              </a:tr>
+              <a:tr h="370840">
+                <a:tc>
+                  <a:txBody>
+                    <a:bodyPr/>
+                    <a:lstStyle/>
+                    <a:p>
+                      <a:r>
+                        <a:rPr lang="en-US" altLang="zh-TW" dirty="0"/>
+                        <a:t>F(3) + F(2)</a:t>
+                      </a:r>
+                      <a:endParaRPr lang="zh-TW" altLang="en-US" dirty="0"/>
+                    </a:p>
+                  </a:txBody>
+                  <a:tcPr anchor="ctr"/>
+                </a:tc>
+                <a:extLst>
+                  <a:ext uri="{0D108BD9-81ED-4DB2-BD59-A6C34878D82A}">
+                    <a16:rowId xmlns:a16="http://schemas.microsoft.com/office/drawing/2014/main" val="815776900"/>
+                  </a:ext>
+                </a:extLst>
+              </a:tr>
+            </a:tbl>
+          </a:graphicData>
+        </a:graphic>
+      </p:graphicFrame>
+      <p:graphicFrame>
+        <p:nvGraphicFramePr>
+          <p:cNvPr id="6" name="表格 5">
+            <a:extLst>
+              <a:ext uri="{FF2B5EF4-FFF2-40B4-BE49-F238E27FC236}">
+                <a16:creationId xmlns:a16="http://schemas.microsoft.com/office/drawing/2014/main" id="{0794BD8D-2542-425E-BEE8-6B2FB3BFD22E}"/>
+              </a:ext>
+            </a:extLst>
+          </p:cNvPr>
+          <p:cNvGraphicFramePr>
+            <a:graphicFrameLocks noGrp="1"/>
+          </p:cNvGraphicFramePr>
+          <p:nvPr>
+            <p:extLst>
+              <p:ext uri="{D42A27DB-BD31-4B8C-83A1-F6EECF244321}">
+                <p14:modId xmlns:p14="http://schemas.microsoft.com/office/powerpoint/2010/main" val="624182876"/>
+              </p:ext>
+            </p:extLst>
+          </p:nvPr>
+        </p:nvGraphicFramePr>
+        <p:xfrm>
+          <a:off x="8301842" y="2539300"/>
+          <a:ext cx="1189372" cy="736600"/>
+        </p:xfrm>
+        <a:graphic>
+          <a:graphicData uri="http://schemas.openxmlformats.org/drawingml/2006/table">
+            <a:tbl>
+              <a:tblPr firstRow="1" bandRow="1">
+                <a:tableStyleId>{5C22544A-7EE6-4342-B048-85BDC9FD1C3A}</a:tableStyleId>
+              </a:tblPr>
+              <a:tblGrid>
+                <a:gridCol w="1189372">
+                  <a:extLst>
+                    <a:ext uri="{9D8B030D-6E8A-4147-A177-3AD203B41FA5}">
+                      <a16:colId xmlns:a16="http://schemas.microsoft.com/office/drawing/2014/main" val="3985845303"/>
+                    </a:ext>
+                  </a:extLst>
+                </a:gridCol>
+              </a:tblGrid>
+              <a:tr h="0">
+                <a:tc>
+                  <a:txBody>
+                    <a:bodyPr/>
+                    <a:lstStyle/>
+                    <a:p>
+                      <a:pPr algn="ctr"/>
+                      <a:r>
+                        <a:rPr lang="en-US" altLang="zh-TW" dirty="0"/>
+                        <a:t>F(3)</a:t>
+                      </a:r>
+                      <a:endParaRPr lang="zh-TW" altLang="en-US" dirty="0"/>
+                    </a:p>
+                  </a:txBody>
+                  <a:tcPr anchor="ctr"/>
+                </a:tc>
+                <a:extLst>
+                  <a:ext uri="{0D108BD9-81ED-4DB2-BD59-A6C34878D82A}">
+                    <a16:rowId xmlns:a16="http://schemas.microsoft.com/office/drawing/2014/main" val="466023095"/>
+                  </a:ext>
+                </a:extLst>
+              </a:tr>
+              <a:tr h="370840">
+                <a:tc>
+                  <a:txBody>
+                    <a:bodyPr/>
+                    <a:lstStyle/>
+                    <a:p>
+                      <a:pPr algn="ctr"/>
+                      <a:r>
+                        <a:rPr lang="en-US" altLang="zh-TW" dirty="0"/>
+                        <a:t>F(2) + F(1)</a:t>
+                      </a:r>
+                      <a:endParaRPr lang="zh-TW" altLang="en-US" dirty="0"/>
+                    </a:p>
+                  </a:txBody>
+                  <a:tcPr anchor="ctr"/>
+                </a:tc>
+                <a:extLst>
+                  <a:ext uri="{0D108BD9-81ED-4DB2-BD59-A6C34878D82A}">
+                    <a16:rowId xmlns:a16="http://schemas.microsoft.com/office/drawing/2014/main" val="815776900"/>
+                  </a:ext>
+                </a:extLst>
+              </a:tr>
+            </a:tbl>
+          </a:graphicData>
+        </a:graphic>
+      </p:graphicFrame>
+      <p:graphicFrame>
+        <p:nvGraphicFramePr>
+          <p:cNvPr id="7" name="表格 6">
+            <a:extLst>
+              <a:ext uri="{FF2B5EF4-FFF2-40B4-BE49-F238E27FC236}">
+                <a16:creationId xmlns:a16="http://schemas.microsoft.com/office/drawing/2014/main" id="{D3254E78-5CE4-41A1-87E3-E2C55AB43206}"/>
+              </a:ext>
+            </a:extLst>
+          </p:cNvPr>
+          <p:cNvGraphicFramePr>
+            <a:graphicFrameLocks noGrp="1"/>
+          </p:cNvGraphicFramePr>
+          <p:nvPr>
+            <p:extLst>
+              <p:ext uri="{D42A27DB-BD31-4B8C-83A1-F6EECF244321}">
+                <p14:modId xmlns:p14="http://schemas.microsoft.com/office/powerpoint/2010/main" val="1937952890"/>
+              </p:ext>
+            </p:extLst>
+          </p:nvPr>
+        </p:nvGraphicFramePr>
+        <p:xfrm>
+          <a:off x="4135301" y="3455425"/>
+          <a:ext cx="1189372" cy="736600"/>
+        </p:xfrm>
+        <a:graphic>
+          <a:graphicData uri="http://schemas.openxmlformats.org/drawingml/2006/table">
+            <a:tbl>
+              <a:tblPr firstRow="1" bandRow="1">
+                <a:tableStyleId>{5C22544A-7EE6-4342-B048-85BDC9FD1C3A}</a:tableStyleId>
+              </a:tblPr>
+              <a:tblGrid>
+                <a:gridCol w="1189372">
+                  <a:extLst>
+                    <a:ext uri="{9D8B030D-6E8A-4147-A177-3AD203B41FA5}">
+                      <a16:colId xmlns:a16="http://schemas.microsoft.com/office/drawing/2014/main" val="3985845303"/>
+                    </a:ext>
+                  </a:extLst>
+                </a:gridCol>
+              </a:tblGrid>
+              <a:tr h="0">
+                <a:tc>
+                  <a:txBody>
+                    <a:bodyPr/>
+                    <a:lstStyle/>
+                    <a:p>
+                      <a:pPr algn="ctr"/>
+                      <a:r>
+                        <a:rPr lang="en-US" altLang="zh-TW" dirty="0"/>
+                        <a:t>F(3)</a:t>
+                      </a:r>
+                      <a:endParaRPr lang="zh-TW" altLang="en-US" dirty="0"/>
+                    </a:p>
+                  </a:txBody>
+                  <a:tcPr anchor="ctr"/>
+                </a:tc>
+                <a:extLst>
+                  <a:ext uri="{0D108BD9-81ED-4DB2-BD59-A6C34878D82A}">
+                    <a16:rowId xmlns:a16="http://schemas.microsoft.com/office/drawing/2014/main" val="466023095"/>
+                  </a:ext>
+                </a:extLst>
+              </a:tr>
+              <a:tr h="370840">
+                <a:tc>
+                  <a:txBody>
+                    <a:bodyPr/>
+                    <a:lstStyle/>
+                    <a:p>
+                      <a:r>
+                        <a:rPr lang="en-US" altLang="zh-TW" dirty="0"/>
+                        <a:t>F(2) + F(1)</a:t>
+                      </a:r>
+                      <a:endParaRPr lang="zh-TW" altLang="en-US" dirty="0"/>
+                    </a:p>
+                  </a:txBody>
+                  <a:tcPr anchor="ctr"/>
+                </a:tc>
+                <a:extLst>
+                  <a:ext uri="{0D108BD9-81ED-4DB2-BD59-A6C34878D82A}">
+                    <a16:rowId xmlns:a16="http://schemas.microsoft.com/office/drawing/2014/main" val="815776900"/>
+                  </a:ext>
+                </a:extLst>
+              </a:tr>
+            </a:tbl>
+          </a:graphicData>
+        </a:graphic>
+      </p:graphicFrame>
+      <p:graphicFrame>
+        <p:nvGraphicFramePr>
+          <p:cNvPr id="9" name="表格 8">
+            <a:extLst>
+              <a:ext uri="{FF2B5EF4-FFF2-40B4-BE49-F238E27FC236}">
+                <a16:creationId xmlns:a16="http://schemas.microsoft.com/office/drawing/2014/main" id="{B70EBFC0-AFA2-4642-B401-B9A9F6DF9D09}"/>
+              </a:ext>
+            </a:extLst>
+          </p:cNvPr>
+          <p:cNvGraphicFramePr>
+            <a:graphicFrameLocks noGrp="1"/>
+          </p:cNvGraphicFramePr>
+          <p:nvPr>
+            <p:extLst>
+              <p:ext uri="{D42A27DB-BD31-4B8C-83A1-F6EECF244321}">
+                <p14:modId xmlns:p14="http://schemas.microsoft.com/office/powerpoint/2010/main" val="3130154403"/>
+              </p:ext>
+            </p:extLst>
+          </p:nvPr>
+        </p:nvGraphicFramePr>
+        <p:xfrm>
+          <a:off x="2762306" y="4436363"/>
+          <a:ext cx="1189372" cy="736600"/>
+        </p:xfrm>
+        <a:graphic>
+          <a:graphicData uri="http://schemas.openxmlformats.org/drawingml/2006/table">
+            <a:tbl>
+              <a:tblPr firstRow="1" bandRow="1">
+                <a:tableStyleId>{5C22544A-7EE6-4342-B048-85BDC9FD1C3A}</a:tableStyleId>
+              </a:tblPr>
+              <a:tblGrid>
+                <a:gridCol w="1189372">
+                  <a:extLst>
+                    <a:ext uri="{9D8B030D-6E8A-4147-A177-3AD203B41FA5}">
+                      <a16:colId xmlns:a16="http://schemas.microsoft.com/office/drawing/2014/main" val="3985845303"/>
+                    </a:ext>
+                  </a:extLst>
+                </a:gridCol>
+              </a:tblGrid>
+              <a:tr h="0">
+                <a:tc>
+                  <a:txBody>
+                    <a:bodyPr/>
+                    <a:lstStyle/>
+                    <a:p>
+                      <a:pPr algn="ctr"/>
+                      <a:r>
+                        <a:rPr lang="en-US" altLang="zh-TW" dirty="0"/>
+                        <a:t>F(2)</a:t>
+                      </a:r>
+                      <a:endParaRPr lang="zh-TW" altLang="en-US" dirty="0"/>
+                    </a:p>
+                  </a:txBody>
+                  <a:tcPr anchor="ctr"/>
+                </a:tc>
+                <a:extLst>
+                  <a:ext uri="{0D108BD9-81ED-4DB2-BD59-A6C34878D82A}">
+                    <a16:rowId xmlns:a16="http://schemas.microsoft.com/office/drawing/2014/main" val="466023095"/>
+                  </a:ext>
+                </a:extLst>
+              </a:tr>
+              <a:tr h="370840">
+                <a:tc>
+                  <a:txBody>
+                    <a:bodyPr/>
+                    <a:lstStyle/>
+                    <a:p>
+                      <a:pPr marL="0" marR="0" lvl="0" indent="0" algn="l" defTabSz="914400" rtl="0" eaLnBrk="1" fontAlgn="auto" latinLnBrk="0" hangingPunct="1">
+                        <a:lnSpc>
+                          <a:spcPct val="100000"/>
+                        </a:lnSpc>
+                        <a:spcBef>
+                          <a:spcPts val="0"/>
+                        </a:spcBef>
+                        <a:spcAft>
+                          <a:spcPts val="0"/>
+                        </a:spcAft>
+                        <a:buClrTx/>
+                        <a:buSzTx/>
+                        <a:buFontTx/>
+                        <a:buNone/>
+                        <a:tabLst/>
+                        <a:defRPr/>
+                      </a:pPr>
+                      <a:r>
+                        <a:rPr lang="en-US" altLang="zh-TW" dirty="0"/>
+                        <a:t>F(1) + F(0)</a:t>
+                      </a:r>
+                      <a:endParaRPr lang="zh-TW" altLang="en-US" dirty="0"/>
+                    </a:p>
+                  </a:txBody>
+                  <a:tcPr anchor="ctr"/>
+                </a:tc>
+                <a:extLst>
+                  <a:ext uri="{0D108BD9-81ED-4DB2-BD59-A6C34878D82A}">
+                    <a16:rowId xmlns:a16="http://schemas.microsoft.com/office/drawing/2014/main" val="815776900"/>
+                  </a:ext>
+                </a:extLst>
+              </a:tr>
+            </a:tbl>
+          </a:graphicData>
+        </a:graphic>
+      </p:graphicFrame>
+      <p:graphicFrame>
+        <p:nvGraphicFramePr>
+          <p:cNvPr id="10" name="表格 9">
+            <a:extLst>
+              <a:ext uri="{FF2B5EF4-FFF2-40B4-BE49-F238E27FC236}">
+                <a16:creationId xmlns:a16="http://schemas.microsoft.com/office/drawing/2014/main" id="{45DD8726-37D0-47E6-AE3F-95803F633457}"/>
+              </a:ext>
+            </a:extLst>
+          </p:cNvPr>
+          <p:cNvGraphicFramePr>
+            <a:graphicFrameLocks noGrp="1"/>
+          </p:cNvGraphicFramePr>
+          <p:nvPr>
+            <p:extLst>
+              <p:ext uri="{D42A27DB-BD31-4B8C-83A1-F6EECF244321}">
+                <p14:modId xmlns:p14="http://schemas.microsoft.com/office/powerpoint/2010/main" val="2915031130"/>
+              </p:ext>
+            </p:extLst>
+          </p:nvPr>
+        </p:nvGraphicFramePr>
+        <p:xfrm>
+          <a:off x="1379520" y="5452133"/>
+          <a:ext cx="1189372" cy="736600"/>
+        </p:xfrm>
+        <a:graphic>
+          <a:graphicData uri="http://schemas.openxmlformats.org/drawingml/2006/table">
+            <a:tbl>
+              <a:tblPr firstRow="1" bandRow="1">
+                <a:tableStyleId>{5C22544A-7EE6-4342-B048-85BDC9FD1C3A}</a:tableStyleId>
+              </a:tblPr>
+              <a:tblGrid>
+                <a:gridCol w="1189372">
+                  <a:extLst>
+                    <a:ext uri="{9D8B030D-6E8A-4147-A177-3AD203B41FA5}">
+                      <a16:colId xmlns:a16="http://schemas.microsoft.com/office/drawing/2014/main" val="3985845303"/>
+                    </a:ext>
+                  </a:extLst>
+                </a:gridCol>
+              </a:tblGrid>
+              <a:tr h="0">
+                <a:tc>
+                  <a:txBody>
+                    <a:bodyPr/>
+                    <a:lstStyle/>
+                    <a:p>
+                      <a:pPr algn="ctr"/>
+                      <a:r>
+                        <a:rPr lang="en-US" altLang="zh-TW" dirty="0"/>
+                        <a:t>F(1)</a:t>
+                      </a:r>
+                      <a:endParaRPr lang="zh-TW" altLang="en-US" dirty="0"/>
+                    </a:p>
+                  </a:txBody>
+                  <a:tcPr anchor="ctr"/>
+                </a:tc>
+                <a:extLst>
+                  <a:ext uri="{0D108BD9-81ED-4DB2-BD59-A6C34878D82A}">
+                    <a16:rowId xmlns:a16="http://schemas.microsoft.com/office/drawing/2014/main" val="466023095"/>
+                  </a:ext>
+                </a:extLst>
+              </a:tr>
+              <a:tr h="370840">
+                <a:tc>
+                  <a:txBody>
+                    <a:bodyPr/>
+                    <a:lstStyle/>
+                    <a:p>
+                      <a:pPr marL="0" marR="0" lvl="0" indent="0" algn="ctr" defTabSz="914400" rtl="0" eaLnBrk="1" fontAlgn="auto" latinLnBrk="0" hangingPunct="1">
+                        <a:lnSpc>
+                          <a:spcPct val="100000"/>
+                        </a:lnSpc>
+                        <a:spcBef>
+                          <a:spcPts val="0"/>
+                        </a:spcBef>
+                        <a:spcAft>
+                          <a:spcPts val="0"/>
+                        </a:spcAft>
+                        <a:buClrTx/>
+                        <a:buSzTx/>
+                        <a:buFontTx/>
+                        <a:buNone/>
+                        <a:tabLst/>
+                        <a:defRPr/>
+                      </a:pPr>
+                      <a:r>
+                        <a:rPr lang="en-US" altLang="zh-TW" dirty="0"/>
+                        <a:t>1</a:t>
+                      </a:r>
+                      <a:endParaRPr lang="zh-TW" altLang="en-US" dirty="0"/>
+                    </a:p>
+                  </a:txBody>
+                  <a:tcPr anchor="ctr"/>
+                </a:tc>
+                <a:extLst>
+                  <a:ext uri="{0D108BD9-81ED-4DB2-BD59-A6C34878D82A}">
+                    <a16:rowId xmlns:a16="http://schemas.microsoft.com/office/drawing/2014/main" val="815776900"/>
+                  </a:ext>
+                </a:extLst>
+              </a:tr>
+            </a:tbl>
+          </a:graphicData>
+        </a:graphic>
+      </p:graphicFrame>
+      <p:graphicFrame>
+        <p:nvGraphicFramePr>
+          <p:cNvPr id="11" name="表格 10">
+            <a:extLst>
+              <a:ext uri="{FF2B5EF4-FFF2-40B4-BE49-F238E27FC236}">
+                <a16:creationId xmlns:a16="http://schemas.microsoft.com/office/drawing/2014/main" id="{5B0FE1D7-AFCA-45D1-A0A3-3AEF98B4AE35}"/>
+              </a:ext>
+            </a:extLst>
+          </p:cNvPr>
+          <p:cNvGraphicFramePr>
+            <a:graphicFrameLocks noGrp="1"/>
+          </p:cNvGraphicFramePr>
+          <p:nvPr>
+            <p:extLst>
+              <p:ext uri="{D42A27DB-BD31-4B8C-83A1-F6EECF244321}">
+                <p14:modId xmlns:p14="http://schemas.microsoft.com/office/powerpoint/2010/main" val="537030802"/>
+              </p:ext>
+            </p:extLst>
+          </p:nvPr>
+        </p:nvGraphicFramePr>
+        <p:xfrm>
+          <a:off x="4135301" y="5488006"/>
+          <a:ext cx="1189372" cy="736600"/>
+        </p:xfrm>
+        <a:graphic>
+          <a:graphicData uri="http://schemas.openxmlformats.org/drawingml/2006/table">
+            <a:tbl>
+              <a:tblPr firstRow="1" bandRow="1">
+                <a:tableStyleId>{5C22544A-7EE6-4342-B048-85BDC9FD1C3A}</a:tableStyleId>
+              </a:tblPr>
+              <a:tblGrid>
+                <a:gridCol w="1189372">
+                  <a:extLst>
+                    <a:ext uri="{9D8B030D-6E8A-4147-A177-3AD203B41FA5}">
+                      <a16:colId xmlns:a16="http://schemas.microsoft.com/office/drawing/2014/main" val="3985845303"/>
+                    </a:ext>
+                  </a:extLst>
+                </a:gridCol>
+              </a:tblGrid>
+              <a:tr h="0">
+                <a:tc>
+                  <a:txBody>
+                    <a:bodyPr/>
+                    <a:lstStyle/>
+                    <a:p>
+                      <a:pPr algn="ctr"/>
+                      <a:r>
+                        <a:rPr lang="en-US" altLang="zh-TW" dirty="0"/>
+                        <a:t>F(2)</a:t>
+                      </a:r>
+                      <a:endParaRPr lang="zh-TW" altLang="en-US" dirty="0"/>
+                    </a:p>
+                  </a:txBody>
+                  <a:tcPr anchor="ctr"/>
+                </a:tc>
+                <a:extLst>
+                  <a:ext uri="{0D108BD9-81ED-4DB2-BD59-A6C34878D82A}">
+                    <a16:rowId xmlns:a16="http://schemas.microsoft.com/office/drawing/2014/main" val="466023095"/>
+                  </a:ext>
+                </a:extLst>
+              </a:tr>
+              <a:tr h="370840">
+                <a:tc>
+                  <a:txBody>
+                    <a:bodyPr/>
+                    <a:lstStyle/>
+                    <a:p>
+                      <a:pPr marL="0" marR="0" lvl="0" indent="0" algn="ctr" defTabSz="914400" rtl="0" eaLnBrk="1" fontAlgn="auto" latinLnBrk="0" hangingPunct="1">
+                        <a:lnSpc>
+                          <a:spcPct val="100000"/>
+                        </a:lnSpc>
+                        <a:spcBef>
+                          <a:spcPts val="0"/>
+                        </a:spcBef>
+                        <a:spcAft>
+                          <a:spcPts val="0"/>
+                        </a:spcAft>
+                        <a:buClrTx/>
+                        <a:buSzTx/>
+                        <a:buFontTx/>
+                        <a:buNone/>
+                        <a:tabLst/>
+                        <a:defRPr/>
+                      </a:pPr>
+                      <a:r>
+                        <a:rPr lang="en-US" altLang="zh-TW" dirty="0"/>
+                        <a:t>0</a:t>
+                      </a:r>
+                      <a:endParaRPr lang="zh-TW" altLang="en-US" dirty="0"/>
+                    </a:p>
+                  </a:txBody>
+                  <a:tcPr anchor="ctr"/>
+                </a:tc>
+                <a:extLst>
+                  <a:ext uri="{0D108BD9-81ED-4DB2-BD59-A6C34878D82A}">
+                    <a16:rowId xmlns:a16="http://schemas.microsoft.com/office/drawing/2014/main" val="815776900"/>
+                  </a:ext>
+                </a:extLst>
+              </a:tr>
+            </a:tbl>
+          </a:graphicData>
+        </a:graphic>
+      </p:graphicFrame>
+      <p:cxnSp>
+        <p:nvCxnSpPr>
+          <p:cNvPr id="39" name="接點: 弧形 38">
+            <a:extLst>
+              <a:ext uri="{FF2B5EF4-FFF2-40B4-BE49-F238E27FC236}">
+                <a16:creationId xmlns:a16="http://schemas.microsoft.com/office/drawing/2014/main" id="{5DAF191F-54FC-412F-9109-261E3F5CD47C}"/>
+              </a:ext>
+            </a:extLst>
+          </p:cNvPr>
+          <p:cNvCxnSpPr>
+            <a:endCxn id="7" idx="0"/>
+          </p:cNvCxnSpPr>
+          <p:nvPr/>
+        </p:nvCxnSpPr>
+        <p:spPr>
+          <a:xfrm rot="10800000" flipV="1">
+            <a:off x="4729987" y="2793533"/>
+            <a:ext cx="781578" cy="661891"/>
+          </a:xfrm>
+          <a:prstGeom prst="curvedConnector2">
+            <a:avLst/>
+          </a:prstGeom>
+          <a:ln w="38100">
+            <a:solidFill>
+              <a:srgbClr val="FF0000"/>
+            </a:solidFill>
+            <a:tailEnd type="triangle"/>
+          </a:ln>
+        </p:spPr>
+        <p:style>
+          <a:lnRef idx="1">
+            <a:schemeClr val="accent1"/>
+          </a:lnRef>
+          <a:fillRef idx="0">
+            <a:schemeClr val="accent1"/>
+          </a:fillRef>
+          <a:effectRef idx="0">
+            <a:schemeClr val="accent1"/>
+          </a:effectRef>
+          <a:fontRef idx="minor">
+            <a:schemeClr val="tx1"/>
+          </a:fontRef>
+        </p:style>
+      </p:cxnSp>
+      <p:cxnSp>
+        <p:nvCxnSpPr>
+          <p:cNvPr id="40" name="接點: 弧形 39">
+            <a:extLst>
+              <a:ext uri="{FF2B5EF4-FFF2-40B4-BE49-F238E27FC236}">
+                <a16:creationId xmlns:a16="http://schemas.microsoft.com/office/drawing/2014/main" id="{51516CCB-3FD3-42B3-AC23-2B0675F12BDC}"/>
+              </a:ext>
+            </a:extLst>
+          </p:cNvPr>
+          <p:cNvCxnSpPr>
+            <a:cxnSpLocks/>
+            <a:stCxn id="4" idx="1"/>
+            <a:endCxn id="5" idx="0"/>
+          </p:cNvCxnSpPr>
+          <p:nvPr/>
+        </p:nvCxnSpPr>
+        <p:spPr>
+          <a:xfrm rot="10800000" flipV="1">
+            <a:off x="6106251" y="1860800"/>
+            <a:ext cx="770858" cy="628605"/>
+          </a:xfrm>
+          <a:prstGeom prst="curvedConnector2">
+            <a:avLst/>
+          </a:prstGeom>
+          <a:ln w="38100">
+            <a:solidFill>
+              <a:srgbClr val="FF0000"/>
+            </a:solidFill>
+            <a:tailEnd type="triangle"/>
+          </a:ln>
+        </p:spPr>
+        <p:style>
+          <a:lnRef idx="1">
+            <a:schemeClr val="accent1"/>
+          </a:lnRef>
+          <a:fillRef idx="0">
+            <a:schemeClr val="accent1"/>
+          </a:fillRef>
+          <a:effectRef idx="0">
+            <a:schemeClr val="accent1"/>
+          </a:effectRef>
+          <a:fontRef idx="minor">
+            <a:schemeClr val="tx1"/>
+          </a:fontRef>
+        </p:style>
+      </p:cxnSp>
+      <p:cxnSp>
+        <p:nvCxnSpPr>
+          <p:cNvPr id="43" name="接點: 弧形 42">
+            <a:extLst>
+              <a:ext uri="{FF2B5EF4-FFF2-40B4-BE49-F238E27FC236}">
+                <a16:creationId xmlns:a16="http://schemas.microsoft.com/office/drawing/2014/main" id="{C647FA83-260E-469D-8439-C269FF73EAD7}"/>
+              </a:ext>
+            </a:extLst>
+          </p:cNvPr>
+          <p:cNvCxnSpPr>
+            <a:cxnSpLocks/>
+            <a:stCxn id="7" idx="1"/>
+            <a:endCxn id="9" idx="0"/>
+          </p:cNvCxnSpPr>
+          <p:nvPr/>
+        </p:nvCxnSpPr>
+        <p:spPr>
+          <a:xfrm rot="10800000" flipV="1">
+            <a:off x="3356993" y="3823725"/>
+            <a:ext cx="778309" cy="612638"/>
+          </a:xfrm>
+          <a:prstGeom prst="curvedConnector2">
+            <a:avLst/>
+          </a:prstGeom>
+          <a:ln w="38100">
+            <a:solidFill>
+              <a:srgbClr val="FF0000"/>
+            </a:solidFill>
+            <a:tailEnd type="triangle"/>
+          </a:ln>
+        </p:spPr>
+        <p:style>
+          <a:lnRef idx="1">
+            <a:schemeClr val="accent1"/>
+          </a:lnRef>
+          <a:fillRef idx="0">
+            <a:schemeClr val="accent1"/>
+          </a:fillRef>
+          <a:effectRef idx="0">
+            <a:schemeClr val="accent1"/>
+          </a:effectRef>
+          <a:fontRef idx="minor">
+            <a:schemeClr val="tx1"/>
+          </a:fontRef>
+        </p:style>
+      </p:cxnSp>
+      <p:cxnSp>
+        <p:nvCxnSpPr>
+          <p:cNvPr id="46" name="接點: 弧形 45">
+            <a:extLst>
+              <a:ext uri="{FF2B5EF4-FFF2-40B4-BE49-F238E27FC236}">
+                <a16:creationId xmlns:a16="http://schemas.microsoft.com/office/drawing/2014/main" id="{D0ED14D6-EECA-41D5-9083-377B7E045613}"/>
+              </a:ext>
+            </a:extLst>
+          </p:cNvPr>
+          <p:cNvCxnSpPr>
+            <a:cxnSpLocks/>
+            <a:stCxn id="9" idx="1"/>
+            <a:endCxn id="10" idx="0"/>
+          </p:cNvCxnSpPr>
+          <p:nvPr/>
+        </p:nvCxnSpPr>
+        <p:spPr>
+          <a:xfrm rot="10800000" flipV="1">
+            <a:off x="1974206" y="4804663"/>
+            <a:ext cx="788100" cy="647470"/>
+          </a:xfrm>
+          <a:prstGeom prst="curvedConnector2">
+            <a:avLst/>
+          </a:prstGeom>
+          <a:ln w="38100">
+            <a:solidFill>
+              <a:srgbClr val="FF0000"/>
+            </a:solidFill>
+            <a:tailEnd type="triangle"/>
+          </a:ln>
+        </p:spPr>
+        <p:style>
+          <a:lnRef idx="1">
+            <a:schemeClr val="accent1"/>
+          </a:lnRef>
+          <a:fillRef idx="0">
+            <a:schemeClr val="accent1"/>
+          </a:fillRef>
+          <a:effectRef idx="0">
+            <a:schemeClr val="accent1"/>
+          </a:effectRef>
+          <a:fontRef idx="minor">
+            <a:schemeClr val="tx1"/>
+          </a:fontRef>
+        </p:style>
+      </p:cxnSp>
+      <p:cxnSp>
+        <p:nvCxnSpPr>
+          <p:cNvPr id="49" name="接點: 弧形 48">
+            <a:extLst>
+              <a:ext uri="{FF2B5EF4-FFF2-40B4-BE49-F238E27FC236}">
+                <a16:creationId xmlns:a16="http://schemas.microsoft.com/office/drawing/2014/main" id="{FF159A04-FB09-488A-9EFB-629482CC25C9}"/>
+              </a:ext>
+            </a:extLst>
+          </p:cNvPr>
+          <p:cNvCxnSpPr>
+            <a:cxnSpLocks/>
+            <a:stCxn id="10" idx="3"/>
+            <a:endCxn id="9" idx="2"/>
+          </p:cNvCxnSpPr>
+          <p:nvPr/>
+        </p:nvCxnSpPr>
+        <p:spPr>
+          <a:xfrm flipV="1">
+            <a:off x="2568892" y="5172963"/>
+            <a:ext cx="788100" cy="647470"/>
+          </a:xfrm>
+          <a:prstGeom prst="curvedConnector2">
+            <a:avLst/>
+          </a:prstGeom>
+          <a:ln w="38100">
+            <a:solidFill>
+              <a:srgbClr val="FF0000"/>
+            </a:solidFill>
+            <a:tailEnd type="triangle"/>
+          </a:ln>
+        </p:spPr>
+        <p:style>
+          <a:lnRef idx="1">
+            <a:schemeClr val="accent1"/>
+          </a:lnRef>
+          <a:fillRef idx="0">
+            <a:schemeClr val="accent1"/>
+          </a:fillRef>
+          <a:effectRef idx="0">
+            <a:schemeClr val="accent1"/>
+          </a:effectRef>
+          <a:fontRef idx="minor">
+            <a:schemeClr val="tx1"/>
+          </a:fontRef>
+        </p:style>
+      </p:cxnSp>
+      <p:cxnSp>
+        <p:nvCxnSpPr>
+          <p:cNvPr id="52" name="接點: 弧形 51">
+            <a:extLst>
+              <a:ext uri="{FF2B5EF4-FFF2-40B4-BE49-F238E27FC236}">
+                <a16:creationId xmlns:a16="http://schemas.microsoft.com/office/drawing/2014/main" id="{556C0FFB-595E-4CB3-8A59-50903D773832}"/>
+              </a:ext>
+            </a:extLst>
+          </p:cNvPr>
+          <p:cNvCxnSpPr>
+            <a:cxnSpLocks/>
+            <a:stCxn id="9" idx="2"/>
+            <a:endCxn id="11" idx="1"/>
+          </p:cNvCxnSpPr>
+          <p:nvPr/>
+        </p:nvCxnSpPr>
+        <p:spPr>
+          <a:xfrm rot="16200000" flipH="1">
+            <a:off x="3404475" y="5125479"/>
+            <a:ext cx="683343" cy="778309"/>
+          </a:xfrm>
+          <a:prstGeom prst="curvedConnector2">
+            <a:avLst/>
+          </a:prstGeom>
+          <a:ln w="38100">
+            <a:solidFill>
+              <a:srgbClr val="FF0000"/>
+            </a:solidFill>
+            <a:tailEnd type="triangle"/>
+          </a:ln>
+        </p:spPr>
+        <p:style>
+          <a:lnRef idx="1">
+            <a:schemeClr val="accent1"/>
+          </a:lnRef>
+          <a:fillRef idx="0">
+            <a:schemeClr val="accent1"/>
+          </a:fillRef>
+          <a:effectRef idx="0">
+            <a:schemeClr val="accent1"/>
+          </a:effectRef>
+          <a:fontRef idx="minor">
+            <a:schemeClr val="tx1"/>
+          </a:fontRef>
+        </p:style>
+      </p:cxnSp>
+      <p:cxnSp>
+        <p:nvCxnSpPr>
+          <p:cNvPr id="55" name="接點: 弧形 54">
+            <a:extLst>
+              <a:ext uri="{FF2B5EF4-FFF2-40B4-BE49-F238E27FC236}">
+                <a16:creationId xmlns:a16="http://schemas.microsoft.com/office/drawing/2014/main" id="{B9651977-0A48-46B0-9324-3B84318A04E6}"/>
+              </a:ext>
+            </a:extLst>
+          </p:cNvPr>
+          <p:cNvCxnSpPr>
+            <a:cxnSpLocks/>
+            <a:stCxn id="11" idx="0"/>
+            <a:endCxn id="9" idx="3"/>
+          </p:cNvCxnSpPr>
+          <p:nvPr/>
+        </p:nvCxnSpPr>
+        <p:spPr>
+          <a:xfrm rot="16200000" flipV="1">
+            <a:off x="3999162" y="4757180"/>
+            <a:ext cx="683343" cy="778309"/>
+          </a:xfrm>
+          <a:prstGeom prst="curvedConnector2">
+            <a:avLst/>
+          </a:prstGeom>
+          <a:ln w="38100">
+            <a:solidFill>
+              <a:srgbClr val="FF0000"/>
+            </a:solidFill>
+            <a:tailEnd type="triangle"/>
+          </a:ln>
+        </p:spPr>
+        <p:style>
+          <a:lnRef idx="1">
+            <a:schemeClr val="accent1"/>
+          </a:lnRef>
+          <a:fillRef idx="0">
+            <a:schemeClr val="accent1"/>
+          </a:fillRef>
+          <a:effectRef idx="0">
+            <a:schemeClr val="accent1"/>
+          </a:effectRef>
+          <a:fontRef idx="minor">
+            <a:schemeClr val="tx1"/>
+          </a:fontRef>
+        </p:style>
+      </p:cxnSp>
+      <p:cxnSp>
+        <p:nvCxnSpPr>
+          <p:cNvPr id="69" name="接點: 弧形 68">
+            <a:extLst>
+              <a:ext uri="{FF2B5EF4-FFF2-40B4-BE49-F238E27FC236}">
+                <a16:creationId xmlns:a16="http://schemas.microsoft.com/office/drawing/2014/main" id="{47FDB2D8-C136-41C5-9431-2317EBC21920}"/>
+              </a:ext>
+            </a:extLst>
+          </p:cNvPr>
+          <p:cNvCxnSpPr>
+            <a:cxnSpLocks/>
+            <a:stCxn id="4" idx="3"/>
+            <a:endCxn id="6" idx="0"/>
+          </p:cNvCxnSpPr>
+          <p:nvPr/>
+        </p:nvCxnSpPr>
+        <p:spPr>
+          <a:xfrm>
+            <a:off x="8066481" y="1860801"/>
+            <a:ext cx="830047" cy="678499"/>
+          </a:xfrm>
+          <a:prstGeom prst="curvedConnector2">
+            <a:avLst/>
+          </a:prstGeom>
+          <a:ln w="38100">
+            <a:solidFill>
+              <a:srgbClr val="FF0000"/>
+            </a:solidFill>
+            <a:prstDash val="dashDot"/>
+            <a:tailEnd type="triangle"/>
+          </a:ln>
+        </p:spPr>
+        <p:style>
+          <a:lnRef idx="1">
+            <a:schemeClr val="accent1"/>
+          </a:lnRef>
+          <a:fillRef idx="0">
+            <a:schemeClr val="accent1"/>
+          </a:fillRef>
+          <a:effectRef idx="0">
+            <a:schemeClr val="accent1"/>
+          </a:effectRef>
+          <a:fontRef idx="minor">
+            <a:schemeClr val="tx1"/>
+          </a:fontRef>
+        </p:style>
+      </p:cxnSp>
+      <p:sp>
+        <p:nvSpPr>
+          <p:cNvPr id="72" name="箭號: 向右 71">
+            <a:extLst>
+              <a:ext uri="{FF2B5EF4-FFF2-40B4-BE49-F238E27FC236}">
+                <a16:creationId xmlns:a16="http://schemas.microsoft.com/office/drawing/2014/main" id="{788BEF82-20EC-4A69-B7DD-D1BAD77817F6}"/>
+              </a:ext>
+            </a:extLst>
+          </p:cNvPr>
+          <p:cNvSpPr/>
+          <p:nvPr/>
+        </p:nvSpPr>
+        <p:spPr>
+          <a:xfrm rot="5400000">
+            <a:off x="8723506" y="3350120"/>
+            <a:ext cx="578840" cy="736600"/>
+          </a:xfrm>
+          <a:prstGeom prst="rightArrow">
+            <a:avLst/>
+          </a:prstGeom>
+          <a:noFill/>
+          <a:ln w="38100">
+            <a:solidFill>
+              <a:srgbClr val="FF0000"/>
+            </a:solidFill>
+          </a:ln>
+        </p:spPr>
+        <p:style>
+          <a:lnRef idx="2">
+            <a:schemeClr val="accent1">
+              <a:shade val="50000"/>
+            </a:schemeClr>
+          </a:lnRef>
+          <a:fillRef idx="1">
+            <a:schemeClr val="accent1"/>
+          </a:fillRef>
+          <a:effectRef idx="0">
+            <a:schemeClr val="accent1"/>
+          </a:effectRef>
+          <a:fontRef idx="minor">
+            <a:schemeClr val="lt1"/>
+          </a:fontRef>
+        </p:style>
+        <p:txBody>
+          <a:bodyPr rtlCol="0" anchor="ctr"/>
+          <a:lstStyle/>
+          <a:p>
+            <a:pPr algn="ctr"/>
+            <a:endParaRPr lang="zh-TW" altLang="en-US"/>
+          </a:p>
+        </p:txBody>
+      </p:sp>
+      <p:sp>
+        <p:nvSpPr>
+          <p:cNvPr id="73" name="等腰三角形 72">
+            <a:extLst>
+              <a:ext uri="{FF2B5EF4-FFF2-40B4-BE49-F238E27FC236}">
+                <a16:creationId xmlns:a16="http://schemas.microsoft.com/office/drawing/2014/main" id="{412C049F-EB89-4912-B812-6008D5C8C3CA}"/>
+              </a:ext>
+            </a:extLst>
+          </p:cNvPr>
+          <p:cNvSpPr/>
+          <p:nvPr/>
+        </p:nvSpPr>
+        <p:spPr>
+          <a:xfrm>
+            <a:off x="8599647" y="4124512"/>
+            <a:ext cx="830047" cy="683344"/>
+          </a:xfrm>
+          <a:prstGeom prst="triangle">
+            <a:avLst/>
+          </a:prstGeom>
+          <a:noFill/>
+        </p:spPr>
+        <p:style>
+          <a:lnRef idx="2">
+            <a:schemeClr val="accent1">
+              <a:shade val="50000"/>
+            </a:schemeClr>
+          </a:lnRef>
+          <a:fillRef idx="1">
+            <a:schemeClr val="accent1"/>
+          </a:fillRef>
+          <a:effectRef idx="0">
+            <a:schemeClr val="accent1"/>
+          </a:effectRef>
+          <a:fontRef idx="minor">
+            <a:schemeClr val="lt1"/>
+          </a:fontRef>
+        </p:style>
+        <p:txBody>
+          <a:bodyPr rtlCol="0" anchor="ctr"/>
+          <a:lstStyle/>
+          <a:p>
+            <a:pPr algn="ctr"/>
+            <a:endParaRPr lang="zh-TW" altLang="en-US"/>
+          </a:p>
+        </p:txBody>
+      </p:sp>
+      <p:sp>
+        <p:nvSpPr>
+          <p:cNvPr id="74" name="等腰三角形 73">
+            <a:extLst>
+              <a:ext uri="{FF2B5EF4-FFF2-40B4-BE49-F238E27FC236}">
+                <a16:creationId xmlns:a16="http://schemas.microsoft.com/office/drawing/2014/main" id="{167F3575-97F0-450C-89C9-8601D6459F4B}"/>
+              </a:ext>
+            </a:extLst>
+          </p:cNvPr>
+          <p:cNvSpPr/>
+          <p:nvPr/>
+        </p:nvSpPr>
+        <p:spPr>
+          <a:xfrm>
+            <a:off x="7056771" y="3416237"/>
+            <a:ext cx="830047" cy="683344"/>
+          </a:xfrm>
+          <a:prstGeom prst="triangle">
+            <a:avLst/>
+          </a:prstGeom>
+          <a:noFill/>
+        </p:spPr>
+        <p:style>
+          <a:lnRef idx="2">
+            <a:schemeClr val="accent1">
+              <a:shade val="50000"/>
+            </a:schemeClr>
+          </a:lnRef>
+          <a:fillRef idx="1">
+            <a:schemeClr val="accent1"/>
+          </a:fillRef>
+          <a:effectRef idx="0">
+            <a:schemeClr val="accent1"/>
+          </a:effectRef>
+          <a:fontRef idx="minor">
+            <a:schemeClr val="lt1"/>
+          </a:fontRef>
+        </p:style>
+        <p:txBody>
+          <a:bodyPr rtlCol="0" anchor="ctr"/>
+          <a:lstStyle/>
+          <a:p>
+            <a:pPr algn="ctr"/>
+            <a:endParaRPr lang="zh-TW" altLang="en-US"/>
+          </a:p>
+        </p:txBody>
+      </p:sp>
+      <p:sp>
+        <p:nvSpPr>
+          <p:cNvPr id="75" name="等腰三角形 74">
+            <a:extLst>
+              <a:ext uri="{FF2B5EF4-FFF2-40B4-BE49-F238E27FC236}">
+                <a16:creationId xmlns:a16="http://schemas.microsoft.com/office/drawing/2014/main" id="{B45658CE-383D-452A-8486-054809D1F234}"/>
+              </a:ext>
+            </a:extLst>
+          </p:cNvPr>
+          <p:cNvSpPr/>
+          <p:nvPr/>
+        </p:nvSpPr>
+        <p:spPr>
+          <a:xfrm>
+            <a:off x="5834770" y="4417355"/>
+            <a:ext cx="830047" cy="683344"/>
+          </a:xfrm>
+          <a:prstGeom prst="triangle">
+            <a:avLst/>
+          </a:prstGeom>
+          <a:noFill/>
+        </p:spPr>
+        <p:style>
+          <a:lnRef idx="2">
+            <a:schemeClr val="accent1">
+              <a:shade val="50000"/>
+            </a:schemeClr>
+          </a:lnRef>
+          <a:fillRef idx="1">
+            <a:schemeClr val="accent1"/>
+          </a:fillRef>
+          <a:effectRef idx="0">
+            <a:schemeClr val="accent1"/>
+          </a:effectRef>
+          <a:fontRef idx="minor">
+            <a:schemeClr val="lt1"/>
+          </a:fontRef>
+        </p:style>
+        <p:txBody>
+          <a:bodyPr rtlCol="0" anchor="ctr"/>
+          <a:lstStyle/>
+          <a:p>
+            <a:pPr algn="ctr"/>
+            <a:endParaRPr lang="zh-TW" altLang="en-US"/>
+          </a:p>
+        </p:txBody>
+      </p:sp>
+      <p:cxnSp>
+        <p:nvCxnSpPr>
+          <p:cNvPr id="76" name="接點: 弧形 75">
+            <a:extLst>
+              <a:ext uri="{FF2B5EF4-FFF2-40B4-BE49-F238E27FC236}">
+                <a16:creationId xmlns:a16="http://schemas.microsoft.com/office/drawing/2014/main" id="{FCF8C849-F089-4353-A7AD-E39A59C73333}"/>
+              </a:ext>
+            </a:extLst>
+          </p:cNvPr>
+          <p:cNvCxnSpPr>
+            <a:cxnSpLocks/>
+            <a:stCxn id="75" idx="0"/>
+            <a:endCxn id="7" idx="3"/>
+          </p:cNvCxnSpPr>
+          <p:nvPr/>
+        </p:nvCxnSpPr>
+        <p:spPr>
+          <a:xfrm rot="16200000" flipV="1">
+            <a:off x="5490419" y="3657979"/>
+            <a:ext cx="593630" cy="925121"/>
+          </a:xfrm>
+          <a:prstGeom prst="curvedConnector2">
+            <a:avLst/>
+          </a:prstGeom>
+          <a:ln w="38100">
+            <a:solidFill>
+              <a:srgbClr val="FF0000"/>
+            </a:solidFill>
+            <a:prstDash val="sysDot"/>
+            <a:headEnd type="triangle" w="med" len="med"/>
+            <a:tailEnd type="triangle" w="med" len="med"/>
+          </a:ln>
+        </p:spPr>
+        <p:style>
+          <a:lnRef idx="1">
+            <a:schemeClr val="accent1"/>
+          </a:lnRef>
+          <a:fillRef idx="0">
+            <a:schemeClr val="accent1"/>
+          </a:fillRef>
+          <a:effectRef idx="0">
+            <a:schemeClr val="accent1"/>
+          </a:effectRef>
+          <a:fontRef idx="minor">
+            <a:schemeClr val="tx1"/>
+          </a:fontRef>
+        </p:style>
+      </p:cxnSp>
+      <p:cxnSp>
+        <p:nvCxnSpPr>
+          <p:cNvPr id="79" name="接點: 弧形 78">
+            <a:extLst>
+              <a:ext uri="{FF2B5EF4-FFF2-40B4-BE49-F238E27FC236}">
+                <a16:creationId xmlns:a16="http://schemas.microsoft.com/office/drawing/2014/main" id="{AA4199E3-E763-47C6-A0FC-BF2948BF110B}"/>
+              </a:ext>
+            </a:extLst>
+          </p:cNvPr>
+          <p:cNvCxnSpPr>
+            <a:cxnSpLocks/>
+            <a:stCxn id="74" idx="0"/>
+            <a:endCxn id="5" idx="3"/>
+          </p:cNvCxnSpPr>
+          <p:nvPr/>
+        </p:nvCxnSpPr>
+        <p:spPr>
+          <a:xfrm rot="16200000" flipV="1">
+            <a:off x="6807101" y="2751543"/>
+            <a:ext cx="558531" cy="770858"/>
+          </a:xfrm>
+          <a:prstGeom prst="curvedConnector2">
+            <a:avLst/>
+          </a:prstGeom>
+          <a:ln w="38100">
+            <a:solidFill>
+              <a:srgbClr val="FF0000"/>
+            </a:solidFill>
+            <a:prstDash val="sysDot"/>
+            <a:headEnd type="triangle" w="med" len="med"/>
+            <a:tailEnd type="triangle" w="med" len="med"/>
+          </a:ln>
+        </p:spPr>
+        <p:style>
+          <a:lnRef idx="1">
+            <a:schemeClr val="accent1"/>
+          </a:lnRef>
+          <a:fillRef idx="0">
+            <a:schemeClr val="accent1"/>
+          </a:fillRef>
+          <a:effectRef idx="0">
+            <a:schemeClr val="accent1"/>
+          </a:effectRef>
+          <a:fontRef idx="minor">
+            <a:schemeClr val="tx1"/>
+          </a:fontRef>
+        </p:style>
+      </p:cxnSp>
+      <p:sp>
+        <p:nvSpPr>
+          <p:cNvPr id="82" name="文字方塊 81">
+            <a:extLst>
+              <a:ext uri="{FF2B5EF4-FFF2-40B4-BE49-F238E27FC236}">
+                <a16:creationId xmlns:a16="http://schemas.microsoft.com/office/drawing/2014/main" id="{F8B5D42E-6DB7-4CD8-AE3E-8A8A14F37EFA}"/>
+              </a:ext>
+            </a:extLst>
+          </p:cNvPr>
+          <p:cNvSpPr txBox="1"/>
+          <p:nvPr/>
+        </p:nvSpPr>
+        <p:spPr>
+          <a:xfrm>
+            <a:off x="6148663" y="1489961"/>
+            <a:ext cx="343017" cy="584775"/>
+          </a:xfrm>
+          <a:prstGeom prst="rect">
+            <a:avLst/>
+          </a:prstGeom>
+          <a:noFill/>
+        </p:spPr>
+        <p:txBody>
+          <a:bodyPr wrap="square" rtlCol="0">
+            <a:spAutoFit/>
+          </a:bodyPr>
+          <a:lstStyle/>
+          <a:p>
+            <a:r>
+              <a:rPr lang="en-US" altLang="zh-TW" sz="3200" dirty="0"/>
+              <a:t>1</a:t>
+            </a:r>
+            <a:endParaRPr lang="zh-TW" altLang="en-US" sz="3200" dirty="0"/>
+          </a:p>
+        </p:txBody>
+      </p:sp>
+      <p:sp>
+        <p:nvSpPr>
+          <p:cNvPr id="83" name="文字方塊 82">
+            <a:extLst>
+              <a:ext uri="{FF2B5EF4-FFF2-40B4-BE49-F238E27FC236}">
+                <a16:creationId xmlns:a16="http://schemas.microsoft.com/office/drawing/2014/main" id="{BE45F2FC-5E0E-4B64-BA76-CAA1F3BC57C5}"/>
+              </a:ext>
+            </a:extLst>
+          </p:cNvPr>
+          <p:cNvSpPr txBox="1"/>
+          <p:nvPr/>
+        </p:nvSpPr>
+        <p:spPr>
+          <a:xfrm>
+            <a:off x="4777759" y="2430943"/>
+            <a:ext cx="343017" cy="584775"/>
+          </a:xfrm>
+          <a:prstGeom prst="rect">
+            <a:avLst/>
+          </a:prstGeom>
+          <a:noFill/>
+        </p:spPr>
+        <p:txBody>
+          <a:bodyPr wrap="square" rtlCol="0">
+            <a:spAutoFit/>
+          </a:bodyPr>
+          <a:lstStyle/>
+          <a:p>
+            <a:r>
+              <a:rPr lang="en-US" altLang="zh-TW" sz="3200" dirty="0"/>
+              <a:t>2</a:t>
+            </a:r>
+            <a:endParaRPr lang="zh-TW" altLang="en-US" sz="3200" dirty="0"/>
+          </a:p>
+        </p:txBody>
+      </p:sp>
+      <p:sp>
+        <p:nvSpPr>
+          <p:cNvPr id="84" name="文字方塊 83">
+            <a:extLst>
+              <a:ext uri="{FF2B5EF4-FFF2-40B4-BE49-F238E27FC236}">
+                <a16:creationId xmlns:a16="http://schemas.microsoft.com/office/drawing/2014/main" id="{1327FA9C-83C6-484E-8D32-98683144878B}"/>
+              </a:ext>
+            </a:extLst>
+          </p:cNvPr>
+          <p:cNvSpPr txBox="1"/>
+          <p:nvPr/>
+        </p:nvSpPr>
+        <p:spPr>
+          <a:xfrm>
+            <a:off x="3385420" y="3490027"/>
+            <a:ext cx="343017" cy="584775"/>
+          </a:xfrm>
+          <a:prstGeom prst="rect">
+            <a:avLst/>
+          </a:prstGeom>
+          <a:noFill/>
+        </p:spPr>
+        <p:txBody>
+          <a:bodyPr wrap="square" rtlCol="0">
+            <a:spAutoFit/>
+          </a:bodyPr>
+          <a:lstStyle/>
+          <a:p>
+            <a:r>
+              <a:rPr lang="en-US" altLang="zh-TW" sz="3200" dirty="0"/>
+              <a:t>3</a:t>
+            </a:r>
+            <a:endParaRPr lang="zh-TW" altLang="en-US" sz="3200" dirty="0"/>
+          </a:p>
+        </p:txBody>
+      </p:sp>
+      <p:sp>
+        <p:nvSpPr>
+          <p:cNvPr id="85" name="文字方塊 84">
+            <a:extLst>
+              <a:ext uri="{FF2B5EF4-FFF2-40B4-BE49-F238E27FC236}">
+                <a16:creationId xmlns:a16="http://schemas.microsoft.com/office/drawing/2014/main" id="{C7071E27-2568-47C0-B0AC-D20224148AB8}"/>
+              </a:ext>
+            </a:extLst>
+          </p:cNvPr>
+          <p:cNvSpPr txBox="1"/>
+          <p:nvPr/>
+        </p:nvSpPr>
+        <p:spPr>
+          <a:xfrm>
+            <a:off x="1950437" y="4499058"/>
+            <a:ext cx="343017" cy="584775"/>
+          </a:xfrm>
+          <a:prstGeom prst="rect">
+            <a:avLst/>
+          </a:prstGeom>
+          <a:noFill/>
+        </p:spPr>
+        <p:txBody>
+          <a:bodyPr wrap="square" rtlCol="0">
+            <a:spAutoFit/>
+          </a:bodyPr>
+          <a:lstStyle/>
+          <a:p>
+            <a:r>
+              <a:rPr lang="en-US" altLang="zh-TW" sz="3200" dirty="0"/>
+              <a:t>4</a:t>
+            </a:r>
+            <a:endParaRPr lang="zh-TW" altLang="en-US" sz="3200" dirty="0"/>
+          </a:p>
+        </p:txBody>
+      </p:sp>
+      <p:sp>
+        <p:nvSpPr>
+          <p:cNvPr id="86" name="文字方塊 85">
+            <a:extLst>
+              <a:ext uri="{FF2B5EF4-FFF2-40B4-BE49-F238E27FC236}">
+                <a16:creationId xmlns:a16="http://schemas.microsoft.com/office/drawing/2014/main" id="{B4EDD3B4-A13D-429C-B8BA-9DAFCAF8073B}"/>
+              </a:ext>
+            </a:extLst>
+          </p:cNvPr>
+          <p:cNvSpPr txBox="1"/>
+          <p:nvPr/>
+        </p:nvSpPr>
+        <p:spPr>
+          <a:xfrm>
+            <a:off x="2845029" y="5639831"/>
+            <a:ext cx="343017" cy="584775"/>
+          </a:xfrm>
+          <a:prstGeom prst="rect">
+            <a:avLst/>
+          </a:prstGeom>
+          <a:noFill/>
+        </p:spPr>
+        <p:txBody>
+          <a:bodyPr wrap="square" rtlCol="0">
+            <a:spAutoFit/>
+          </a:bodyPr>
+          <a:lstStyle/>
+          <a:p>
+            <a:r>
+              <a:rPr lang="en-US" altLang="zh-TW" sz="3200" dirty="0"/>
+              <a:t>5</a:t>
+            </a:r>
+            <a:endParaRPr lang="zh-TW" altLang="en-US" sz="3200" dirty="0"/>
+          </a:p>
+        </p:txBody>
+      </p:sp>
+      <p:sp>
+        <p:nvSpPr>
+          <p:cNvPr id="87" name="文字方塊 86">
+            <a:extLst>
+              <a:ext uri="{FF2B5EF4-FFF2-40B4-BE49-F238E27FC236}">
+                <a16:creationId xmlns:a16="http://schemas.microsoft.com/office/drawing/2014/main" id="{A1D2192B-E810-457E-82A8-02AC361B0F49}"/>
+              </a:ext>
+            </a:extLst>
+          </p:cNvPr>
+          <p:cNvSpPr txBox="1"/>
+          <p:nvPr/>
+        </p:nvSpPr>
+        <p:spPr>
+          <a:xfrm>
+            <a:off x="3386816" y="5649421"/>
+            <a:ext cx="343017" cy="584775"/>
+          </a:xfrm>
+          <a:prstGeom prst="rect">
+            <a:avLst/>
+          </a:prstGeom>
+          <a:noFill/>
+        </p:spPr>
+        <p:txBody>
+          <a:bodyPr wrap="square" rtlCol="0">
+            <a:spAutoFit/>
+          </a:bodyPr>
+          <a:lstStyle/>
+          <a:p>
+            <a:r>
+              <a:rPr lang="en-US" altLang="zh-TW" sz="3200" dirty="0"/>
+              <a:t>6</a:t>
+            </a:r>
+            <a:endParaRPr lang="zh-TW" altLang="en-US" sz="3200" dirty="0"/>
+          </a:p>
+        </p:txBody>
+      </p:sp>
+      <p:sp>
+        <p:nvSpPr>
+          <p:cNvPr id="88" name="文字方塊 87">
+            <a:extLst>
+              <a:ext uri="{FF2B5EF4-FFF2-40B4-BE49-F238E27FC236}">
+                <a16:creationId xmlns:a16="http://schemas.microsoft.com/office/drawing/2014/main" id="{A6AB426F-AEF5-4A14-BF16-8646E0742D5F}"/>
+              </a:ext>
+            </a:extLst>
+          </p:cNvPr>
+          <p:cNvSpPr txBox="1"/>
+          <p:nvPr/>
+        </p:nvSpPr>
+        <p:spPr>
+          <a:xfrm>
+            <a:off x="4420530" y="4582981"/>
+            <a:ext cx="343017" cy="584775"/>
+          </a:xfrm>
+          <a:prstGeom prst="rect">
+            <a:avLst/>
+          </a:prstGeom>
+          <a:noFill/>
+        </p:spPr>
+        <p:txBody>
+          <a:bodyPr wrap="square" rtlCol="0">
+            <a:spAutoFit/>
+          </a:bodyPr>
+          <a:lstStyle/>
+          <a:p>
+            <a:r>
+              <a:rPr lang="en-US" altLang="zh-TW" sz="3200" dirty="0"/>
+              <a:t>7</a:t>
+            </a:r>
+            <a:endParaRPr lang="zh-TW" altLang="en-US" sz="3200" dirty="0"/>
+          </a:p>
+        </p:txBody>
+      </p:sp>
+    </p:spTree>
+    <p:extLst>
+      <p:ext uri="{BB962C8B-B14F-4D97-AF65-F5344CB8AC3E}">
+        <p14:creationId xmlns:p14="http://schemas.microsoft.com/office/powerpoint/2010/main" val="1467493645"/>
+      </p:ext>
+    </p:extLst>
+  </p:cSld>
+  <p:clrMapOvr>
+    <a:masterClrMapping/>
+  </p:clrMapOvr>
+</p:sld>
+</file>
+
+<file path=ppt/slides/slide27.xml><?xml version="1.0" encoding="utf-8"?>
+<p:sld xmlns:a="http://schemas.openxmlformats.org/drawingml/2006/main" xmlns:r="http://schemas.openxmlformats.org/officeDocument/2006/relationships" xmlns:p="http://schemas.openxmlformats.org/presentationml/2006/main">
+  <p:cSld>
+    <p:spTree>
+      <p:nvGrpSpPr>
+        <p:cNvPr id="1" name=""/>
+        <p:cNvGrpSpPr/>
+        <p:nvPr/>
+      </p:nvGrpSpPr>
+      <p:grpSpPr>
+        <a:xfrm>
+          <a:off x="0" y="0"/>
+          <a:ext cx="0" cy="0"/>
+          <a:chOff x="0" y="0"/>
+          <a:chExt cx="0" cy="0"/>
+        </a:xfrm>
+      </p:grpSpPr>
+      <p:sp>
+        <p:nvSpPr>
+          <p:cNvPr id="2" name="標題 1">
+            <a:extLst>
+              <a:ext uri="{FF2B5EF4-FFF2-40B4-BE49-F238E27FC236}">
+                <a16:creationId xmlns:a16="http://schemas.microsoft.com/office/drawing/2014/main" id="{40155AB0-95BF-4BAF-8281-2456DA2DC234}"/>
+              </a:ext>
+            </a:extLst>
+          </p:cNvPr>
+          <p:cNvSpPr>
+            <a:spLocks noGrp="1"/>
+          </p:cNvSpPr>
+          <p:nvPr>
+            <p:ph type="title"/>
+          </p:nvPr>
+        </p:nvSpPr>
+        <p:spPr/>
+        <p:txBody>
+          <a:bodyPr/>
+          <a:lstStyle/>
+          <a:p>
+            <a:r>
+              <a:rPr lang="en-US" altLang="zh-TW" dirty="0"/>
+              <a:t>Application - Merge Sort</a:t>
             </a:r>
             <a:endParaRPr lang="zh-TW" altLang="en-US" dirty="0"/>
           </a:p>
@@ -15582,7 +18046,7 @@
           <p:cNvPr id="3" name="內容版面配置區 2">
             <a:extLst>
               <a:ext uri="{FF2B5EF4-FFF2-40B4-BE49-F238E27FC236}">
-                <a16:creationId xmlns:a16="http://schemas.microsoft.com/office/drawing/2014/main" id="{CCBE1D61-0612-4689-B0AC-B965547B7F84}"/>
+                <a16:creationId xmlns:a16="http://schemas.microsoft.com/office/drawing/2014/main" id="{7073129A-BBC7-415D-8AC4-D7C69D033D3C}"/>
               </a:ext>
             </a:extLst>
           </p:cNvPr>
@@ -15598,37 +18062,1777 @@
           <a:bodyPr/>
           <a:lstStyle/>
           <a:p>
-            <a:r>
-              <a:rPr lang="en-US" altLang="zh-TW" dirty="0"/>
-              <a:t>main.cpp</a:t>
-            </a:r>
-          </a:p>
-          <a:p>
-            <a:r>
-              <a:rPr lang="en-US" altLang="zh-TW" dirty="0" err="1"/>
-              <a:t>header.h</a:t>
-            </a:r>
             <a:endParaRPr lang="en-US" altLang="zh-TW" dirty="0"/>
           </a:p>
           <a:p>
-            <a:r>
-              <a:rPr lang="en-US" altLang="zh-TW" dirty="0"/>
-              <a:t>impl.cpp</a:t>
-            </a:r>
-          </a:p>
-          <a:p>
-            <a:r>
-              <a:rPr lang="en-US" altLang="zh-TW" dirty="0" err="1"/>
-              <a:t>Makefile</a:t>
-            </a:r>
             <a:endParaRPr lang="zh-TW" altLang="en-US" dirty="0"/>
+          </a:p>
+        </p:txBody>
+      </p:sp>
+      <p:graphicFrame>
+        <p:nvGraphicFramePr>
+          <p:cNvPr id="4" name="表格 3">
+            <a:extLst>
+              <a:ext uri="{FF2B5EF4-FFF2-40B4-BE49-F238E27FC236}">
+                <a16:creationId xmlns:a16="http://schemas.microsoft.com/office/drawing/2014/main" id="{F0B63AF1-53D7-4B48-97E9-A849905784C4}"/>
+              </a:ext>
+            </a:extLst>
+          </p:cNvPr>
+          <p:cNvGraphicFramePr>
+            <a:graphicFrameLocks noGrp="1"/>
+          </p:cNvGraphicFramePr>
+          <p:nvPr>
+            <p:extLst>
+              <p:ext uri="{D42A27DB-BD31-4B8C-83A1-F6EECF244321}">
+                <p14:modId xmlns:p14="http://schemas.microsoft.com/office/powerpoint/2010/main" val="3887804358"/>
+              </p:ext>
+            </p:extLst>
+          </p:nvPr>
+        </p:nvGraphicFramePr>
+        <p:xfrm>
+          <a:off x="2082335" y="2537977"/>
+          <a:ext cx="7221056" cy="370840"/>
+        </p:xfrm>
+        <a:graphic>
+          <a:graphicData uri="http://schemas.openxmlformats.org/drawingml/2006/table">
+            <a:tbl>
+              <a:tblPr firstRow="1" bandRow="1">
+                <a:tableStyleId>{69CF1AB2-1976-4502-BF36-3FF5EA218861}</a:tableStyleId>
+              </a:tblPr>
+              <a:tblGrid>
+                <a:gridCol w="902632">
+                  <a:extLst>
+                    <a:ext uri="{9D8B030D-6E8A-4147-A177-3AD203B41FA5}">
+                      <a16:colId xmlns:a16="http://schemas.microsoft.com/office/drawing/2014/main" val="151404870"/>
+                    </a:ext>
+                  </a:extLst>
+                </a:gridCol>
+                <a:gridCol w="902632">
+                  <a:extLst>
+                    <a:ext uri="{9D8B030D-6E8A-4147-A177-3AD203B41FA5}">
+                      <a16:colId xmlns:a16="http://schemas.microsoft.com/office/drawing/2014/main" val="3564566356"/>
+                    </a:ext>
+                  </a:extLst>
+                </a:gridCol>
+                <a:gridCol w="902632">
+                  <a:extLst>
+                    <a:ext uri="{9D8B030D-6E8A-4147-A177-3AD203B41FA5}">
+                      <a16:colId xmlns:a16="http://schemas.microsoft.com/office/drawing/2014/main" val="952724319"/>
+                    </a:ext>
+                  </a:extLst>
+                </a:gridCol>
+                <a:gridCol w="902632">
+                  <a:extLst>
+                    <a:ext uri="{9D8B030D-6E8A-4147-A177-3AD203B41FA5}">
+                      <a16:colId xmlns:a16="http://schemas.microsoft.com/office/drawing/2014/main" val="2430993575"/>
+                    </a:ext>
+                  </a:extLst>
+                </a:gridCol>
+                <a:gridCol w="902632">
+                  <a:extLst>
+                    <a:ext uri="{9D8B030D-6E8A-4147-A177-3AD203B41FA5}">
+                      <a16:colId xmlns:a16="http://schemas.microsoft.com/office/drawing/2014/main" val="1506805383"/>
+                    </a:ext>
+                  </a:extLst>
+                </a:gridCol>
+                <a:gridCol w="902632">
+                  <a:extLst>
+                    <a:ext uri="{9D8B030D-6E8A-4147-A177-3AD203B41FA5}">
+                      <a16:colId xmlns:a16="http://schemas.microsoft.com/office/drawing/2014/main" val="738534803"/>
+                    </a:ext>
+                  </a:extLst>
+                </a:gridCol>
+                <a:gridCol w="902632">
+                  <a:extLst>
+                    <a:ext uri="{9D8B030D-6E8A-4147-A177-3AD203B41FA5}">
+                      <a16:colId xmlns:a16="http://schemas.microsoft.com/office/drawing/2014/main" val="3867959881"/>
+                    </a:ext>
+                  </a:extLst>
+                </a:gridCol>
+                <a:gridCol w="902632">
+                  <a:extLst>
+                    <a:ext uri="{9D8B030D-6E8A-4147-A177-3AD203B41FA5}">
+                      <a16:colId xmlns:a16="http://schemas.microsoft.com/office/drawing/2014/main" val="40223093"/>
+                    </a:ext>
+                  </a:extLst>
+                </a:gridCol>
+              </a:tblGrid>
+              <a:tr h="370840">
+                <a:tc>
+                  <a:txBody>
+                    <a:bodyPr/>
+                    <a:lstStyle/>
+                    <a:p>
+                      <a:pPr algn="ctr"/>
+                      <a:r>
+                        <a:rPr lang="en-US" altLang="zh-TW" dirty="0">
+                          <a:solidFill>
+                            <a:schemeClr val="tx1"/>
+                          </a:solidFill>
+                        </a:rPr>
+                        <a:t>-1</a:t>
+                      </a:r>
+                      <a:endParaRPr lang="zh-TW" altLang="en-US" dirty="0">
+                        <a:solidFill>
+                          <a:schemeClr val="tx1"/>
+                        </a:solidFill>
+                      </a:endParaRPr>
+                    </a:p>
+                  </a:txBody>
+                  <a:tcPr/>
+                </a:tc>
+                <a:tc>
+                  <a:txBody>
+                    <a:bodyPr/>
+                    <a:lstStyle/>
+                    <a:p>
+                      <a:pPr algn="ctr"/>
+                      <a:r>
+                        <a:rPr lang="en-US" altLang="zh-TW" dirty="0"/>
+                        <a:t>-10</a:t>
+                      </a:r>
+                      <a:endParaRPr lang="zh-TW" altLang="en-US" dirty="0"/>
+                    </a:p>
+                  </a:txBody>
+                  <a:tcPr/>
+                </a:tc>
+                <a:tc>
+                  <a:txBody>
+                    <a:bodyPr/>
+                    <a:lstStyle/>
+                    <a:p>
+                      <a:pPr algn="ctr"/>
+                      <a:r>
+                        <a:rPr lang="en-US" altLang="zh-TW" dirty="0"/>
+                        <a:t>-4</a:t>
+                      </a:r>
+                      <a:endParaRPr lang="zh-TW" altLang="en-US" dirty="0"/>
+                    </a:p>
+                  </a:txBody>
+                  <a:tcPr/>
+                </a:tc>
+                <a:tc>
+                  <a:txBody>
+                    <a:bodyPr/>
+                    <a:lstStyle/>
+                    <a:p>
+                      <a:pPr algn="ctr"/>
+                      <a:r>
+                        <a:rPr lang="en-US" altLang="zh-TW" dirty="0"/>
+                        <a:t>-6</a:t>
+                      </a:r>
+                      <a:endParaRPr lang="zh-TW" altLang="en-US" dirty="0"/>
+                    </a:p>
+                  </a:txBody>
+                  <a:tcPr/>
+                </a:tc>
+                <a:tc>
+                  <a:txBody>
+                    <a:bodyPr/>
+                    <a:lstStyle/>
+                    <a:p>
+                      <a:pPr algn="ctr"/>
+                      <a:r>
+                        <a:rPr lang="en-US" altLang="zh-TW" dirty="0"/>
+                        <a:t>-9</a:t>
+                      </a:r>
+                      <a:endParaRPr lang="zh-TW" altLang="en-US" dirty="0"/>
+                    </a:p>
+                  </a:txBody>
+                  <a:tcPr/>
+                </a:tc>
+                <a:tc>
+                  <a:txBody>
+                    <a:bodyPr/>
+                    <a:lstStyle/>
+                    <a:p>
+                      <a:pPr algn="ctr"/>
+                      <a:r>
+                        <a:rPr lang="en-US" altLang="zh-TW" dirty="0"/>
+                        <a:t>-3</a:t>
+                      </a:r>
+                      <a:endParaRPr lang="zh-TW" altLang="en-US" dirty="0"/>
+                    </a:p>
+                  </a:txBody>
+                  <a:tcPr/>
+                </a:tc>
+                <a:tc>
+                  <a:txBody>
+                    <a:bodyPr/>
+                    <a:lstStyle/>
+                    <a:p>
+                      <a:pPr algn="ctr"/>
+                      <a:r>
+                        <a:rPr lang="en-US" altLang="zh-TW" dirty="0"/>
+                        <a:t>-15</a:t>
+                      </a:r>
+                      <a:endParaRPr lang="zh-TW" altLang="en-US" dirty="0"/>
+                    </a:p>
+                  </a:txBody>
+                  <a:tcPr/>
+                </a:tc>
+                <a:tc>
+                  <a:txBody>
+                    <a:bodyPr/>
+                    <a:lstStyle/>
+                    <a:p>
+                      <a:pPr algn="ctr"/>
+                      <a:r>
+                        <a:rPr lang="en-US" altLang="zh-TW" dirty="0"/>
+                        <a:t>-7</a:t>
+                      </a:r>
+                      <a:endParaRPr lang="zh-TW" altLang="en-US" dirty="0"/>
+                    </a:p>
+                  </a:txBody>
+                  <a:tcPr/>
+                </a:tc>
+                <a:extLst>
+                  <a:ext uri="{0D108BD9-81ED-4DB2-BD59-A6C34878D82A}">
+                    <a16:rowId xmlns:a16="http://schemas.microsoft.com/office/drawing/2014/main" val="3760033530"/>
+                  </a:ext>
+                </a:extLst>
+              </a:tr>
+            </a:tbl>
+          </a:graphicData>
+        </a:graphic>
+      </p:graphicFrame>
+      <p:graphicFrame>
+        <p:nvGraphicFramePr>
+          <p:cNvPr id="6" name="表格 5">
+            <a:extLst>
+              <a:ext uri="{FF2B5EF4-FFF2-40B4-BE49-F238E27FC236}">
+                <a16:creationId xmlns:a16="http://schemas.microsoft.com/office/drawing/2014/main" id="{DD248ADE-3092-4842-BC1F-EFC5B771DD6D}"/>
+              </a:ext>
+            </a:extLst>
+          </p:cNvPr>
+          <p:cNvGraphicFramePr>
+            <a:graphicFrameLocks noGrp="1"/>
+          </p:cNvGraphicFramePr>
+          <p:nvPr>
+            <p:extLst>
+              <p:ext uri="{D42A27DB-BD31-4B8C-83A1-F6EECF244321}">
+                <p14:modId xmlns:p14="http://schemas.microsoft.com/office/powerpoint/2010/main" val="4027186825"/>
+              </p:ext>
+            </p:extLst>
+          </p:nvPr>
+        </p:nvGraphicFramePr>
+        <p:xfrm>
+          <a:off x="2082335" y="3277606"/>
+          <a:ext cx="7221056" cy="370840"/>
+        </p:xfrm>
+        <a:graphic>
+          <a:graphicData uri="http://schemas.openxmlformats.org/drawingml/2006/table">
+            <a:tbl>
+              <a:tblPr firstRow="1" bandRow="1">
+                <a:tableStyleId>{69CF1AB2-1976-4502-BF36-3FF5EA218861}</a:tableStyleId>
+              </a:tblPr>
+              <a:tblGrid>
+                <a:gridCol w="902632">
+                  <a:extLst>
+                    <a:ext uri="{9D8B030D-6E8A-4147-A177-3AD203B41FA5}">
+                      <a16:colId xmlns:a16="http://schemas.microsoft.com/office/drawing/2014/main" val="151404870"/>
+                    </a:ext>
+                  </a:extLst>
+                </a:gridCol>
+                <a:gridCol w="902632">
+                  <a:extLst>
+                    <a:ext uri="{9D8B030D-6E8A-4147-A177-3AD203B41FA5}">
+                      <a16:colId xmlns:a16="http://schemas.microsoft.com/office/drawing/2014/main" val="3564566356"/>
+                    </a:ext>
+                  </a:extLst>
+                </a:gridCol>
+                <a:gridCol w="902632">
+                  <a:extLst>
+                    <a:ext uri="{9D8B030D-6E8A-4147-A177-3AD203B41FA5}">
+                      <a16:colId xmlns:a16="http://schemas.microsoft.com/office/drawing/2014/main" val="952724319"/>
+                    </a:ext>
+                  </a:extLst>
+                </a:gridCol>
+                <a:gridCol w="902632">
+                  <a:extLst>
+                    <a:ext uri="{9D8B030D-6E8A-4147-A177-3AD203B41FA5}">
+                      <a16:colId xmlns:a16="http://schemas.microsoft.com/office/drawing/2014/main" val="2430993575"/>
+                    </a:ext>
+                  </a:extLst>
+                </a:gridCol>
+                <a:gridCol w="902632">
+                  <a:extLst>
+                    <a:ext uri="{9D8B030D-6E8A-4147-A177-3AD203B41FA5}">
+                      <a16:colId xmlns:a16="http://schemas.microsoft.com/office/drawing/2014/main" val="1506805383"/>
+                    </a:ext>
+                  </a:extLst>
+                </a:gridCol>
+                <a:gridCol w="902632">
+                  <a:extLst>
+                    <a:ext uri="{9D8B030D-6E8A-4147-A177-3AD203B41FA5}">
+                      <a16:colId xmlns:a16="http://schemas.microsoft.com/office/drawing/2014/main" val="738534803"/>
+                    </a:ext>
+                  </a:extLst>
+                </a:gridCol>
+                <a:gridCol w="902632">
+                  <a:extLst>
+                    <a:ext uri="{9D8B030D-6E8A-4147-A177-3AD203B41FA5}">
+                      <a16:colId xmlns:a16="http://schemas.microsoft.com/office/drawing/2014/main" val="3867959881"/>
+                    </a:ext>
+                  </a:extLst>
+                </a:gridCol>
+                <a:gridCol w="902632">
+                  <a:extLst>
+                    <a:ext uri="{9D8B030D-6E8A-4147-A177-3AD203B41FA5}">
+                      <a16:colId xmlns:a16="http://schemas.microsoft.com/office/drawing/2014/main" val="40223093"/>
+                    </a:ext>
+                  </a:extLst>
+                </a:gridCol>
+              </a:tblGrid>
+              <a:tr h="370840">
+                <a:tc>
+                  <a:txBody>
+                    <a:bodyPr/>
+                    <a:lstStyle/>
+                    <a:p>
+                      <a:pPr algn="ctr"/>
+                      <a:r>
+                        <a:rPr lang="en-US" altLang="zh-TW" dirty="0">
+                          <a:solidFill>
+                            <a:schemeClr val="tx1"/>
+                          </a:solidFill>
+                        </a:rPr>
+                        <a:t>-1</a:t>
+                      </a:r>
+                      <a:endParaRPr lang="zh-TW" altLang="en-US" dirty="0">
+                        <a:solidFill>
+                          <a:schemeClr val="tx1"/>
+                        </a:solidFill>
+                      </a:endParaRPr>
+                    </a:p>
+                  </a:txBody>
+                  <a:tcPr>
+                    <a:lnL w="28575" cap="flat" cmpd="sng" algn="ctr">
+                      <a:solidFill>
+                        <a:srgbClr val="FF0000"/>
+                      </a:solidFill>
+                      <a:prstDash val="solid"/>
+                      <a:round/>
+                      <a:headEnd type="none" w="med" len="med"/>
+                      <a:tailEnd type="none" w="med" len="med"/>
+                    </a:lnL>
+                    <a:lnT w="28575" cap="flat" cmpd="sng" algn="ctr">
+                      <a:solidFill>
+                        <a:srgbClr val="FF0000"/>
+                      </a:solidFill>
+                      <a:prstDash val="solid"/>
+                      <a:round/>
+                      <a:headEnd type="none" w="med" len="med"/>
+                      <a:tailEnd type="none" w="med" len="med"/>
+                    </a:lnT>
+                    <a:lnB w="28575" cap="flat" cmpd="sng" algn="ctr">
+                      <a:solidFill>
+                        <a:srgbClr val="FF0000"/>
+                      </a:solidFill>
+                      <a:prstDash val="solid"/>
+                      <a:round/>
+                      <a:headEnd type="none" w="med" len="med"/>
+                      <a:tailEnd type="none" w="med" len="med"/>
+                    </a:lnB>
+                  </a:tcPr>
+                </a:tc>
+                <a:tc>
+                  <a:txBody>
+                    <a:bodyPr/>
+                    <a:lstStyle/>
+                    <a:p>
+                      <a:pPr algn="ctr"/>
+                      <a:r>
+                        <a:rPr lang="en-US" altLang="zh-TW" dirty="0"/>
+                        <a:t>-10</a:t>
+                      </a:r>
+                      <a:endParaRPr lang="zh-TW" altLang="en-US" dirty="0"/>
+                    </a:p>
+                  </a:txBody>
+                  <a:tcPr>
+                    <a:lnT w="28575" cap="flat" cmpd="sng" algn="ctr">
+                      <a:solidFill>
+                        <a:srgbClr val="FF0000"/>
+                      </a:solidFill>
+                      <a:prstDash val="solid"/>
+                      <a:round/>
+                      <a:headEnd type="none" w="med" len="med"/>
+                      <a:tailEnd type="none" w="med" len="med"/>
+                    </a:lnT>
+                    <a:lnB w="28575" cap="flat" cmpd="sng" algn="ctr">
+                      <a:solidFill>
+                        <a:srgbClr val="FF0000"/>
+                      </a:solidFill>
+                      <a:prstDash val="solid"/>
+                      <a:round/>
+                      <a:headEnd type="none" w="med" len="med"/>
+                      <a:tailEnd type="none" w="med" len="med"/>
+                    </a:lnB>
+                  </a:tcPr>
+                </a:tc>
+                <a:tc>
+                  <a:txBody>
+                    <a:bodyPr/>
+                    <a:lstStyle/>
+                    <a:p>
+                      <a:pPr algn="ctr"/>
+                      <a:r>
+                        <a:rPr lang="en-US" altLang="zh-TW" dirty="0"/>
+                        <a:t>-4</a:t>
+                      </a:r>
+                      <a:endParaRPr lang="zh-TW" altLang="en-US" dirty="0"/>
+                    </a:p>
+                  </a:txBody>
+                  <a:tcPr>
+                    <a:lnT w="28575" cap="flat" cmpd="sng" algn="ctr">
+                      <a:solidFill>
+                        <a:srgbClr val="FF0000"/>
+                      </a:solidFill>
+                      <a:prstDash val="solid"/>
+                      <a:round/>
+                      <a:headEnd type="none" w="med" len="med"/>
+                      <a:tailEnd type="none" w="med" len="med"/>
+                    </a:lnT>
+                    <a:lnB w="28575" cap="flat" cmpd="sng" algn="ctr">
+                      <a:solidFill>
+                        <a:srgbClr val="FF0000"/>
+                      </a:solidFill>
+                      <a:prstDash val="solid"/>
+                      <a:round/>
+                      <a:headEnd type="none" w="med" len="med"/>
+                      <a:tailEnd type="none" w="med" len="med"/>
+                    </a:lnB>
+                  </a:tcPr>
+                </a:tc>
+                <a:tc>
+                  <a:txBody>
+                    <a:bodyPr/>
+                    <a:lstStyle/>
+                    <a:p>
+                      <a:pPr algn="ctr"/>
+                      <a:r>
+                        <a:rPr lang="en-US" altLang="zh-TW" dirty="0"/>
+                        <a:t>-6</a:t>
+                      </a:r>
+                      <a:endParaRPr lang="zh-TW" altLang="en-US" dirty="0"/>
+                    </a:p>
+                  </a:txBody>
+                  <a:tcPr>
+                    <a:lnR w="28575" cap="flat" cmpd="sng" algn="ctr">
+                      <a:solidFill>
+                        <a:srgbClr val="FF0000"/>
+                      </a:solidFill>
+                      <a:prstDash val="solid"/>
+                      <a:round/>
+                      <a:headEnd type="none" w="med" len="med"/>
+                      <a:tailEnd type="none" w="med" len="med"/>
+                    </a:lnR>
+                    <a:lnT w="28575" cap="flat" cmpd="sng" algn="ctr">
+                      <a:solidFill>
+                        <a:srgbClr val="FF0000"/>
+                      </a:solidFill>
+                      <a:prstDash val="solid"/>
+                      <a:round/>
+                      <a:headEnd type="none" w="med" len="med"/>
+                      <a:tailEnd type="none" w="med" len="med"/>
+                    </a:lnT>
+                    <a:lnB w="28575" cap="flat" cmpd="sng" algn="ctr">
+                      <a:solidFill>
+                        <a:srgbClr val="FF0000"/>
+                      </a:solidFill>
+                      <a:prstDash val="solid"/>
+                      <a:round/>
+                      <a:headEnd type="none" w="med" len="med"/>
+                      <a:tailEnd type="none" w="med" len="med"/>
+                    </a:lnB>
+                  </a:tcPr>
+                </a:tc>
+                <a:tc>
+                  <a:txBody>
+                    <a:bodyPr/>
+                    <a:lstStyle/>
+                    <a:p>
+                      <a:pPr algn="ctr"/>
+                      <a:r>
+                        <a:rPr lang="en-US" altLang="zh-TW" dirty="0"/>
+                        <a:t>-9</a:t>
+                      </a:r>
+                      <a:endParaRPr lang="zh-TW" altLang="en-US" dirty="0"/>
+                    </a:p>
+                  </a:txBody>
+                  <a:tcPr>
+                    <a:lnL w="28575" cap="flat" cmpd="sng" algn="ctr">
+                      <a:solidFill>
+                        <a:srgbClr val="FF0000"/>
+                      </a:solidFill>
+                      <a:prstDash val="solid"/>
+                      <a:round/>
+                      <a:headEnd type="none" w="med" len="med"/>
+                      <a:tailEnd type="none" w="med" len="med"/>
+                    </a:lnL>
+                    <a:lnT w="28575" cap="flat" cmpd="sng" algn="ctr">
+                      <a:solidFill>
+                        <a:srgbClr val="FF0000"/>
+                      </a:solidFill>
+                      <a:prstDash val="solid"/>
+                      <a:round/>
+                      <a:headEnd type="none" w="med" len="med"/>
+                      <a:tailEnd type="none" w="med" len="med"/>
+                    </a:lnT>
+                    <a:lnB w="28575" cap="flat" cmpd="sng" algn="ctr">
+                      <a:solidFill>
+                        <a:srgbClr val="FF0000"/>
+                      </a:solidFill>
+                      <a:prstDash val="solid"/>
+                      <a:round/>
+                      <a:headEnd type="none" w="med" len="med"/>
+                      <a:tailEnd type="none" w="med" len="med"/>
+                    </a:lnB>
+                  </a:tcPr>
+                </a:tc>
+                <a:tc>
+                  <a:txBody>
+                    <a:bodyPr/>
+                    <a:lstStyle/>
+                    <a:p>
+                      <a:pPr algn="ctr"/>
+                      <a:r>
+                        <a:rPr lang="en-US" altLang="zh-TW" dirty="0"/>
+                        <a:t>-3</a:t>
+                      </a:r>
+                      <a:endParaRPr lang="zh-TW" altLang="en-US" dirty="0"/>
+                    </a:p>
+                  </a:txBody>
+                  <a:tcPr>
+                    <a:lnT w="28575" cap="flat" cmpd="sng" algn="ctr">
+                      <a:solidFill>
+                        <a:srgbClr val="FF0000"/>
+                      </a:solidFill>
+                      <a:prstDash val="solid"/>
+                      <a:round/>
+                      <a:headEnd type="none" w="med" len="med"/>
+                      <a:tailEnd type="none" w="med" len="med"/>
+                    </a:lnT>
+                    <a:lnB w="28575" cap="flat" cmpd="sng" algn="ctr">
+                      <a:solidFill>
+                        <a:srgbClr val="FF0000"/>
+                      </a:solidFill>
+                      <a:prstDash val="solid"/>
+                      <a:round/>
+                      <a:headEnd type="none" w="med" len="med"/>
+                      <a:tailEnd type="none" w="med" len="med"/>
+                    </a:lnB>
+                  </a:tcPr>
+                </a:tc>
+                <a:tc>
+                  <a:txBody>
+                    <a:bodyPr/>
+                    <a:lstStyle/>
+                    <a:p>
+                      <a:pPr algn="ctr"/>
+                      <a:r>
+                        <a:rPr lang="en-US" altLang="zh-TW" dirty="0"/>
+                        <a:t>-15</a:t>
+                      </a:r>
+                      <a:endParaRPr lang="zh-TW" altLang="en-US" dirty="0"/>
+                    </a:p>
+                  </a:txBody>
+                  <a:tcPr>
+                    <a:lnT w="28575" cap="flat" cmpd="sng" algn="ctr">
+                      <a:solidFill>
+                        <a:srgbClr val="FF0000"/>
+                      </a:solidFill>
+                      <a:prstDash val="solid"/>
+                      <a:round/>
+                      <a:headEnd type="none" w="med" len="med"/>
+                      <a:tailEnd type="none" w="med" len="med"/>
+                    </a:lnT>
+                    <a:lnB w="28575" cap="flat" cmpd="sng" algn="ctr">
+                      <a:solidFill>
+                        <a:srgbClr val="FF0000"/>
+                      </a:solidFill>
+                      <a:prstDash val="solid"/>
+                      <a:round/>
+                      <a:headEnd type="none" w="med" len="med"/>
+                      <a:tailEnd type="none" w="med" len="med"/>
+                    </a:lnB>
+                  </a:tcPr>
+                </a:tc>
+                <a:tc>
+                  <a:txBody>
+                    <a:bodyPr/>
+                    <a:lstStyle/>
+                    <a:p>
+                      <a:pPr algn="ctr"/>
+                      <a:r>
+                        <a:rPr lang="en-US" altLang="zh-TW" dirty="0"/>
+                        <a:t>-7</a:t>
+                      </a:r>
+                      <a:endParaRPr lang="zh-TW" altLang="en-US" dirty="0"/>
+                    </a:p>
+                  </a:txBody>
+                  <a:tcPr>
+                    <a:lnR w="28575" cap="flat" cmpd="sng" algn="ctr">
+                      <a:solidFill>
+                        <a:srgbClr val="FF0000"/>
+                      </a:solidFill>
+                      <a:prstDash val="solid"/>
+                      <a:round/>
+                      <a:headEnd type="none" w="med" len="med"/>
+                      <a:tailEnd type="none" w="med" len="med"/>
+                    </a:lnR>
+                    <a:lnT w="28575" cap="flat" cmpd="sng" algn="ctr">
+                      <a:solidFill>
+                        <a:srgbClr val="FF0000"/>
+                      </a:solidFill>
+                      <a:prstDash val="solid"/>
+                      <a:round/>
+                      <a:headEnd type="none" w="med" len="med"/>
+                      <a:tailEnd type="none" w="med" len="med"/>
+                    </a:lnT>
+                    <a:lnB w="28575" cap="flat" cmpd="sng" algn="ctr">
+                      <a:solidFill>
+                        <a:srgbClr val="FF0000"/>
+                      </a:solidFill>
+                      <a:prstDash val="solid"/>
+                      <a:round/>
+                      <a:headEnd type="none" w="med" len="med"/>
+                      <a:tailEnd type="none" w="med" len="med"/>
+                    </a:lnB>
+                  </a:tcPr>
+                </a:tc>
+                <a:extLst>
+                  <a:ext uri="{0D108BD9-81ED-4DB2-BD59-A6C34878D82A}">
+                    <a16:rowId xmlns:a16="http://schemas.microsoft.com/office/drawing/2014/main" val="3760033530"/>
+                  </a:ext>
+                </a:extLst>
+              </a:tr>
+            </a:tbl>
+          </a:graphicData>
+        </a:graphic>
+      </p:graphicFrame>
+      <p:graphicFrame>
+        <p:nvGraphicFramePr>
+          <p:cNvPr id="7" name="表格 6">
+            <a:extLst>
+              <a:ext uri="{FF2B5EF4-FFF2-40B4-BE49-F238E27FC236}">
+                <a16:creationId xmlns:a16="http://schemas.microsoft.com/office/drawing/2014/main" id="{9A028039-778E-4E72-8D60-7580735AE19E}"/>
+              </a:ext>
+            </a:extLst>
+          </p:cNvPr>
+          <p:cNvGraphicFramePr>
+            <a:graphicFrameLocks noGrp="1"/>
+          </p:cNvGraphicFramePr>
+          <p:nvPr>
+            <p:extLst>
+              <p:ext uri="{D42A27DB-BD31-4B8C-83A1-F6EECF244321}">
+                <p14:modId xmlns:p14="http://schemas.microsoft.com/office/powerpoint/2010/main" val="989957335"/>
+              </p:ext>
+            </p:extLst>
+          </p:nvPr>
+        </p:nvGraphicFramePr>
+        <p:xfrm>
+          <a:off x="2082335" y="4017235"/>
+          <a:ext cx="7221056" cy="370840"/>
+        </p:xfrm>
+        <a:graphic>
+          <a:graphicData uri="http://schemas.openxmlformats.org/drawingml/2006/table">
+            <a:tbl>
+              <a:tblPr firstRow="1" bandRow="1">
+                <a:tableStyleId>{69CF1AB2-1976-4502-BF36-3FF5EA218861}</a:tableStyleId>
+              </a:tblPr>
+              <a:tblGrid>
+                <a:gridCol w="902632">
+                  <a:extLst>
+                    <a:ext uri="{9D8B030D-6E8A-4147-A177-3AD203B41FA5}">
+                      <a16:colId xmlns:a16="http://schemas.microsoft.com/office/drawing/2014/main" val="151404870"/>
+                    </a:ext>
+                  </a:extLst>
+                </a:gridCol>
+                <a:gridCol w="902632">
+                  <a:extLst>
+                    <a:ext uri="{9D8B030D-6E8A-4147-A177-3AD203B41FA5}">
+                      <a16:colId xmlns:a16="http://schemas.microsoft.com/office/drawing/2014/main" val="3564566356"/>
+                    </a:ext>
+                  </a:extLst>
+                </a:gridCol>
+                <a:gridCol w="902632">
+                  <a:extLst>
+                    <a:ext uri="{9D8B030D-6E8A-4147-A177-3AD203B41FA5}">
+                      <a16:colId xmlns:a16="http://schemas.microsoft.com/office/drawing/2014/main" val="952724319"/>
+                    </a:ext>
+                  </a:extLst>
+                </a:gridCol>
+                <a:gridCol w="902632">
+                  <a:extLst>
+                    <a:ext uri="{9D8B030D-6E8A-4147-A177-3AD203B41FA5}">
+                      <a16:colId xmlns:a16="http://schemas.microsoft.com/office/drawing/2014/main" val="2430993575"/>
+                    </a:ext>
+                  </a:extLst>
+                </a:gridCol>
+                <a:gridCol w="902632">
+                  <a:extLst>
+                    <a:ext uri="{9D8B030D-6E8A-4147-A177-3AD203B41FA5}">
+                      <a16:colId xmlns:a16="http://schemas.microsoft.com/office/drawing/2014/main" val="1506805383"/>
+                    </a:ext>
+                  </a:extLst>
+                </a:gridCol>
+                <a:gridCol w="902632">
+                  <a:extLst>
+                    <a:ext uri="{9D8B030D-6E8A-4147-A177-3AD203B41FA5}">
+                      <a16:colId xmlns:a16="http://schemas.microsoft.com/office/drawing/2014/main" val="738534803"/>
+                    </a:ext>
+                  </a:extLst>
+                </a:gridCol>
+                <a:gridCol w="902632">
+                  <a:extLst>
+                    <a:ext uri="{9D8B030D-6E8A-4147-A177-3AD203B41FA5}">
+                      <a16:colId xmlns:a16="http://schemas.microsoft.com/office/drawing/2014/main" val="3867959881"/>
+                    </a:ext>
+                  </a:extLst>
+                </a:gridCol>
+                <a:gridCol w="902632">
+                  <a:extLst>
+                    <a:ext uri="{9D8B030D-6E8A-4147-A177-3AD203B41FA5}">
+                      <a16:colId xmlns:a16="http://schemas.microsoft.com/office/drawing/2014/main" val="40223093"/>
+                    </a:ext>
+                  </a:extLst>
+                </a:gridCol>
+              </a:tblGrid>
+              <a:tr h="370840">
+                <a:tc>
+                  <a:txBody>
+                    <a:bodyPr/>
+                    <a:lstStyle/>
+                    <a:p>
+                      <a:pPr algn="ctr"/>
+                      <a:r>
+                        <a:rPr lang="en-US" altLang="zh-TW" dirty="0">
+                          <a:solidFill>
+                            <a:schemeClr val="tx1"/>
+                          </a:solidFill>
+                        </a:rPr>
+                        <a:t>-1</a:t>
+                      </a:r>
+                      <a:endParaRPr lang="zh-TW" altLang="en-US" dirty="0">
+                        <a:solidFill>
+                          <a:schemeClr val="tx1"/>
+                        </a:solidFill>
+                      </a:endParaRPr>
+                    </a:p>
+                  </a:txBody>
+                  <a:tcPr>
+                    <a:lnL w="28575" cap="flat" cmpd="sng" algn="ctr">
+                      <a:solidFill>
+                        <a:srgbClr val="FF0000"/>
+                      </a:solidFill>
+                      <a:prstDash val="solid"/>
+                      <a:round/>
+                      <a:headEnd type="none" w="med" len="med"/>
+                      <a:tailEnd type="none" w="med" len="med"/>
+                    </a:lnL>
+                    <a:lnT w="28575" cap="flat" cmpd="sng" algn="ctr">
+                      <a:solidFill>
+                        <a:srgbClr val="FF0000"/>
+                      </a:solidFill>
+                      <a:prstDash val="solid"/>
+                      <a:round/>
+                      <a:headEnd type="none" w="med" len="med"/>
+                      <a:tailEnd type="none" w="med" len="med"/>
+                    </a:lnT>
+                    <a:lnB w="28575" cap="flat" cmpd="sng" algn="ctr">
+                      <a:solidFill>
+                        <a:srgbClr val="FF0000"/>
+                      </a:solidFill>
+                      <a:prstDash val="solid"/>
+                      <a:round/>
+                      <a:headEnd type="none" w="med" len="med"/>
+                      <a:tailEnd type="none" w="med" len="med"/>
+                    </a:lnB>
+                  </a:tcPr>
+                </a:tc>
+                <a:tc>
+                  <a:txBody>
+                    <a:bodyPr/>
+                    <a:lstStyle/>
+                    <a:p>
+                      <a:pPr algn="ctr"/>
+                      <a:r>
+                        <a:rPr lang="en-US" altLang="zh-TW" dirty="0"/>
+                        <a:t>-10</a:t>
+                      </a:r>
+                      <a:endParaRPr lang="zh-TW" altLang="en-US" dirty="0"/>
+                    </a:p>
+                  </a:txBody>
+                  <a:tcPr>
+                    <a:lnR w="28575" cap="flat" cmpd="sng" algn="ctr">
+                      <a:solidFill>
+                        <a:srgbClr val="FF0000"/>
+                      </a:solidFill>
+                      <a:prstDash val="solid"/>
+                      <a:round/>
+                      <a:headEnd type="none" w="med" len="med"/>
+                      <a:tailEnd type="none" w="med" len="med"/>
+                    </a:lnR>
+                    <a:lnT w="28575" cap="flat" cmpd="sng" algn="ctr">
+                      <a:solidFill>
+                        <a:srgbClr val="FF0000"/>
+                      </a:solidFill>
+                      <a:prstDash val="solid"/>
+                      <a:round/>
+                      <a:headEnd type="none" w="med" len="med"/>
+                      <a:tailEnd type="none" w="med" len="med"/>
+                    </a:lnT>
+                    <a:lnB w="28575" cap="flat" cmpd="sng" algn="ctr">
+                      <a:solidFill>
+                        <a:srgbClr val="FF0000"/>
+                      </a:solidFill>
+                      <a:prstDash val="solid"/>
+                      <a:round/>
+                      <a:headEnd type="none" w="med" len="med"/>
+                      <a:tailEnd type="none" w="med" len="med"/>
+                    </a:lnB>
+                  </a:tcPr>
+                </a:tc>
+                <a:tc>
+                  <a:txBody>
+                    <a:bodyPr/>
+                    <a:lstStyle/>
+                    <a:p>
+                      <a:pPr algn="ctr"/>
+                      <a:r>
+                        <a:rPr lang="en-US" altLang="zh-TW" dirty="0"/>
+                        <a:t>-4</a:t>
+                      </a:r>
+                      <a:endParaRPr lang="zh-TW" altLang="en-US" dirty="0"/>
+                    </a:p>
+                  </a:txBody>
+                  <a:tcPr>
+                    <a:lnL w="28575" cap="flat" cmpd="sng" algn="ctr">
+                      <a:solidFill>
+                        <a:srgbClr val="FF0000"/>
+                      </a:solidFill>
+                      <a:prstDash val="solid"/>
+                      <a:round/>
+                      <a:headEnd type="none" w="med" len="med"/>
+                      <a:tailEnd type="none" w="med" len="med"/>
+                    </a:lnL>
+                    <a:lnT w="28575" cap="flat" cmpd="sng" algn="ctr">
+                      <a:solidFill>
+                        <a:srgbClr val="FF0000"/>
+                      </a:solidFill>
+                      <a:prstDash val="solid"/>
+                      <a:round/>
+                      <a:headEnd type="none" w="med" len="med"/>
+                      <a:tailEnd type="none" w="med" len="med"/>
+                    </a:lnT>
+                    <a:lnB w="28575" cap="flat" cmpd="sng" algn="ctr">
+                      <a:solidFill>
+                        <a:srgbClr val="FF0000"/>
+                      </a:solidFill>
+                      <a:prstDash val="solid"/>
+                      <a:round/>
+                      <a:headEnd type="none" w="med" len="med"/>
+                      <a:tailEnd type="none" w="med" len="med"/>
+                    </a:lnB>
+                  </a:tcPr>
+                </a:tc>
+                <a:tc>
+                  <a:txBody>
+                    <a:bodyPr/>
+                    <a:lstStyle/>
+                    <a:p>
+                      <a:pPr algn="ctr"/>
+                      <a:r>
+                        <a:rPr lang="en-US" altLang="zh-TW" dirty="0"/>
+                        <a:t>-6</a:t>
+                      </a:r>
+                      <a:endParaRPr lang="zh-TW" altLang="en-US" dirty="0"/>
+                    </a:p>
+                  </a:txBody>
+                  <a:tcPr>
+                    <a:lnR w="28575" cap="flat" cmpd="sng" algn="ctr">
+                      <a:solidFill>
+                        <a:srgbClr val="FF0000"/>
+                      </a:solidFill>
+                      <a:prstDash val="solid"/>
+                      <a:round/>
+                      <a:headEnd type="none" w="med" len="med"/>
+                      <a:tailEnd type="none" w="med" len="med"/>
+                    </a:lnR>
+                    <a:lnT w="28575" cap="flat" cmpd="sng" algn="ctr">
+                      <a:solidFill>
+                        <a:srgbClr val="FF0000"/>
+                      </a:solidFill>
+                      <a:prstDash val="solid"/>
+                      <a:round/>
+                      <a:headEnd type="none" w="med" len="med"/>
+                      <a:tailEnd type="none" w="med" len="med"/>
+                    </a:lnT>
+                    <a:lnB w="28575" cap="flat" cmpd="sng" algn="ctr">
+                      <a:solidFill>
+                        <a:srgbClr val="FF0000"/>
+                      </a:solidFill>
+                      <a:prstDash val="solid"/>
+                      <a:round/>
+                      <a:headEnd type="none" w="med" len="med"/>
+                      <a:tailEnd type="none" w="med" len="med"/>
+                    </a:lnB>
+                  </a:tcPr>
+                </a:tc>
+                <a:tc>
+                  <a:txBody>
+                    <a:bodyPr/>
+                    <a:lstStyle/>
+                    <a:p>
+                      <a:pPr algn="ctr"/>
+                      <a:r>
+                        <a:rPr lang="en-US" altLang="zh-TW" dirty="0"/>
+                        <a:t>-9</a:t>
+                      </a:r>
+                      <a:endParaRPr lang="zh-TW" altLang="en-US" dirty="0"/>
+                    </a:p>
+                  </a:txBody>
+                  <a:tcPr>
+                    <a:lnL w="28575" cap="flat" cmpd="sng" algn="ctr">
+                      <a:solidFill>
+                        <a:srgbClr val="FF0000"/>
+                      </a:solidFill>
+                      <a:prstDash val="solid"/>
+                      <a:round/>
+                      <a:headEnd type="none" w="med" len="med"/>
+                      <a:tailEnd type="none" w="med" len="med"/>
+                    </a:lnL>
+                    <a:lnT w="28575" cap="flat" cmpd="sng" algn="ctr">
+                      <a:solidFill>
+                        <a:srgbClr val="FF0000"/>
+                      </a:solidFill>
+                      <a:prstDash val="solid"/>
+                      <a:round/>
+                      <a:headEnd type="none" w="med" len="med"/>
+                      <a:tailEnd type="none" w="med" len="med"/>
+                    </a:lnT>
+                    <a:lnB w="28575" cap="flat" cmpd="sng" algn="ctr">
+                      <a:solidFill>
+                        <a:srgbClr val="FF0000"/>
+                      </a:solidFill>
+                      <a:prstDash val="solid"/>
+                      <a:round/>
+                      <a:headEnd type="none" w="med" len="med"/>
+                      <a:tailEnd type="none" w="med" len="med"/>
+                    </a:lnB>
+                  </a:tcPr>
+                </a:tc>
+                <a:tc>
+                  <a:txBody>
+                    <a:bodyPr/>
+                    <a:lstStyle/>
+                    <a:p>
+                      <a:pPr algn="ctr"/>
+                      <a:r>
+                        <a:rPr lang="en-US" altLang="zh-TW" dirty="0"/>
+                        <a:t>-3</a:t>
+                      </a:r>
+                      <a:endParaRPr lang="zh-TW" altLang="en-US" dirty="0"/>
+                    </a:p>
+                  </a:txBody>
+                  <a:tcPr>
+                    <a:lnR w="28575" cap="flat" cmpd="sng" algn="ctr">
+                      <a:solidFill>
+                        <a:srgbClr val="FF0000"/>
+                      </a:solidFill>
+                      <a:prstDash val="solid"/>
+                      <a:round/>
+                      <a:headEnd type="none" w="med" len="med"/>
+                      <a:tailEnd type="none" w="med" len="med"/>
+                    </a:lnR>
+                    <a:lnT w="28575" cap="flat" cmpd="sng" algn="ctr">
+                      <a:solidFill>
+                        <a:srgbClr val="FF0000"/>
+                      </a:solidFill>
+                      <a:prstDash val="solid"/>
+                      <a:round/>
+                      <a:headEnd type="none" w="med" len="med"/>
+                      <a:tailEnd type="none" w="med" len="med"/>
+                    </a:lnT>
+                    <a:lnB w="28575" cap="flat" cmpd="sng" algn="ctr">
+                      <a:solidFill>
+                        <a:srgbClr val="FF0000"/>
+                      </a:solidFill>
+                      <a:prstDash val="solid"/>
+                      <a:round/>
+                      <a:headEnd type="none" w="med" len="med"/>
+                      <a:tailEnd type="none" w="med" len="med"/>
+                    </a:lnB>
+                  </a:tcPr>
+                </a:tc>
+                <a:tc>
+                  <a:txBody>
+                    <a:bodyPr/>
+                    <a:lstStyle/>
+                    <a:p>
+                      <a:pPr algn="ctr"/>
+                      <a:r>
+                        <a:rPr lang="en-US" altLang="zh-TW" dirty="0"/>
+                        <a:t>-15</a:t>
+                      </a:r>
+                      <a:endParaRPr lang="zh-TW" altLang="en-US" dirty="0"/>
+                    </a:p>
+                  </a:txBody>
+                  <a:tcPr>
+                    <a:lnL w="28575" cap="flat" cmpd="sng" algn="ctr">
+                      <a:solidFill>
+                        <a:srgbClr val="FF0000"/>
+                      </a:solidFill>
+                      <a:prstDash val="solid"/>
+                      <a:round/>
+                      <a:headEnd type="none" w="med" len="med"/>
+                      <a:tailEnd type="none" w="med" len="med"/>
+                    </a:lnL>
+                    <a:lnT w="28575" cap="flat" cmpd="sng" algn="ctr">
+                      <a:solidFill>
+                        <a:srgbClr val="FF0000"/>
+                      </a:solidFill>
+                      <a:prstDash val="solid"/>
+                      <a:round/>
+                      <a:headEnd type="none" w="med" len="med"/>
+                      <a:tailEnd type="none" w="med" len="med"/>
+                    </a:lnT>
+                    <a:lnB w="28575" cap="flat" cmpd="sng" algn="ctr">
+                      <a:solidFill>
+                        <a:srgbClr val="FF0000"/>
+                      </a:solidFill>
+                      <a:prstDash val="solid"/>
+                      <a:round/>
+                      <a:headEnd type="none" w="med" len="med"/>
+                      <a:tailEnd type="none" w="med" len="med"/>
+                    </a:lnB>
+                  </a:tcPr>
+                </a:tc>
+                <a:tc>
+                  <a:txBody>
+                    <a:bodyPr/>
+                    <a:lstStyle/>
+                    <a:p>
+                      <a:pPr algn="ctr"/>
+                      <a:r>
+                        <a:rPr lang="en-US" altLang="zh-TW" dirty="0"/>
+                        <a:t>-7</a:t>
+                      </a:r>
+                      <a:endParaRPr lang="zh-TW" altLang="en-US" dirty="0"/>
+                    </a:p>
+                  </a:txBody>
+                  <a:tcPr>
+                    <a:lnR w="28575" cap="flat" cmpd="sng" algn="ctr">
+                      <a:solidFill>
+                        <a:srgbClr val="FF0000"/>
+                      </a:solidFill>
+                      <a:prstDash val="solid"/>
+                      <a:round/>
+                      <a:headEnd type="none" w="med" len="med"/>
+                      <a:tailEnd type="none" w="med" len="med"/>
+                    </a:lnR>
+                    <a:lnT w="28575" cap="flat" cmpd="sng" algn="ctr">
+                      <a:solidFill>
+                        <a:srgbClr val="FF0000"/>
+                      </a:solidFill>
+                      <a:prstDash val="solid"/>
+                      <a:round/>
+                      <a:headEnd type="none" w="med" len="med"/>
+                      <a:tailEnd type="none" w="med" len="med"/>
+                    </a:lnT>
+                    <a:lnB w="28575" cap="flat" cmpd="sng" algn="ctr">
+                      <a:solidFill>
+                        <a:srgbClr val="FF0000"/>
+                      </a:solidFill>
+                      <a:prstDash val="solid"/>
+                      <a:round/>
+                      <a:headEnd type="none" w="med" len="med"/>
+                      <a:tailEnd type="none" w="med" len="med"/>
+                    </a:lnB>
+                  </a:tcPr>
+                </a:tc>
+                <a:extLst>
+                  <a:ext uri="{0D108BD9-81ED-4DB2-BD59-A6C34878D82A}">
+                    <a16:rowId xmlns:a16="http://schemas.microsoft.com/office/drawing/2014/main" val="3760033530"/>
+                  </a:ext>
+                </a:extLst>
+              </a:tr>
+            </a:tbl>
+          </a:graphicData>
+        </a:graphic>
+      </p:graphicFrame>
+      <p:graphicFrame>
+        <p:nvGraphicFramePr>
+          <p:cNvPr id="8" name="表格 7">
+            <a:extLst>
+              <a:ext uri="{FF2B5EF4-FFF2-40B4-BE49-F238E27FC236}">
+                <a16:creationId xmlns:a16="http://schemas.microsoft.com/office/drawing/2014/main" id="{70581E75-5F28-4556-B72E-2A8139E70F73}"/>
+              </a:ext>
+            </a:extLst>
+          </p:cNvPr>
+          <p:cNvGraphicFramePr>
+            <a:graphicFrameLocks noGrp="1"/>
+          </p:cNvGraphicFramePr>
+          <p:nvPr>
+            <p:extLst>
+              <p:ext uri="{D42A27DB-BD31-4B8C-83A1-F6EECF244321}">
+                <p14:modId xmlns:p14="http://schemas.microsoft.com/office/powerpoint/2010/main" val="4096044033"/>
+              </p:ext>
+            </p:extLst>
+          </p:nvPr>
+        </p:nvGraphicFramePr>
+        <p:xfrm>
+          <a:off x="2082335" y="4798579"/>
+          <a:ext cx="7221056" cy="370840"/>
+        </p:xfrm>
+        <a:graphic>
+          <a:graphicData uri="http://schemas.openxmlformats.org/drawingml/2006/table">
+            <a:tbl>
+              <a:tblPr firstRow="1" bandRow="1">
+                <a:tableStyleId>{69CF1AB2-1976-4502-BF36-3FF5EA218861}</a:tableStyleId>
+              </a:tblPr>
+              <a:tblGrid>
+                <a:gridCol w="902632">
+                  <a:extLst>
+                    <a:ext uri="{9D8B030D-6E8A-4147-A177-3AD203B41FA5}">
+                      <a16:colId xmlns:a16="http://schemas.microsoft.com/office/drawing/2014/main" val="151404870"/>
+                    </a:ext>
+                  </a:extLst>
+                </a:gridCol>
+                <a:gridCol w="902632">
+                  <a:extLst>
+                    <a:ext uri="{9D8B030D-6E8A-4147-A177-3AD203B41FA5}">
+                      <a16:colId xmlns:a16="http://schemas.microsoft.com/office/drawing/2014/main" val="3564566356"/>
+                    </a:ext>
+                  </a:extLst>
+                </a:gridCol>
+                <a:gridCol w="902632">
+                  <a:extLst>
+                    <a:ext uri="{9D8B030D-6E8A-4147-A177-3AD203B41FA5}">
+                      <a16:colId xmlns:a16="http://schemas.microsoft.com/office/drawing/2014/main" val="952724319"/>
+                    </a:ext>
+                  </a:extLst>
+                </a:gridCol>
+                <a:gridCol w="902632">
+                  <a:extLst>
+                    <a:ext uri="{9D8B030D-6E8A-4147-A177-3AD203B41FA5}">
+                      <a16:colId xmlns:a16="http://schemas.microsoft.com/office/drawing/2014/main" val="2430993575"/>
+                    </a:ext>
+                  </a:extLst>
+                </a:gridCol>
+                <a:gridCol w="902632">
+                  <a:extLst>
+                    <a:ext uri="{9D8B030D-6E8A-4147-A177-3AD203B41FA5}">
+                      <a16:colId xmlns:a16="http://schemas.microsoft.com/office/drawing/2014/main" val="1506805383"/>
+                    </a:ext>
+                  </a:extLst>
+                </a:gridCol>
+                <a:gridCol w="902632">
+                  <a:extLst>
+                    <a:ext uri="{9D8B030D-6E8A-4147-A177-3AD203B41FA5}">
+                      <a16:colId xmlns:a16="http://schemas.microsoft.com/office/drawing/2014/main" val="738534803"/>
+                    </a:ext>
+                  </a:extLst>
+                </a:gridCol>
+                <a:gridCol w="902632">
+                  <a:extLst>
+                    <a:ext uri="{9D8B030D-6E8A-4147-A177-3AD203B41FA5}">
+                      <a16:colId xmlns:a16="http://schemas.microsoft.com/office/drawing/2014/main" val="3867959881"/>
+                    </a:ext>
+                  </a:extLst>
+                </a:gridCol>
+                <a:gridCol w="902632">
+                  <a:extLst>
+                    <a:ext uri="{9D8B030D-6E8A-4147-A177-3AD203B41FA5}">
+                      <a16:colId xmlns:a16="http://schemas.microsoft.com/office/drawing/2014/main" val="40223093"/>
+                    </a:ext>
+                  </a:extLst>
+                </a:gridCol>
+              </a:tblGrid>
+              <a:tr h="370840">
+                <a:tc>
+                  <a:txBody>
+                    <a:bodyPr/>
+                    <a:lstStyle/>
+                    <a:p>
+                      <a:pPr algn="ctr"/>
+                      <a:r>
+                        <a:rPr lang="en-US" altLang="zh-TW" dirty="0">
+                          <a:solidFill>
+                            <a:schemeClr val="tx1"/>
+                          </a:solidFill>
+                        </a:rPr>
+                        <a:t>-1</a:t>
+                      </a:r>
+                      <a:endParaRPr lang="zh-TW" altLang="en-US" dirty="0">
+                        <a:solidFill>
+                          <a:schemeClr val="tx1"/>
+                        </a:solidFill>
+                      </a:endParaRPr>
+                    </a:p>
+                  </a:txBody>
+                  <a:tcPr>
+                    <a:lnL w="28575" cap="flat" cmpd="sng" algn="ctr">
+                      <a:solidFill>
+                        <a:srgbClr val="FF0000"/>
+                      </a:solidFill>
+                      <a:prstDash val="solid"/>
+                      <a:round/>
+                      <a:headEnd type="none" w="med" len="med"/>
+                      <a:tailEnd type="none" w="med" len="med"/>
+                    </a:lnL>
+                    <a:lnR w="28575" cap="flat" cmpd="sng" algn="ctr">
+                      <a:solidFill>
+                        <a:srgbClr val="FF0000"/>
+                      </a:solidFill>
+                      <a:prstDash val="solid"/>
+                      <a:round/>
+                      <a:headEnd type="none" w="med" len="med"/>
+                      <a:tailEnd type="none" w="med" len="med"/>
+                    </a:lnR>
+                    <a:lnT w="28575" cap="flat" cmpd="sng" algn="ctr">
+                      <a:solidFill>
+                        <a:srgbClr val="FF0000"/>
+                      </a:solidFill>
+                      <a:prstDash val="solid"/>
+                      <a:round/>
+                      <a:headEnd type="none" w="med" len="med"/>
+                      <a:tailEnd type="none" w="med" len="med"/>
+                    </a:lnT>
+                    <a:lnB w="28575" cap="flat" cmpd="sng" algn="ctr">
+                      <a:solidFill>
+                        <a:srgbClr val="FF0000"/>
+                      </a:solidFill>
+                      <a:prstDash val="solid"/>
+                      <a:round/>
+                      <a:headEnd type="none" w="med" len="med"/>
+                      <a:tailEnd type="none" w="med" len="med"/>
+                    </a:lnB>
+                  </a:tcPr>
+                </a:tc>
+                <a:tc>
+                  <a:txBody>
+                    <a:bodyPr/>
+                    <a:lstStyle/>
+                    <a:p>
+                      <a:pPr algn="ctr"/>
+                      <a:r>
+                        <a:rPr lang="en-US" altLang="zh-TW" dirty="0"/>
+                        <a:t>-10</a:t>
+                      </a:r>
+                      <a:endParaRPr lang="zh-TW" altLang="en-US" dirty="0"/>
+                    </a:p>
+                  </a:txBody>
+                  <a:tcPr>
+                    <a:lnL w="28575" cap="flat" cmpd="sng" algn="ctr">
+                      <a:solidFill>
+                        <a:srgbClr val="FF0000"/>
+                      </a:solidFill>
+                      <a:prstDash val="solid"/>
+                      <a:round/>
+                      <a:headEnd type="none" w="med" len="med"/>
+                      <a:tailEnd type="none" w="med" len="med"/>
+                    </a:lnL>
+                    <a:lnR w="28575" cap="flat" cmpd="sng" algn="ctr">
+                      <a:solidFill>
+                        <a:srgbClr val="FF0000"/>
+                      </a:solidFill>
+                      <a:prstDash val="solid"/>
+                      <a:round/>
+                      <a:headEnd type="none" w="med" len="med"/>
+                      <a:tailEnd type="none" w="med" len="med"/>
+                    </a:lnR>
+                    <a:lnT w="28575" cap="flat" cmpd="sng" algn="ctr">
+                      <a:solidFill>
+                        <a:srgbClr val="FF0000"/>
+                      </a:solidFill>
+                      <a:prstDash val="solid"/>
+                      <a:round/>
+                      <a:headEnd type="none" w="med" len="med"/>
+                      <a:tailEnd type="none" w="med" len="med"/>
+                    </a:lnT>
+                    <a:lnB w="28575" cap="flat" cmpd="sng" algn="ctr">
+                      <a:solidFill>
+                        <a:srgbClr val="FF0000"/>
+                      </a:solidFill>
+                      <a:prstDash val="solid"/>
+                      <a:round/>
+                      <a:headEnd type="none" w="med" len="med"/>
+                      <a:tailEnd type="none" w="med" len="med"/>
+                    </a:lnB>
+                  </a:tcPr>
+                </a:tc>
+                <a:tc>
+                  <a:txBody>
+                    <a:bodyPr/>
+                    <a:lstStyle/>
+                    <a:p>
+                      <a:pPr algn="ctr"/>
+                      <a:r>
+                        <a:rPr lang="en-US" altLang="zh-TW" dirty="0"/>
+                        <a:t>-4</a:t>
+                      </a:r>
+                      <a:endParaRPr lang="zh-TW" altLang="en-US" dirty="0"/>
+                    </a:p>
+                  </a:txBody>
+                  <a:tcPr>
+                    <a:lnL w="28575" cap="flat" cmpd="sng" algn="ctr">
+                      <a:solidFill>
+                        <a:srgbClr val="FF0000"/>
+                      </a:solidFill>
+                      <a:prstDash val="solid"/>
+                      <a:round/>
+                      <a:headEnd type="none" w="med" len="med"/>
+                      <a:tailEnd type="none" w="med" len="med"/>
+                    </a:lnL>
+                    <a:lnR w="28575" cap="flat" cmpd="sng" algn="ctr">
+                      <a:solidFill>
+                        <a:srgbClr val="FF0000"/>
+                      </a:solidFill>
+                      <a:prstDash val="solid"/>
+                      <a:round/>
+                      <a:headEnd type="none" w="med" len="med"/>
+                      <a:tailEnd type="none" w="med" len="med"/>
+                    </a:lnR>
+                    <a:lnT w="28575" cap="flat" cmpd="sng" algn="ctr">
+                      <a:solidFill>
+                        <a:srgbClr val="FF0000"/>
+                      </a:solidFill>
+                      <a:prstDash val="solid"/>
+                      <a:round/>
+                      <a:headEnd type="none" w="med" len="med"/>
+                      <a:tailEnd type="none" w="med" len="med"/>
+                    </a:lnT>
+                    <a:lnB w="28575" cap="flat" cmpd="sng" algn="ctr">
+                      <a:solidFill>
+                        <a:srgbClr val="FF0000"/>
+                      </a:solidFill>
+                      <a:prstDash val="solid"/>
+                      <a:round/>
+                      <a:headEnd type="none" w="med" len="med"/>
+                      <a:tailEnd type="none" w="med" len="med"/>
+                    </a:lnB>
+                  </a:tcPr>
+                </a:tc>
+                <a:tc>
+                  <a:txBody>
+                    <a:bodyPr/>
+                    <a:lstStyle/>
+                    <a:p>
+                      <a:pPr algn="ctr"/>
+                      <a:r>
+                        <a:rPr lang="en-US" altLang="zh-TW" dirty="0"/>
+                        <a:t>-6</a:t>
+                      </a:r>
+                      <a:endParaRPr lang="zh-TW" altLang="en-US" dirty="0"/>
+                    </a:p>
+                  </a:txBody>
+                  <a:tcPr>
+                    <a:lnL w="28575" cap="flat" cmpd="sng" algn="ctr">
+                      <a:solidFill>
+                        <a:srgbClr val="FF0000"/>
+                      </a:solidFill>
+                      <a:prstDash val="solid"/>
+                      <a:round/>
+                      <a:headEnd type="none" w="med" len="med"/>
+                      <a:tailEnd type="none" w="med" len="med"/>
+                    </a:lnL>
+                    <a:lnR w="28575" cap="flat" cmpd="sng" algn="ctr">
+                      <a:solidFill>
+                        <a:srgbClr val="FF0000"/>
+                      </a:solidFill>
+                      <a:prstDash val="solid"/>
+                      <a:round/>
+                      <a:headEnd type="none" w="med" len="med"/>
+                      <a:tailEnd type="none" w="med" len="med"/>
+                    </a:lnR>
+                    <a:lnT w="28575" cap="flat" cmpd="sng" algn="ctr">
+                      <a:solidFill>
+                        <a:srgbClr val="FF0000"/>
+                      </a:solidFill>
+                      <a:prstDash val="solid"/>
+                      <a:round/>
+                      <a:headEnd type="none" w="med" len="med"/>
+                      <a:tailEnd type="none" w="med" len="med"/>
+                    </a:lnT>
+                    <a:lnB w="28575" cap="flat" cmpd="sng" algn="ctr">
+                      <a:solidFill>
+                        <a:srgbClr val="FF0000"/>
+                      </a:solidFill>
+                      <a:prstDash val="solid"/>
+                      <a:round/>
+                      <a:headEnd type="none" w="med" len="med"/>
+                      <a:tailEnd type="none" w="med" len="med"/>
+                    </a:lnB>
+                  </a:tcPr>
+                </a:tc>
+                <a:tc>
+                  <a:txBody>
+                    <a:bodyPr/>
+                    <a:lstStyle/>
+                    <a:p>
+                      <a:pPr algn="ctr"/>
+                      <a:r>
+                        <a:rPr lang="en-US" altLang="zh-TW" dirty="0"/>
+                        <a:t>-9</a:t>
+                      </a:r>
+                      <a:endParaRPr lang="zh-TW" altLang="en-US" dirty="0"/>
+                    </a:p>
+                  </a:txBody>
+                  <a:tcPr>
+                    <a:lnL w="28575" cap="flat" cmpd="sng" algn="ctr">
+                      <a:solidFill>
+                        <a:srgbClr val="FF0000"/>
+                      </a:solidFill>
+                      <a:prstDash val="solid"/>
+                      <a:round/>
+                      <a:headEnd type="none" w="med" len="med"/>
+                      <a:tailEnd type="none" w="med" len="med"/>
+                    </a:lnL>
+                    <a:lnR w="28575" cap="flat" cmpd="sng" algn="ctr">
+                      <a:solidFill>
+                        <a:srgbClr val="FF0000"/>
+                      </a:solidFill>
+                      <a:prstDash val="solid"/>
+                      <a:round/>
+                      <a:headEnd type="none" w="med" len="med"/>
+                      <a:tailEnd type="none" w="med" len="med"/>
+                    </a:lnR>
+                    <a:lnT w="28575" cap="flat" cmpd="sng" algn="ctr">
+                      <a:solidFill>
+                        <a:srgbClr val="FF0000"/>
+                      </a:solidFill>
+                      <a:prstDash val="solid"/>
+                      <a:round/>
+                      <a:headEnd type="none" w="med" len="med"/>
+                      <a:tailEnd type="none" w="med" len="med"/>
+                    </a:lnT>
+                    <a:lnB w="28575" cap="flat" cmpd="sng" algn="ctr">
+                      <a:solidFill>
+                        <a:srgbClr val="FF0000"/>
+                      </a:solidFill>
+                      <a:prstDash val="solid"/>
+                      <a:round/>
+                      <a:headEnd type="none" w="med" len="med"/>
+                      <a:tailEnd type="none" w="med" len="med"/>
+                    </a:lnB>
+                  </a:tcPr>
+                </a:tc>
+                <a:tc>
+                  <a:txBody>
+                    <a:bodyPr/>
+                    <a:lstStyle/>
+                    <a:p>
+                      <a:pPr algn="ctr"/>
+                      <a:r>
+                        <a:rPr lang="en-US" altLang="zh-TW" dirty="0"/>
+                        <a:t>-3</a:t>
+                      </a:r>
+                      <a:endParaRPr lang="zh-TW" altLang="en-US" dirty="0"/>
+                    </a:p>
+                  </a:txBody>
+                  <a:tcPr>
+                    <a:lnL w="28575" cap="flat" cmpd="sng" algn="ctr">
+                      <a:solidFill>
+                        <a:srgbClr val="FF0000"/>
+                      </a:solidFill>
+                      <a:prstDash val="solid"/>
+                      <a:round/>
+                      <a:headEnd type="none" w="med" len="med"/>
+                      <a:tailEnd type="none" w="med" len="med"/>
+                    </a:lnL>
+                    <a:lnR w="28575" cap="flat" cmpd="sng" algn="ctr">
+                      <a:solidFill>
+                        <a:srgbClr val="FF0000"/>
+                      </a:solidFill>
+                      <a:prstDash val="solid"/>
+                      <a:round/>
+                      <a:headEnd type="none" w="med" len="med"/>
+                      <a:tailEnd type="none" w="med" len="med"/>
+                    </a:lnR>
+                    <a:lnT w="28575" cap="flat" cmpd="sng" algn="ctr">
+                      <a:solidFill>
+                        <a:srgbClr val="FF0000"/>
+                      </a:solidFill>
+                      <a:prstDash val="solid"/>
+                      <a:round/>
+                      <a:headEnd type="none" w="med" len="med"/>
+                      <a:tailEnd type="none" w="med" len="med"/>
+                    </a:lnT>
+                    <a:lnB w="28575" cap="flat" cmpd="sng" algn="ctr">
+                      <a:solidFill>
+                        <a:srgbClr val="FF0000"/>
+                      </a:solidFill>
+                      <a:prstDash val="solid"/>
+                      <a:round/>
+                      <a:headEnd type="none" w="med" len="med"/>
+                      <a:tailEnd type="none" w="med" len="med"/>
+                    </a:lnB>
+                  </a:tcPr>
+                </a:tc>
+                <a:tc>
+                  <a:txBody>
+                    <a:bodyPr/>
+                    <a:lstStyle/>
+                    <a:p>
+                      <a:pPr algn="ctr"/>
+                      <a:r>
+                        <a:rPr lang="en-US" altLang="zh-TW" dirty="0"/>
+                        <a:t>-15</a:t>
+                      </a:r>
+                      <a:endParaRPr lang="zh-TW" altLang="en-US" dirty="0"/>
+                    </a:p>
+                  </a:txBody>
+                  <a:tcPr>
+                    <a:lnL w="28575" cap="flat" cmpd="sng" algn="ctr">
+                      <a:solidFill>
+                        <a:srgbClr val="FF0000"/>
+                      </a:solidFill>
+                      <a:prstDash val="solid"/>
+                      <a:round/>
+                      <a:headEnd type="none" w="med" len="med"/>
+                      <a:tailEnd type="none" w="med" len="med"/>
+                    </a:lnL>
+                    <a:lnR w="28575" cap="flat" cmpd="sng" algn="ctr">
+                      <a:solidFill>
+                        <a:srgbClr val="FF0000"/>
+                      </a:solidFill>
+                      <a:prstDash val="solid"/>
+                      <a:round/>
+                      <a:headEnd type="none" w="med" len="med"/>
+                      <a:tailEnd type="none" w="med" len="med"/>
+                    </a:lnR>
+                    <a:lnT w="28575" cap="flat" cmpd="sng" algn="ctr">
+                      <a:solidFill>
+                        <a:srgbClr val="FF0000"/>
+                      </a:solidFill>
+                      <a:prstDash val="solid"/>
+                      <a:round/>
+                      <a:headEnd type="none" w="med" len="med"/>
+                      <a:tailEnd type="none" w="med" len="med"/>
+                    </a:lnT>
+                    <a:lnB w="28575" cap="flat" cmpd="sng" algn="ctr">
+                      <a:solidFill>
+                        <a:srgbClr val="FF0000"/>
+                      </a:solidFill>
+                      <a:prstDash val="solid"/>
+                      <a:round/>
+                      <a:headEnd type="none" w="med" len="med"/>
+                      <a:tailEnd type="none" w="med" len="med"/>
+                    </a:lnB>
+                  </a:tcPr>
+                </a:tc>
+                <a:tc>
+                  <a:txBody>
+                    <a:bodyPr/>
+                    <a:lstStyle/>
+                    <a:p>
+                      <a:pPr algn="ctr"/>
+                      <a:r>
+                        <a:rPr lang="en-US" altLang="zh-TW" dirty="0"/>
+                        <a:t>-7</a:t>
+                      </a:r>
+                      <a:endParaRPr lang="zh-TW" altLang="en-US" dirty="0"/>
+                    </a:p>
+                  </a:txBody>
+                  <a:tcPr>
+                    <a:lnL w="28575" cap="flat" cmpd="sng" algn="ctr">
+                      <a:solidFill>
+                        <a:srgbClr val="FF0000"/>
+                      </a:solidFill>
+                      <a:prstDash val="solid"/>
+                      <a:round/>
+                      <a:headEnd type="none" w="med" len="med"/>
+                      <a:tailEnd type="none" w="med" len="med"/>
+                    </a:lnL>
+                    <a:lnR w="28575" cap="flat" cmpd="sng" algn="ctr">
+                      <a:solidFill>
+                        <a:srgbClr val="FF0000"/>
+                      </a:solidFill>
+                      <a:prstDash val="solid"/>
+                      <a:round/>
+                      <a:headEnd type="none" w="med" len="med"/>
+                      <a:tailEnd type="none" w="med" len="med"/>
+                    </a:lnR>
+                    <a:lnT w="28575" cap="flat" cmpd="sng" algn="ctr">
+                      <a:solidFill>
+                        <a:srgbClr val="FF0000"/>
+                      </a:solidFill>
+                      <a:prstDash val="solid"/>
+                      <a:round/>
+                      <a:headEnd type="none" w="med" len="med"/>
+                      <a:tailEnd type="none" w="med" len="med"/>
+                    </a:lnT>
+                    <a:lnB w="28575" cap="flat" cmpd="sng" algn="ctr">
+                      <a:solidFill>
+                        <a:srgbClr val="FF0000"/>
+                      </a:solidFill>
+                      <a:prstDash val="solid"/>
+                      <a:round/>
+                      <a:headEnd type="none" w="med" len="med"/>
+                      <a:tailEnd type="none" w="med" len="med"/>
+                    </a:lnB>
+                  </a:tcPr>
+                </a:tc>
+                <a:extLst>
+                  <a:ext uri="{0D108BD9-81ED-4DB2-BD59-A6C34878D82A}">
+                    <a16:rowId xmlns:a16="http://schemas.microsoft.com/office/drawing/2014/main" val="3760033530"/>
+                  </a:ext>
+                </a:extLst>
+              </a:tr>
+            </a:tbl>
+          </a:graphicData>
+        </a:graphic>
+      </p:graphicFrame>
+      <p:sp>
+        <p:nvSpPr>
+          <p:cNvPr id="9" name="文字方塊 8">
+            <a:extLst>
+              <a:ext uri="{FF2B5EF4-FFF2-40B4-BE49-F238E27FC236}">
+                <a16:creationId xmlns:a16="http://schemas.microsoft.com/office/drawing/2014/main" id="{04438A0A-7307-4ABC-A365-C9D03010FA26}"/>
+              </a:ext>
+            </a:extLst>
+          </p:cNvPr>
+          <p:cNvSpPr txBox="1"/>
+          <p:nvPr/>
+        </p:nvSpPr>
+        <p:spPr>
+          <a:xfrm>
+            <a:off x="578843" y="2537977"/>
+            <a:ext cx="755008" cy="400110"/>
+          </a:xfrm>
+          <a:prstGeom prst="rect">
+            <a:avLst/>
+          </a:prstGeom>
+          <a:noFill/>
+        </p:spPr>
+        <p:txBody>
+          <a:bodyPr wrap="square" rtlCol="0">
+            <a:spAutoFit/>
+          </a:bodyPr>
+          <a:lstStyle/>
+          <a:p>
+            <a:r>
+              <a:rPr lang="en-US" altLang="zh-TW" sz="2000" dirty="0"/>
+              <a:t>1 X 8</a:t>
+            </a:r>
+            <a:endParaRPr lang="zh-TW" altLang="en-US" sz="2000" dirty="0"/>
+          </a:p>
+        </p:txBody>
+      </p:sp>
+      <p:sp>
+        <p:nvSpPr>
+          <p:cNvPr id="10" name="文字方塊 9">
+            <a:extLst>
+              <a:ext uri="{FF2B5EF4-FFF2-40B4-BE49-F238E27FC236}">
+                <a16:creationId xmlns:a16="http://schemas.microsoft.com/office/drawing/2014/main" id="{90810E1C-2F53-42C3-A469-904C91751110}"/>
+              </a:ext>
+            </a:extLst>
+          </p:cNvPr>
+          <p:cNvSpPr txBox="1"/>
+          <p:nvPr/>
+        </p:nvSpPr>
+        <p:spPr>
+          <a:xfrm>
+            <a:off x="578843" y="3228945"/>
+            <a:ext cx="755008" cy="400110"/>
+          </a:xfrm>
+          <a:prstGeom prst="rect">
+            <a:avLst/>
+          </a:prstGeom>
+          <a:noFill/>
+        </p:spPr>
+        <p:txBody>
+          <a:bodyPr wrap="square" rtlCol="0">
+            <a:spAutoFit/>
+          </a:bodyPr>
+          <a:lstStyle/>
+          <a:p>
+            <a:r>
+              <a:rPr lang="en-US" altLang="zh-TW" sz="2000" dirty="0"/>
+              <a:t>2 X 4</a:t>
+            </a:r>
+            <a:endParaRPr lang="zh-TW" altLang="en-US" sz="2000" dirty="0"/>
+          </a:p>
+        </p:txBody>
+      </p:sp>
+      <p:sp>
+        <p:nvSpPr>
+          <p:cNvPr id="11" name="文字方塊 10">
+            <a:extLst>
+              <a:ext uri="{FF2B5EF4-FFF2-40B4-BE49-F238E27FC236}">
+                <a16:creationId xmlns:a16="http://schemas.microsoft.com/office/drawing/2014/main" id="{F26215AA-EEB7-46D8-959E-6A67B341A05F}"/>
+              </a:ext>
+            </a:extLst>
+          </p:cNvPr>
+          <p:cNvSpPr txBox="1"/>
+          <p:nvPr/>
+        </p:nvSpPr>
+        <p:spPr>
+          <a:xfrm>
+            <a:off x="578843" y="4011986"/>
+            <a:ext cx="755008" cy="400110"/>
+          </a:xfrm>
+          <a:prstGeom prst="rect">
+            <a:avLst/>
+          </a:prstGeom>
+          <a:noFill/>
+        </p:spPr>
+        <p:txBody>
+          <a:bodyPr wrap="square" rtlCol="0">
+            <a:spAutoFit/>
+          </a:bodyPr>
+          <a:lstStyle/>
+          <a:p>
+            <a:r>
+              <a:rPr lang="en-US" altLang="zh-TW" sz="2000" dirty="0"/>
+              <a:t>4 X 2</a:t>
+            </a:r>
+            <a:endParaRPr lang="zh-TW" altLang="en-US" sz="2000" dirty="0"/>
+          </a:p>
+        </p:txBody>
+      </p:sp>
+      <p:sp>
+        <p:nvSpPr>
+          <p:cNvPr id="12" name="文字方塊 11">
+            <a:extLst>
+              <a:ext uri="{FF2B5EF4-FFF2-40B4-BE49-F238E27FC236}">
+                <a16:creationId xmlns:a16="http://schemas.microsoft.com/office/drawing/2014/main" id="{0A5CDFB6-79BB-4D1B-9C73-D2C278027D20}"/>
+              </a:ext>
+            </a:extLst>
+          </p:cNvPr>
+          <p:cNvSpPr txBox="1"/>
+          <p:nvPr/>
+        </p:nvSpPr>
+        <p:spPr>
+          <a:xfrm>
+            <a:off x="578844" y="4724338"/>
+            <a:ext cx="755007" cy="400110"/>
+          </a:xfrm>
+          <a:prstGeom prst="rect">
+            <a:avLst/>
+          </a:prstGeom>
+          <a:noFill/>
+        </p:spPr>
+        <p:txBody>
+          <a:bodyPr wrap="square" rtlCol="0">
+            <a:spAutoFit/>
+          </a:bodyPr>
+          <a:lstStyle/>
+          <a:p>
+            <a:r>
+              <a:rPr lang="en-US" altLang="zh-TW" sz="2000" dirty="0"/>
+              <a:t>1 X 8</a:t>
+            </a:r>
+            <a:endParaRPr lang="zh-TW" altLang="en-US" sz="2000" dirty="0"/>
           </a:p>
         </p:txBody>
       </p:sp>
     </p:spTree>
     <p:extLst>
       <p:ext uri="{BB962C8B-B14F-4D97-AF65-F5344CB8AC3E}">
-        <p14:creationId xmlns:p14="http://schemas.microsoft.com/office/powerpoint/2010/main" val="1039587006"/>
+        <p14:creationId xmlns:p14="http://schemas.microsoft.com/office/powerpoint/2010/main" val="1068486549"/>
       </p:ext>
     </p:extLst>
   </p:cSld>
@@ -15638,7 +19842,2386 @@
 </p:sld>
 </file>
 
-<file path=ppt/slides/slide27.xml><?xml version="1.0" encoding="utf-8"?>
+<file path=ppt/slides/slide28.xml><?xml version="1.0" encoding="utf-8"?>
+<p:sld xmlns:a="http://schemas.openxmlformats.org/drawingml/2006/main" xmlns:r="http://schemas.openxmlformats.org/officeDocument/2006/relationships" xmlns:p="http://schemas.openxmlformats.org/presentationml/2006/main">
+  <p:cSld>
+    <p:spTree>
+      <p:nvGrpSpPr>
+        <p:cNvPr id="1" name=""/>
+        <p:cNvGrpSpPr/>
+        <p:nvPr/>
+      </p:nvGrpSpPr>
+      <p:grpSpPr>
+        <a:xfrm>
+          <a:off x="0" y="0"/>
+          <a:ext cx="0" cy="0"/>
+          <a:chOff x="0" y="0"/>
+          <a:chExt cx="0" cy="0"/>
+        </a:xfrm>
+      </p:grpSpPr>
+      <p:sp>
+        <p:nvSpPr>
+          <p:cNvPr id="2" name="標題 1">
+            <a:extLst>
+              <a:ext uri="{FF2B5EF4-FFF2-40B4-BE49-F238E27FC236}">
+                <a16:creationId xmlns:a16="http://schemas.microsoft.com/office/drawing/2014/main" id="{40155AB0-95BF-4BAF-8281-2456DA2DC234}"/>
+              </a:ext>
+            </a:extLst>
+          </p:cNvPr>
+          <p:cNvSpPr>
+            <a:spLocks noGrp="1"/>
+          </p:cNvSpPr>
+          <p:nvPr>
+            <p:ph type="title"/>
+          </p:nvPr>
+        </p:nvSpPr>
+        <p:spPr/>
+        <p:txBody>
+          <a:bodyPr/>
+          <a:lstStyle/>
+          <a:p>
+            <a:r>
+              <a:rPr lang="en-US" altLang="zh-TW" dirty="0"/>
+              <a:t>Application - Merge Sort</a:t>
+            </a:r>
+            <a:endParaRPr lang="zh-TW" altLang="en-US" dirty="0"/>
+          </a:p>
+        </p:txBody>
+      </p:sp>
+      <p:sp>
+        <p:nvSpPr>
+          <p:cNvPr id="3" name="內容版面配置區 2">
+            <a:extLst>
+              <a:ext uri="{FF2B5EF4-FFF2-40B4-BE49-F238E27FC236}">
+                <a16:creationId xmlns:a16="http://schemas.microsoft.com/office/drawing/2014/main" id="{7073129A-BBC7-415D-8AC4-D7C69D033D3C}"/>
+              </a:ext>
+            </a:extLst>
+          </p:cNvPr>
+          <p:cNvSpPr>
+            <a:spLocks noGrp="1"/>
+          </p:cNvSpPr>
+          <p:nvPr>
+            <p:ph idx="1"/>
+          </p:nvPr>
+        </p:nvSpPr>
+        <p:spPr/>
+        <p:txBody>
+          <a:bodyPr/>
+          <a:lstStyle/>
+          <a:p>
+            <a:endParaRPr lang="en-US" altLang="zh-TW" dirty="0"/>
+          </a:p>
+          <a:p>
+            <a:endParaRPr lang="zh-TW" altLang="en-US" dirty="0"/>
+          </a:p>
+        </p:txBody>
+      </p:sp>
+      <p:graphicFrame>
+        <p:nvGraphicFramePr>
+          <p:cNvPr id="4" name="表格 3">
+            <a:extLst>
+              <a:ext uri="{FF2B5EF4-FFF2-40B4-BE49-F238E27FC236}">
+                <a16:creationId xmlns:a16="http://schemas.microsoft.com/office/drawing/2014/main" id="{F0B63AF1-53D7-4B48-97E9-A849905784C4}"/>
+              </a:ext>
+            </a:extLst>
+          </p:cNvPr>
+          <p:cNvGraphicFramePr>
+            <a:graphicFrameLocks noGrp="1"/>
+          </p:cNvGraphicFramePr>
+          <p:nvPr>
+            <p:extLst>
+              <p:ext uri="{D42A27DB-BD31-4B8C-83A1-F6EECF244321}">
+                <p14:modId xmlns:p14="http://schemas.microsoft.com/office/powerpoint/2010/main" val="1925910045"/>
+              </p:ext>
+            </p:extLst>
+          </p:nvPr>
+        </p:nvGraphicFramePr>
+        <p:xfrm>
+          <a:off x="2082335" y="4997155"/>
+          <a:ext cx="7221056" cy="370840"/>
+        </p:xfrm>
+        <a:graphic>
+          <a:graphicData uri="http://schemas.openxmlformats.org/drawingml/2006/table">
+            <a:tbl>
+              <a:tblPr firstRow="1" bandRow="1">
+                <a:tableStyleId>{69CF1AB2-1976-4502-BF36-3FF5EA218861}</a:tableStyleId>
+              </a:tblPr>
+              <a:tblGrid>
+                <a:gridCol w="902632">
+                  <a:extLst>
+                    <a:ext uri="{9D8B030D-6E8A-4147-A177-3AD203B41FA5}">
+                      <a16:colId xmlns:a16="http://schemas.microsoft.com/office/drawing/2014/main" val="151404870"/>
+                    </a:ext>
+                  </a:extLst>
+                </a:gridCol>
+                <a:gridCol w="902632">
+                  <a:extLst>
+                    <a:ext uri="{9D8B030D-6E8A-4147-A177-3AD203B41FA5}">
+                      <a16:colId xmlns:a16="http://schemas.microsoft.com/office/drawing/2014/main" val="3564566356"/>
+                    </a:ext>
+                  </a:extLst>
+                </a:gridCol>
+                <a:gridCol w="902632">
+                  <a:extLst>
+                    <a:ext uri="{9D8B030D-6E8A-4147-A177-3AD203B41FA5}">
+                      <a16:colId xmlns:a16="http://schemas.microsoft.com/office/drawing/2014/main" val="952724319"/>
+                    </a:ext>
+                  </a:extLst>
+                </a:gridCol>
+                <a:gridCol w="902632">
+                  <a:extLst>
+                    <a:ext uri="{9D8B030D-6E8A-4147-A177-3AD203B41FA5}">
+                      <a16:colId xmlns:a16="http://schemas.microsoft.com/office/drawing/2014/main" val="2430993575"/>
+                    </a:ext>
+                  </a:extLst>
+                </a:gridCol>
+                <a:gridCol w="902632">
+                  <a:extLst>
+                    <a:ext uri="{9D8B030D-6E8A-4147-A177-3AD203B41FA5}">
+                      <a16:colId xmlns:a16="http://schemas.microsoft.com/office/drawing/2014/main" val="1506805383"/>
+                    </a:ext>
+                  </a:extLst>
+                </a:gridCol>
+                <a:gridCol w="902632">
+                  <a:extLst>
+                    <a:ext uri="{9D8B030D-6E8A-4147-A177-3AD203B41FA5}">
+                      <a16:colId xmlns:a16="http://schemas.microsoft.com/office/drawing/2014/main" val="738534803"/>
+                    </a:ext>
+                  </a:extLst>
+                </a:gridCol>
+                <a:gridCol w="902632">
+                  <a:extLst>
+                    <a:ext uri="{9D8B030D-6E8A-4147-A177-3AD203B41FA5}">
+                      <a16:colId xmlns:a16="http://schemas.microsoft.com/office/drawing/2014/main" val="3867959881"/>
+                    </a:ext>
+                  </a:extLst>
+                </a:gridCol>
+                <a:gridCol w="902632">
+                  <a:extLst>
+                    <a:ext uri="{9D8B030D-6E8A-4147-A177-3AD203B41FA5}">
+                      <a16:colId xmlns:a16="http://schemas.microsoft.com/office/drawing/2014/main" val="40223093"/>
+                    </a:ext>
+                  </a:extLst>
+                </a:gridCol>
+              </a:tblGrid>
+              <a:tr h="370840">
+                <a:tc>
+                  <a:txBody>
+                    <a:bodyPr/>
+                    <a:lstStyle/>
+                    <a:p>
+                      <a:pPr algn="ctr"/>
+                      <a:r>
+                        <a:rPr lang="en-US" altLang="zh-TW" dirty="0">
+                          <a:solidFill>
+                            <a:schemeClr val="tx1"/>
+                          </a:solidFill>
+                        </a:rPr>
+                        <a:t>-15</a:t>
+                      </a:r>
+                      <a:endParaRPr lang="zh-TW" altLang="en-US" dirty="0">
+                        <a:solidFill>
+                          <a:schemeClr val="tx1"/>
+                        </a:solidFill>
+                      </a:endParaRPr>
+                    </a:p>
+                  </a:txBody>
+                  <a:tcPr/>
+                </a:tc>
+                <a:tc>
+                  <a:txBody>
+                    <a:bodyPr/>
+                    <a:lstStyle/>
+                    <a:p>
+                      <a:pPr algn="ctr"/>
+                      <a:r>
+                        <a:rPr lang="en-US" altLang="zh-TW" dirty="0"/>
+                        <a:t>-10</a:t>
+                      </a:r>
+                      <a:endParaRPr lang="zh-TW" altLang="en-US" dirty="0"/>
+                    </a:p>
+                  </a:txBody>
+                  <a:tcPr/>
+                </a:tc>
+                <a:tc>
+                  <a:txBody>
+                    <a:bodyPr/>
+                    <a:lstStyle/>
+                    <a:p>
+                      <a:pPr algn="ctr"/>
+                      <a:r>
+                        <a:rPr lang="en-US" altLang="zh-TW" dirty="0"/>
+                        <a:t>-9</a:t>
+                      </a:r>
+                      <a:endParaRPr lang="zh-TW" altLang="en-US" dirty="0"/>
+                    </a:p>
+                  </a:txBody>
+                  <a:tcPr/>
+                </a:tc>
+                <a:tc>
+                  <a:txBody>
+                    <a:bodyPr/>
+                    <a:lstStyle/>
+                    <a:p>
+                      <a:pPr algn="ctr"/>
+                      <a:r>
+                        <a:rPr lang="en-US" altLang="zh-TW" dirty="0"/>
+                        <a:t>-7</a:t>
+                      </a:r>
+                      <a:endParaRPr lang="zh-TW" altLang="en-US" dirty="0"/>
+                    </a:p>
+                  </a:txBody>
+                  <a:tcPr/>
+                </a:tc>
+                <a:tc>
+                  <a:txBody>
+                    <a:bodyPr/>
+                    <a:lstStyle/>
+                    <a:p>
+                      <a:pPr algn="ctr"/>
+                      <a:r>
+                        <a:rPr lang="en-US" altLang="zh-TW" dirty="0"/>
+                        <a:t>-6</a:t>
+                      </a:r>
+                      <a:endParaRPr lang="zh-TW" altLang="en-US" dirty="0"/>
+                    </a:p>
+                  </a:txBody>
+                  <a:tcPr/>
+                </a:tc>
+                <a:tc>
+                  <a:txBody>
+                    <a:bodyPr/>
+                    <a:lstStyle/>
+                    <a:p>
+                      <a:pPr algn="ctr"/>
+                      <a:r>
+                        <a:rPr lang="en-US" altLang="zh-TW" dirty="0"/>
+                        <a:t>-4</a:t>
+                      </a:r>
+                      <a:endParaRPr lang="zh-TW" altLang="en-US" dirty="0"/>
+                    </a:p>
+                  </a:txBody>
+                  <a:tcPr/>
+                </a:tc>
+                <a:tc>
+                  <a:txBody>
+                    <a:bodyPr/>
+                    <a:lstStyle/>
+                    <a:p>
+                      <a:pPr algn="ctr"/>
+                      <a:r>
+                        <a:rPr lang="en-US" altLang="zh-TW" dirty="0"/>
+                        <a:t>-3</a:t>
+                      </a:r>
+                      <a:endParaRPr lang="zh-TW" altLang="en-US" dirty="0"/>
+                    </a:p>
+                  </a:txBody>
+                  <a:tcPr/>
+                </a:tc>
+                <a:tc>
+                  <a:txBody>
+                    <a:bodyPr/>
+                    <a:lstStyle/>
+                    <a:p>
+                      <a:pPr algn="ctr"/>
+                      <a:r>
+                        <a:rPr lang="en-US" altLang="zh-TW" dirty="0"/>
+                        <a:t>-2</a:t>
+                      </a:r>
+                      <a:endParaRPr lang="zh-TW" altLang="en-US" dirty="0"/>
+                    </a:p>
+                  </a:txBody>
+                  <a:tcPr/>
+                </a:tc>
+                <a:extLst>
+                  <a:ext uri="{0D108BD9-81ED-4DB2-BD59-A6C34878D82A}">
+                    <a16:rowId xmlns:a16="http://schemas.microsoft.com/office/drawing/2014/main" val="3760033530"/>
+                  </a:ext>
+                </a:extLst>
+              </a:tr>
+            </a:tbl>
+          </a:graphicData>
+        </a:graphic>
+      </p:graphicFrame>
+      <p:graphicFrame>
+        <p:nvGraphicFramePr>
+          <p:cNvPr id="6" name="表格 5">
+            <a:extLst>
+              <a:ext uri="{FF2B5EF4-FFF2-40B4-BE49-F238E27FC236}">
+                <a16:creationId xmlns:a16="http://schemas.microsoft.com/office/drawing/2014/main" id="{DD248ADE-3092-4842-BC1F-EFC5B771DD6D}"/>
+              </a:ext>
+            </a:extLst>
+          </p:cNvPr>
+          <p:cNvGraphicFramePr>
+            <a:graphicFrameLocks noGrp="1"/>
+          </p:cNvGraphicFramePr>
+          <p:nvPr>
+            <p:extLst>
+              <p:ext uri="{D42A27DB-BD31-4B8C-83A1-F6EECF244321}">
+                <p14:modId xmlns:p14="http://schemas.microsoft.com/office/powerpoint/2010/main" val="1654374731"/>
+              </p:ext>
+            </p:extLst>
+          </p:nvPr>
+        </p:nvGraphicFramePr>
+        <p:xfrm>
+          <a:off x="2082335" y="4188188"/>
+          <a:ext cx="7221056" cy="370840"/>
+        </p:xfrm>
+        <a:graphic>
+          <a:graphicData uri="http://schemas.openxmlformats.org/drawingml/2006/table">
+            <a:tbl>
+              <a:tblPr firstRow="1" bandRow="1">
+                <a:tableStyleId>{69CF1AB2-1976-4502-BF36-3FF5EA218861}</a:tableStyleId>
+              </a:tblPr>
+              <a:tblGrid>
+                <a:gridCol w="902632">
+                  <a:extLst>
+                    <a:ext uri="{9D8B030D-6E8A-4147-A177-3AD203B41FA5}">
+                      <a16:colId xmlns:a16="http://schemas.microsoft.com/office/drawing/2014/main" val="151404870"/>
+                    </a:ext>
+                  </a:extLst>
+                </a:gridCol>
+                <a:gridCol w="902632">
+                  <a:extLst>
+                    <a:ext uri="{9D8B030D-6E8A-4147-A177-3AD203B41FA5}">
+                      <a16:colId xmlns:a16="http://schemas.microsoft.com/office/drawing/2014/main" val="3564566356"/>
+                    </a:ext>
+                  </a:extLst>
+                </a:gridCol>
+                <a:gridCol w="902632">
+                  <a:extLst>
+                    <a:ext uri="{9D8B030D-6E8A-4147-A177-3AD203B41FA5}">
+                      <a16:colId xmlns:a16="http://schemas.microsoft.com/office/drawing/2014/main" val="952724319"/>
+                    </a:ext>
+                  </a:extLst>
+                </a:gridCol>
+                <a:gridCol w="902632">
+                  <a:extLst>
+                    <a:ext uri="{9D8B030D-6E8A-4147-A177-3AD203B41FA5}">
+                      <a16:colId xmlns:a16="http://schemas.microsoft.com/office/drawing/2014/main" val="2430993575"/>
+                    </a:ext>
+                  </a:extLst>
+                </a:gridCol>
+                <a:gridCol w="902632">
+                  <a:extLst>
+                    <a:ext uri="{9D8B030D-6E8A-4147-A177-3AD203B41FA5}">
+                      <a16:colId xmlns:a16="http://schemas.microsoft.com/office/drawing/2014/main" val="1506805383"/>
+                    </a:ext>
+                  </a:extLst>
+                </a:gridCol>
+                <a:gridCol w="902632">
+                  <a:extLst>
+                    <a:ext uri="{9D8B030D-6E8A-4147-A177-3AD203B41FA5}">
+                      <a16:colId xmlns:a16="http://schemas.microsoft.com/office/drawing/2014/main" val="738534803"/>
+                    </a:ext>
+                  </a:extLst>
+                </a:gridCol>
+                <a:gridCol w="902632">
+                  <a:extLst>
+                    <a:ext uri="{9D8B030D-6E8A-4147-A177-3AD203B41FA5}">
+                      <a16:colId xmlns:a16="http://schemas.microsoft.com/office/drawing/2014/main" val="3867959881"/>
+                    </a:ext>
+                  </a:extLst>
+                </a:gridCol>
+                <a:gridCol w="902632">
+                  <a:extLst>
+                    <a:ext uri="{9D8B030D-6E8A-4147-A177-3AD203B41FA5}">
+                      <a16:colId xmlns:a16="http://schemas.microsoft.com/office/drawing/2014/main" val="40223093"/>
+                    </a:ext>
+                  </a:extLst>
+                </a:gridCol>
+              </a:tblGrid>
+              <a:tr h="370840">
+                <a:tc>
+                  <a:txBody>
+                    <a:bodyPr/>
+                    <a:lstStyle/>
+                    <a:p>
+                      <a:pPr algn="ctr"/>
+                      <a:r>
+                        <a:rPr lang="en-US" altLang="zh-TW" dirty="0">
+                          <a:solidFill>
+                            <a:schemeClr val="tx1"/>
+                          </a:solidFill>
+                        </a:rPr>
+                        <a:t>-10</a:t>
+                      </a:r>
+                      <a:endParaRPr lang="zh-TW" altLang="en-US" dirty="0">
+                        <a:solidFill>
+                          <a:schemeClr val="tx1"/>
+                        </a:solidFill>
+                      </a:endParaRPr>
+                    </a:p>
+                  </a:txBody>
+                  <a:tcPr>
+                    <a:lnL w="28575" cap="flat" cmpd="sng" algn="ctr">
+                      <a:solidFill>
+                        <a:srgbClr val="FF0000"/>
+                      </a:solidFill>
+                      <a:prstDash val="solid"/>
+                      <a:round/>
+                      <a:headEnd type="none" w="med" len="med"/>
+                      <a:tailEnd type="none" w="med" len="med"/>
+                    </a:lnL>
+                    <a:lnT w="28575" cap="flat" cmpd="sng" algn="ctr">
+                      <a:solidFill>
+                        <a:srgbClr val="FF0000"/>
+                      </a:solidFill>
+                      <a:prstDash val="solid"/>
+                      <a:round/>
+                      <a:headEnd type="none" w="med" len="med"/>
+                      <a:tailEnd type="none" w="med" len="med"/>
+                    </a:lnT>
+                    <a:lnB w="28575" cap="flat" cmpd="sng" algn="ctr">
+                      <a:solidFill>
+                        <a:srgbClr val="FF0000"/>
+                      </a:solidFill>
+                      <a:prstDash val="solid"/>
+                      <a:round/>
+                      <a:headEnd type="none" w="med" len="med"/>
+                      <a:tailEnd type="none" w="med" len="med"/>
+                    </a:lnB>
+                  </a:tcPr>
+                </a:tc>
+                <a:tc>
+                  <a:txBody>
+                    <a:bodyPr/>
+                    <a:lstStyle/>
+                    <a:p>
+                      <a:pPr algn="ctr"/>
+                      <a:r>
+                        <a:rPr lang="en-US" altLang="zh-TW" dirty="0"/>
+                        <a:t>-6</a:t>
+                      </a:r>
+                      <a:endParaRPr lang="zh-TW" altLang="en-US" dirty="0"/>
+                    </a:p>
+                  </a:txBody>
+                  <a:tcPr>
+                    <a:lnT w="28575" cap="flat" cmpd="sng" algn="ctr">
+                      <a:solidFill>
+                        <a:srgbClr val="FF0000"/>
+                      </a:solidFill>
+                      <a:prstDash val="solid"/>
+                      <a:round/>
+                      <a:headEnd type="none" w="med" len="med"/>
+                      <a:tailEnd type="none" w="med" len="med"/>
+                    </a:lnT>
+                    <a:lnB w="28575" cap="flat" cmpd="sng" algn="ctr">
+                      <a:solidFill>
+                        <a:srgbClr val="FF0000"/>
+                      </a:solidFill>
+                      <a:prstDash val="solid"/>
+                      <a:round/>
+                      <a:headEnd type="none" w="med" len="med"/>
+                      <a:tailEnd type="none" w="med" len="med"/>
+                    </a:lnB>
+                  </a:tcPr>
+                </a:tc>
+                <a:tc>
+                  <a:txBody>
+                    <a:bodyPr/>
+                    <a:lstStyle/>
+                    <a:p>
+                      <a:pPr algn="ctr"/>
+                      <a:r>
+                        <a:rPr lang="en-US" altLang="zh-TW" dirty="0"/>
+                        <a:t>-4</a:t>
+                      </a:r>
+                      <a:endParaRPr lang="zh-TW" altLang="en-US" dirty="0"/>
+                    </a:p>
+                  </a:txBody>
+                  <a:tcPr>
+                    <a:lnT w="28575" cap="flat" cmpd="sng" algn="ctr">
+                      <a:solidFill>
+                        <a:srgbClr val="FF0000"/>
+                      </a:solidFill>
+                      <a:prstDash val="solid"/>
+                      <a:round/>
+                      <a:headEnd type="none" w="med" len="med"/>
+                      <a:tailEnd type="none" w="med" len="med"/>
+                    </a:lnT>
+                    <a:lnB w="28575" cap="flat" cmpd="sng" algn="ctr">
+                      <a:solidFill>
+                        <a:srgbClr val="FF0000"/>
+                      </a:solidFill>
+                      <a:prstDash val="solid"/>
+                      <a:round/>
+                      <a:headEnd type="none" w="med" len="med"/>
+                      <a:tailEnd type="none" w="med" len="med"/>
+                    </a:lnB>
+                  </a:tcPr>
+                </a:tc>
+                <a:tc>
+                  <a:txBody>
+                    <a:bodyPr/>
+                    <a:lstStyle/>
+                    <a:p>
+                      <a:pPr algn="ctr"/>
+                      <a:r>
+                        <a:rPr lang="en-US" altLang="zh-TW" dirty="0"/>
+                        <a:t>-2</a:t>
+                      </a:r>
+                      <a:endParaRPr lang="zh-TW" altLang="en-US" dirty="0"/>
+                    </a:p>
+                  </a:txBody>
+                  <a:tcPr>
+                    <a:lnR w="28575" cap="flat" cmpd="sng" algn="ctr">
+                      <a:solidFill>
+                        <a:srgbClr val="FF0000"/>
+                      </a:solidFill>
+                      <a:prstDash val="solid"/>
+                      <a:round/>
+                      <a:headEnd type="none" w="med" len="med"/>
+                      <a:tailEnd type="none" w="med" len="med"/>
+                    </a:lnR>
+                    <a:lnT w="28575" cap="flat" cmpd="sng" algn="ctr">
+                      <a:solidFill>
+                        <a:srgbClr val="FF0000"/>
+                      </a:solidFill>
+                      <a:prstDash val="solid"/>
+                      <a:round/>
+                      <a:headEnd type="none" w="med" len="med"/>
+                      <a:tailEnd type="none" w="med" len="med"/>
+                    </a:lnT>
+                    <a:lnB w="28575" cap="flat" cmpd="sng" algn="ctr">
+                      <a:solidFill>
+                        <a:srgbClr val="FF0000"/>
+                      </a:solidFill>
+                      <a:prstDash val="solid"/>
+                      <a:round/>
+                      <a:headEnd type="none" w="med" len="med"/>
+                      <a:tailEnd type="none" w="med" len="med"/>
+                    </a:lnB>
+                  </a:tcPr>
+                </a:tc>
+                <a:tc>
+                  <a:txBody>
+                    <a:bodyPr/>
+                    <a:lstStyle/>
+                    <a:p>
+                      <a:pPr algn="ctr"/>
+                      <a:r>
+                        <a:rPr lang="en-US" altLang="zh-TW" dirty="0"/>
+                        <a:t>-15</a:t>
+                      </a:r>
+                      <a:endParaRPr lang="zh-TW" altLang="en-US" dirty="0"/>
+                    </a:p>
+                  </a:txBody>
+                  <a:tcPr>
+                    <a:lnL w="28575" cap="flat" cmpd="sng" algn="ctr">
+                      <a:solidFill>
+                        <a:srgbClr val="FF0000"/>
+                      </a:solidFill>
+                      <a:prstDash val="solid"/>
+                      <a:round/>
+                      <a:headEnd type="none" w="med" len="med"/>
+                      <a:tailEnd type="none" w="med" len="med"/>
+                    </a:lnL>
+                    <a:lnT w="28575" cap="flat" cmpd="sng" algn="ctr">
+                      <a:solidFill>
+                        <a:srgbClr val="FF0000"/>
+                      </a:solidFill>
+                      <a:prstDash val="solid"/>
+                      <a:round/>
+                      <a:headEnd type="none" w="med" len="med"/>
+                      <a:tailEnd type="none" w="med" len="med"/>
+                    </a:lnT>
+                    <a:lnB w="28575" cap="flat" cmpd="sng" algn="ctr">
+                      <a:solidFill>
+                        <a:srgbClr val="FF0000"/>
+                      </a:solidFill>
+                      <a:prstDash val="solid"/>
+                      <a:round/>
+                      <a:headEnd type="none" w="med" len="med"/>
+                      <a:tailEnd type="none" w="med" len="med"/>
+                    </a:lnB>
+                  </a:tcPr>
+                </a:tc>
+                <a:tc>
+                  <a:txBody>
+                    <a:bodyPr/>
+                    <a:lstStyle/>
+                    <a:p>
+                      <a:pPr algn="ctr"/>
+                      <a:r>
+                        <a:rPr lang="en-US" altLang="zh-TW" dirty="0"/>
+                        <a:t>-9</a:t>
+                      </a:r>
+                      <a:endParaRPr lang="zh-TW" altLang="en-US" dirty="0"/>
+                    </a:p>
+                  </a:txBody>
+                  <a:tcPr>
+                    <a:lnT w="28575" cap="flat" cmpd="sng" algn="ctr">
+                      <a:solidFill>
+                        <a:srgbClr val="FF0000"/>
+                      </a:solidFill>
+                      <a:prstDash val="solid"/>
+                      <a:round/>
+                      <a:headEnd type="none" w="med" len="med"/>
+                      <a:tailEnd type="none" w="med" len="med"/>
+                    </a:lnT>
+                    <a:lnB w="28575" cap="flat" cmpd="sng" algn="ctr">
+                      <a:solidFill>
+                        <a:srgbClr val="FF0000"/>
+                      </a:solidFill>
+                      <a:prstDash val="solid"/>
+                      <a:round/>
+                      <a:headEnd type="none" w="med" len="med"/>
+                      <a:tailEnd type="none" w="med" len="med"/>
+                    </a:lnB>
+                  </a:tcPr>
+                </a:tc>
+                <a:tc>
+                  <a:txBody>
+                    <a:bodyPr/>
+                    <a:lstStyle/>
+                    <a:p>
+                      <a:pPr algn="ctr"/>
+                      <a:r>
+                        <a:rPr lang="en-US" altLang="zh-TW" dirty="0"/>
+                        <a:t>-7</a:t>
+                      </a:r>
+                      <a:endParaRPr lang="zh-TW" altLang="en-US" dirty="0"/>
+                    </a:p>
+                  </a:txBody>
+                  <a:tcPr>
+                    <a:lnT w="28575" cap="flat" cmpd="sng" algn="ctr">
+                      <a:solidFill>
+                        <a:srgbClr val="FF0000"/>
+                      </a:solidFill>
+                      <a:prstDash val="solid"/>
+                      <a:round/>
+                      <a:headEnd type="none" w="med" len="med"/>
+                      <a:tailEnd type="none" w="med" len="med"/>
+                    </a:lnT>
+                    <a:lnB w="28575" cap="flat" cmpd="sng" algn="ctr">
+                      <a:solidFill>
+                        <a:srgbClr val="FF0000"/>
+                      </a:solidFill>
+                      <a:prstDash val="solid"/>
+                      <a:round/>
+                      <a:headEnd type="none" w="med" len="med"/>
+                      <a:tailEnd type="none" w="med" len="med"/>
+                    </a:lnB>
+                  </a:tcPr>
+                </a:tc>
+                <a:tc>
+                  <a:txBody>
+                    <a:bodyPr/>
+                    <a:lstStyle/>
+                    <a:p>
+                      <a:pPr algn="ctr"/>
+                      <a:r>
+                        <a:rPr lang="en-US" altLang="zh-TW" dirty="0"/>
+                        <a:t>-3</a:t>
+                      </a:r>
+                      <a:endParaRPr lang="zh-TW" altLang="en-US" dirty="0"/>
+                    </a:p>
+                  </a:txBody>
+                  <a:tcPr>
+                    <a:lnR w="28575" cap="flat" cmpd="sng" algn="ctr">
+                      <a:solidFill>
+                        <a:srgbClr val="FF0000"/>
+                      </a:solidFill>
+                      <a:prstDash val="solid"/>
+                      <a:round/>
+                      <a:headEnd type="none" w="med" len="med"/>
+                      <a:tailEnd type="none" w="med" len="med"/>
+                    </a:lnR>
+                    <a:lnT w="28575" cap="flat" cmpd="sng" algn="ctr">
+                      <a:solidFill>
+                        <a:srgbClr val="FF0000"/>
+                      </a:solidFill>
+                      <a:prstDash val="solid"/>
+                      <a:round/>
+                      <a:headEnd type="none" w="med" len="med"/>
+                      <a:tailEnd type="none" w="med" len="med"/>
+                    </a:lnT>
+                    <a:lnB w="28575" cap="flat" cmpd="sng" algn="ctr">
+                      <a:solidFill>
+                        <a:srgbClr val="FF0000"/>
+                      </a:solidFill>
+                      <a:prstDash val="solid"/>
+                      <a:round/>
+                      <a:headEnd type="none" w="med" len="med"/>
+                      <a:tailEnd type="none" w="med" len="med"/>
+                    </a:lnB>
+                  </a:tcPr>
+                </a:tc>
+                <a:extLst>
+                  <a:ext uri="{0D108BD9-81ED-4DB2-BD59-A6C34878D82A}">
+                    <a16:rowId xmlns:a16="http://schemas.microsoft.com/office/drawing/2014/main" val="3760033530"/>
+                  </a:ext>
+                </a:extLst>
+              </a:tr>
+            </a:tbl>
+          </a:graphicData>
+        </a:graphic>
+      </p:graphicFrame>
+      <p:graphicFrame>
+        <p:nvGraphicFramePr>
+          <p:cNvPr id="7" name="表格 6">
+            <a:extLst>
+              <a:ext uri="{FF2B5EF4-FFF2-40B4-BE49-F238E27FC236}">
+                <a16:creationId xmlns:a16="http://schemas.microsoft.com/office/drawing/2014/main" id="{9A028039-778E-4E72-8D60-7580735AE19E}"/>
+              </a:ext>
+            </a:extLst>
+          </p:cNvPr>
+          <p:cNvGraphicFramePr>
+            <a:graphicFrameLocks noGrp="1"/>
+          </p:cNvGraphicFramePr>
+          <p:nvPr>
+            <p:extLst>
+              <p:ext uri="{D42A27DB-BD31-4B8C-83A1-F6EECF244321}">
+                <p14:modId xmlns:p14="http://schemas.microsoft.com/office/powerpoint/2010/main" val="1591932380"/>
+              </p:ext>
+            </p:extLst>
+          </p:nvPr>
+        </p:nvGraphicFramePr>
+        <p:xfrm>
+          <a:off x="2082335" y="3340204"/>
+          <a:ext cx="7221056" cy="370840"/>
+        </p:xfrm>
+        <a:graphic>
+          <a:graphicData uri="http://schemas.openxmlformats.org/drawingml/2006/table">
+            <a:tbl>
+              <a:tblPr firstRow="1" bandRow="1">
+                <a:tableStyleId>{69CF1AB2-1976-4502-BF36-3FF5EA218861}</a:tableStyleId>
+              </a:tblPr>
+              <a:tblGrid>
+                <a:gridCol w="902632">
+                  <a:extLst>
+                    <a:ext uri="{9D8B030D-6E8A-4147-A177-3AD203B41FA5}">
+                      <a16:colId xmlns:a16="http://schemas.microsoft.com/office/drawing/2014/main" val="151404870"/>
+                    </a:ext>
+                  </a:extLst>
+                </a:gridCol>
+                <a:gridCol w="902632">
+                  <a:extLst>
+                    <a:ext uri="{9D8B030D-6E8A-4147-A177-3AD203B41FA5}">
+                      <a16:colId xmlns:a16="http://schemas.microsoft.com/office/drawing/2014/main" val="3564566356"/>
+                    </a:ext>
+                  </a:extLst>
+                </a:gridCol>
+                <a:gridCol w="902632">
+                  <a:extLst>
+                    <a:ext uri="{9D8B030D-6E8A-4147-A177-3AD203B41FA5}">
+                      <a16:colId xmlns:a16="http://schemas.microsoft.com/office/drawing/2014/main" val="952724319"/>
+                    </a:ext>
+                  </a:extLst>
+                </a:gridCol>
+                <a:gridCol w="902632">
+                  <a:extLst>
+                    <a:ext uri="{9D8B030D-6E8A-4147-A177-3AD203B41FA5}">
+                      <a16:colId xmlns:a16="http://schemas.microsoft.com/office/drawing/2014/main" val="2430993575"/>
+                    </a:ext>
+                  </a:extLst>
+                </a:gridCol>
+                <a:gridCol w="902632">
+                  <a:extLst>
+                    <a:ext uri="{9D8B030D-6E8A-4147-A177-3AD203B41FA5}">
+                      <a16:colId xmlns:a16="http://schemas.microsoft.com/office/drawing/2014/main" val="1506805383"/>
+                    </a:ext>
+                  </a:extLst>
+                </a:gridCol>
+                <a:gridCol w="902632">
+                  <a:extLst>
+                    <a:ext uri="{9D8B030D-6E8A-4147-A177-3AD203B41FA5}">
+                      <a16:colId xmlns:a16="http://schemas.microsoft.com/office/drawing/2014/main" val="738534803"/>
+                    </a:ext>
+                  </a:extLst>
+                </a:gridCol>
+                <a:gridCol w="902632">
+                  <a:extLst>
+                    <a:ext uri="{9D8B030D-6E8A-4147-A177-3AD203B41FA5}">
+                      <a16:colId xmlns:a16="http://schemas.microsoft.com/office/drawing/2014/main" val="3867959881"/>
+                    </a:ext>
+                  </a:extLst>
+                </a:gridCol>
+                <a:gridCol w="902632">
+                  <a:extLst>
+                    <a:ext uri="{9D8B030D-6E8A-4147-A177-3AD203B41FA5}">
+                      <a16:colId xmlns:a16="http://schemas.microsoft.com/office/drawing/2014/main" val="40223093"/>
+                    </a:ext>
+                  </a:extLst>
+                </a:gridCol>
+              </a:tblGrid>
+              <a:tr h="370840">
+                <a:tc>
+                  <a:txBody>
+                    <a:bodyPr/>
+                    <a:lstStyle/>
+                    <a:p>
+                      <a:pPr algn="ctr"/>
+                      <a:r>
+                        <a:rPr lang="en-US" altLang="zh-TW" dirty="0">
+                          <a:solidFill>
+                            <a:schemeClr val="tx1"/>
+                          </a:solidFill>
+                        </a:rPr>
+                        <a:t>-10</a:t>
+                      </a:r>
+                      <a:endParaRPr lang="zh-TW" altLang="en-US" dirty="0">
+                        <a:solidFill>
+                          <a:schemeClr val="tx1"/>
+                        </a:solidFill>
+                      </a:endParaRPr>
+                    </a:p>
+                  </a:txBody>
+                  <a:tcPr>
+                    <a:lnL w="28575" cap="flat" cmpd="sng" algn="ctr">
+                      <a:solidFill>
+                        <a:srgbClr val="FF0000"/>
+                      </a:solidFill>
+                      <a:prstDash val="solid"/>
+                      <a:round/>
+                      <a:headEnd type="none" w="med" len="med"/>
+                      <a:tailEnd type="none" w="med" len="med"/>
+                    </a:lnL>
+                    <a:lnT w="28575" cap="flat" cmpd="sng" algn="ctr">
+                      <a:solidFill>
+                        <a:srgbClr val="FF0000"/>
+                      </a:solidFill>
+                      <a:prstDash val="solid"/>
+                      <a:round/>
+                      <a:headEnd type="none" w="med" len="med"/>
+                      <a:tailEnd type="none" w="med" len="med"/>
+                    </a:lnT>
+                    <a:lnB w="28575" cap="flat" cmpd="sng" algn="ctr">
+                      <a:solidFill>
+                        <a:srgbClr val="FF0000"/>
+                      </a:solidFill>
+                      <a:prstDash val="solid"/>
+                      <a:round/>
+                      <a:headEnd type="none" w="med" len="med"/>
+                      <a:tailEnd type="none" w="med" len="med"/>
+                    </a:lnB>
+                  </a:tcPr>
+                </a:tc>
+                <a:tc>
+                  <a:txBody>
+                    <a:bodyPr/>
+                    <a:lstStyle/>
+                    <a:p>
+                      <a:pPr algn="ctr"/>
+                      <a:r>
+                        <a:rPr lang="en-US" altLang="zh-TW" dirty="0"/>
+                        <a:t>-1</a:t>
+                      </a:r>
+                      <a:endParaRPr lang="zh-TW" altLang="en-US" dirty="0"/>
+                    </a:p>
+                  </a:txBody>
+                  <a:tcPr>
+                    <a:lnR w="28575" cap="flat" cmpd="sng" algn="ctr">
+                      <a:solidFill>
+                        <a:srgbClr val="FF0000"/>
+                      </a:solidFill>
+                      <a:prstDash val="solid"/>
+                      <a:round/>
+                      <a:headEnd type="none" w="med" len="med"/>
+                      <a:tailEnd type="none" w="med" len="med"/>
+                    </a:lnR>
+                    <a:lnT w="28575" cap="flat" cmpd="sng" algn="ctr">
+                      <a:solidFill>
+                        <a:srgbClr val="FF0000"/>
+                      </a:solidFill>
+                      <a:prstDash val="solid"/>
+                      <a:round/>
+                      <a:headEnd type="none" w="med" len="med"/>
+                      <a:tailEnd type="none" w="med" len="med"/>
+                    </a:lnT>
+                    <a:lnB w="28575" cap="flat" cmpd="sng" algn="ctr">
+                      <a:solidFill>
+                        <a:srgbClr val="FF0000"/>
+                      </a:solidFill>
+                      <a:prstDash val="solid"/>
+                      <a:round/>
+                      <a:headEnd type="none" w="med" len="med"/>
+                      <a:tailEnd type="none" w="med" len="med"/>
+                    </a:lnB>
+                  </a:tcPr>
+                </a:tc>
+                <a:tc>
+                  <a:txBody>
+                    <a:bodyPr/>
+                    <a:lstStyle/>
+                    <a:p>
+                      <a:pPr algn="ctr"/>
+                      <a:r>
+                        <a:rPr lang="en-US" altLang="zh-TW" dirty="0"/>
+                        <a:t>-6</a:t>
+                      </a:r>
+                      <a:endParaRPr lang="zh-TW" altLang="en-US" dirty="0"/>
+                    </a:p>
+                  </a:txBody>
+                  <a:tcPr>
+                    <a:lnL w="28575" cap="flat" cmpd="sng" algn="ctr">
+                      <a:solidFill>
+                        <a:srgbClr val="FF0000"/>
+                      </a:solidFill>
+                      <a:prstDash val="solid"/>
+                      <a:round/>
+                      <a:headEnd type="none" w="med" len="med"/>
+                      <a:tailEnd type="none" w="med" len="med"/>
+                    </a:lnL>
+                    <a:lnT w="28575" cap="flat" cmpd="sng" algn="ctr">
+                      <a:solidFill>
+                        <a:srgbClr val="FF0000"/>
+                      </a:solidFill>
+                      <a:prstDash val="solid"/>
+                      <a:round/>
+                      <a:headEnd type="none" w="med" len="med"/>
+                      <a:tailEnd type="none" w="med" len="med"/>
+                    </a:lnT>
+                    <a:lnB w="28575" cap="flat" cmpd="sng" algn="ctr">
+                      <a:solidFill>
+                        <a:srgbClr val="FF0000"/>
+                      </a:solidFill>
+                      <a:prstDash val="solid"/>
+                      <a:round/>
+                      <a:headEnd type="none" w="med" len="med"/>
+                      <a:tailEnd type="none" w="med" len="med"/>
+                    </a:lnB>
+                  </a:tcPr>
+                </a:tc>
+                <a:tc>
+                  <a:txBody>
+                    <a:bodyPr/>
+                    <a:lstStyle/>
+                    <a:p>
+                      <a:pPr algn="ctr"/>
+                      <a:r>
+                        <a:rPr lang="en-US" altLang="zh-TW" dirty="0"/>
+                        <a:t>-4</a:t>
+                      </a:r>
+                      <a:endParaRPr lang="zh-TW" altLang="en-US" dirty="0"/>
+                    </a:p>
+                  </a:txBody>
+                  <a:tcPr>
+                    <a:lnR w="28575" cap="flat" cmpd="sng" algn="ctr">
+                      <a:solidFill>
+                        <a:srgbClr val="FF0000"/>
+                      </a:solidFill>
+                      <a:prstDash val="solid"/>
+                      <a:round/>
+                      <a:headEnd type="none" w="med" len="med"/>
+                      <a:tailEnd type="none" w="med" len="med"/>
+                    </a:lnR>
+                    <a:lnT w="28575" cap="flat" cmpd="sng" algn="ctr">
+                      <a:solidFill>
+                        <a:srgbClr val="FF0000"/>
+                      </a:solidFill>
+                      <a:prstDash val="solid"/>
+                      <a:round/>
+                      <a:headEnd type="none" w="med" len="med"/>
+                      <a:tailEnd type="none" w="med" len="med"/>
+                    </a:lnT>
+                    <a:lnB w="28575" cap="flat" cmpd="sng" algn="ctr">
+                      <a:solidFill>
+                        <a:srgbClr val="FF0000"/>
+                      </a:solidFill>
+                      <a:prstDash val="solid"/>
+                      <a:round/>
+                      <a:headEnd type="none" w="med" len="med"/>
+                      <a:tailEnd type="none" w="med" len="med"/>
+                    </a:lnB>
+                  </a:tcPr>
+                </a:tc>
+                <a:tc>
+                  <a:txBody>
+                    <a:bodyPr/>
+                    <a:lstStyle/>
+                    <a:p>
+                      <a:pPr algn="ctr"/>
+                      <a:r>
+                        <a:rPr lang="en-US" altLang="zh-TW" dirty="0"/>
+                        <a:t>-9</a:t>
+                      </a:r>
+                      <a:endParaRPr lang="zh-TW" altLang="en-US" dirty="0"/>
+                    </a:p>
+                  </a:txBody>
+                  <a:tcPr>
+                    <a:lnL w="28575" cap="flat" cmpd="sng" algn="ctr">
+                      <a:solidFill>
+                        <a:srgbClr val="FF0000"/>
+                      </a:solidFill>
+                      <a:prstDash val="solid"/>
+                      <a:round/>
+                      <a:headEnd type="none" w="med" len="med"/>
+                      <a:tailEnd type="none" w="med" len="med"/>
+                    </a:lnL>
+                    <a:lnT w="28575" cap="flat" cmpd="sng" algn="ctr">
+                      <a:solidFill>
+                        <a:srgbClr val="FF0000"/>
+                      </a:solidFill>
+                      <a:prstDash val="solid"/>
+                      <a:round/>
+                      <a:headEnd type="none" w="med" len="med"/>
+                      <a:tailEnd type="none" w="med" len="med"/>
+                    </a:lnT>
+                    <a:lnB w="28575" cap="flat" cmpd="sng" algn="ctr">
+                      <a:solidFill>
+                        <a:srgbClr val="FF0000"/>
+                      </a:solidFill>
+                      <a:prstDash val="solid"/>
+                      <a:round/>
+                      <a:headEnd type="none" w="med" len="med"/>
+                      <a:tailEnd type="none" w="med" len="med"/>
+                    </a:lnB>
+                  </a:tcPr>
+                </a:tc>
+                <a:tc>
+                  <a:txBody>
+                    <a:bodyPr/>
+                    <a:lstStyle/>
+                    <a:p>
+                      <a:pPr algn="ctr"/>
+                      <a:r>
+                        <a:rPr lang="en-US" altLang="zh-TW" dirty="0"/>
+                        <a:t>-3</a:t>
+                      </a:r>
+                      <a:endParaRPr lang="zh-TW" altLang="en-US" dirty="0"/>
+                    </a:p>
+                  </a:txBody>
+                  <a:tcPr>
+                    <a:lnR w="28575" cap="flat" cmpd="sng" algn="ctr">
+                      <a:solidFill>
+                        <a:srgbClr val="FF0000"/>
+                      </a:solidFill>
+                      <a:prstDash val="solid"/>
+                      <a:round/>
+                      <a:headEnd type="none" w="med" len="med"/>
+                      <a:tailEnd type="none" w="med" len="med"/>
+                    </a:lnR>
+                    <a:lnT w="28575" cap="flat" cmpd="sng" algn="ctr">
+                      <a:solidFill>
+                        <a:srgbClr val="FF0000"/>
+                      </a:solidFill>
+                      <a:prstDash val="solid"/>
+                      <a:round/>
+                      <a:headEnd type="none" w="med" len="med"/>
+                      <a:tailEnd type="none" w="med" len="med"/>
+                    </a:lnT>
+                    <a:lnB w="28575" cap="flat" cmpd="sng" algn="ctr">
+                      <a:solidFill>
+                        <a:srgbClr val="FF0000"/>
+                      </a:solidFill>
+                      <a:prstDash val="solid"/>
+                      <a:round/>
+                      <a:headEnd type="none" w="med" len="med"/>
+                      <a:tailEnd type="none" w="med" len="med"/>
+                    </a:lnB>
+                  </a:tcPr>
+                </a:tc>
+                <a:tc>
+                  <a:txBody>
+                    <a:bodyPr/>
+                    <a:lstStyle/>
+                    <a:p>
+                      <a:pPr algn="ctr"/>
+                      <a:r>
+                        <a:rPr lang="en-US" altLang="zh-TW" dirty="0"/>
+                        <a:t>-15</a:t>
+                      </a:r>
+                      <a:endParaRPr lang="zh-TW" altLang="en-US" dirty="0"/>
+                    </a:p>
+                  </a:txBody>
+                  <a:tcPr>
+                    <a:lnL w="28575" cap="flat" cmpd="sng" algn="ctr">
+                      <a:solidFill>
+                        <a:srgbClr val="FF0000"/>
+                      </a:solidFill>
+                      <a:prstDash val="solid"/>
+                      <a:round/>
+                      <a:headEnd type="none" w="med" len="med"/>
+                      <a:tailEnd type="none" w="med" len="med"/>
+                    </a:lnL>
+                    <a:lnT w="28575" cap="flat" cmpd="sng" algn="ctr">
+                      <a:solidFill>
+                        <a:srgbClr val="FF0000"/>
+                      </a:solidFill>
+                      <a:prstDash val="solid"/>
+                      <a:round/>
+                      <a:headEnd type="none" w="med" len="med"/>
+                      <a:tailEnd type="none" w="med" len="med"/>
+                    </a:lnT>
+                    <a:lnB w="28575" cap="flat" cmpd="sng" algn="ctr">
+                      <a:solidFill>
+                        <a:srgbClr val="FF0000"/>
+                      </a:solidFill>
+                      <a:prstDash val="solid"/>
+                      <a:round/>
+                      <a:headEnd type="none" w="med" len="med"/>
+                      <a:tailEnd type="none" w="med" len="med"/>
+                    </a:lnB>
+                  </a:tcPr>
+                </a:tc>
+                <a:tc>
+                  <a:txBody>
+                    <a:bodyPr/>
+                    <a:lstStyle/>
+                    <a:p>
+                      <a:pPr algn="ctr"/>
+                      <a:r>
+                        <a:rPr lang="en-US" altLang="zh-TW" dirty="0"/>
+                        <a:t>-7</a:t>
+                      </a:r>
+                      <a:endParaRPr lang="zh-TW" altLang="en-US" dirty="0"/>
+                    </a:p>
+                  </a:txBody>
+                  <a:tcPr>
+                    <a:lnR w="28575" cap="flat" cmpd="sng" algn="ctr">
+                      <a:solidFill>
+                        <a:srgbClr val="FF0000"/>
+                      </a:solidFill>
+                      <a:prstDash val="solid"/>
+                      <a:round/>
+                      <a:headEnd type="none" w="med" len="med"/>
+                      <a:tailEnd type="none" w="med" len="med"/>
+                    </a:lnR>
+                    <a:lnT w="28575" cap="flat" cmpd="sng" algn="ctr">
+                      <a:solidFill>
+                        <a:srgbClr val="FF0000"/>
+                      </a:solidFill>
+                      <a:prstDash val="solid"/>
+                      <a:round/>
+                      <a:headEnd type="none" w="med" len="med"/>
+                      <a:tailEnd type="none" w="med" len="med"/>
+                    </a:lnT>
+                    <a:lnB w="28575" cap="flat" cmpd="sng" algn="ctr">
+                      <a:solidFill>
+                        <a:srgbClr val="FF0000"/>
+                      </a:solidFill>
+                      <a:prstDash val="solid"/>
+                      <a:round/>
+                      <a:headEnd type="none" w="med" len="med"/>
+                      <a:tailEnd type="none" w="med" len="med"/>
+                    </a:lnB>
+                  </a:tcPr>
+                </a:tc>
+                <a:extLst>
+                  <a:ext uri="{0D108BD9-81ED-4DB2-BD59-A6C34878D82A}">
+                    <a16:rowId xmlns:a16="http://schemas.microsoft.com/office/drawing/2014/main" val="3760033530"/>
+                  </a:ext>
+                </a:extLst>
+              </a:tr>
+            </a:tbl>
+          </a:graphicData>
+        </a:graphic>
+      </p:graphicFrame>
+      <p:graphicFrame>
+        <p:nvGraphicFramePr>
+          <p:cNvPr id="8" name="表格 7">
+            <a:extLst>
+              <a:ext uri="{FF2B5EF4-FFF2-40B4-BE49-F238E27FC236}">
+                <a16:creationId xmlns:a16="http://schemas.microsoft.com/office/drawing/2014/main" id="{70581E75-5F28-4556-B72E-2A8139E70F73}"/>
+              </a:ext>
+            </a:extLst>
+          </p:cNvPr>
+          <p:cNvGraphicFramePr>
+            <a:graphicFrameLocks noGrp="1"/>
+          </p:cNvGraphicFramePr>
+          <p:nvPr>
+            <p:extLst>
+              <p:ext uri="{D42A27DB-BD31-4B8C-83A1-F6EECF244321}">
+                <p14:modId xmlns:p14="http://schemas.microsoft.com/office/powerpoint/2010/main" val="3394012831"/>
+              </p:ext>
+            </p:extLst>
+          </p:nvPr>
+        </p:nvGraphicFramePr>
+        <p:xfrm>
+          <a:off x="2082335" y="2553794"/>
+          <a:ext cx="7221056" cy="370840"/>
+        </p:xfrm>
+        <a:graphic>
+          <a:graphicData uri="http://schemas.openxmlformats.org/drawingml/2006/table">
+            <a:tbl>
+              <a:tblPr firstRow="1" bandRow="1">
+                <a:tableStyleId>{69CF1AB2-1976-4502-BF36-3FF5EA218861}</a:tableStyleId>
+              </a:tblPr>
+              <a:tblGrid>
+                <a:gridCol w="902632">
+                  <a:extLst>
+                    <a:ext uri="{9D8B030D-6E8A-4147-A177-3AD203B41FA5}">
+                      <a16:colId xmlns:a16="http://schemas.microsoft.com/office/drawing/2014/main" val="151404870"/>
+                    </a:ext>
+                  </a:extLst>
+                </a:gridCol>
+                <a:gridCol w="902632">
+                  <a:extLst>
+                    <a:ext uri="{9D8B030D-6E8A-4147-A177-3AD203B41FA5}">
+                      <a16:colId xmlns:a16="http://schemas.microsoft.com/office/drawing/2014/main" val="3564566356"/>
+                    </a:ext>
+                  </a:extLst>
+                </a:gridCol>
+                <a:gridCol w="902632">
+                  <a:extLst>
+                    <a:ext uri="{9D8B030D-6E8A-4147-A177-3AD203B41FA5}">
+                      <a16:colId xmlns:a16="http://schemas.microsoft.com/office/drawing/2014/main" val="952724319"/>
+                    </a:ext>
+                  </a:extLst>
+                </a:gridCol>
+                <a:gridCol w="902632">
+                  <a:extLst>
+                    <a:ext uri="{9D8B030D-6E8A-4147-A177-3AD203B41FA5}">
+                      <a16:colId xmlns:a16="http://schemas.microsoft.com/office/drawing/2014/main" val="2430993575"/>
+                    </a:ext>
+                  </a:extLst>
+                </a:gridCol>
+                <a:gridCol w="902632">
+                  <a:extLst>
+                    <a:ext uri="{9D8B030D-6E8A-4147-A177-3AD203B41FA5}">
+                      <a16:colId xmlns:a16="http://schemas.microsoft.com/office/drawing/2014/main" val="1506805383"/>
+                    </a:ext>
+                  </a:extLst>
+                </a:gridCol>
+                <a:gridCol w="902632">
+                  <a:extLst>
+                    <a:ext uri="{9D8B030D-6E8A-4147-A177-3AD203B41FA5}">
+                      <a16:colId xmlns:a16="http://schemas.microsoft.com/office/drawing/2014/main" val="738534803"/>
+                    </a:ext>
+                  </a:extLst>
+                </a:gridCol>
+                <a:gridCol w="902632">
+                  <a:extLst>
+                    <a:ext uri="{9D8B030D-6E8A-4147-A177-3AD203B41FA5}">
+                      <a16:colId xmlns:a16="http://schemas.microsoft.com/office/drawing/2014/main" val="3867959881"/>
+                    </a:ext>
+                  </a:extLst>
+                </a:gridCol>
+                <a:gridCol w="902632">
+                  <a:extLst>
+                    <a:ext uri="{9D8B030D-6E8A-4147-A177-3AD203B41FA5}">
+                      <a16:colId xmlns:a16="http://schemas.microsoft.com/office/drawing/2014/main" val="40223093"/>
+                    </a:ext>
+                  </a:extLst>
+                </a:gridCol>
+              </a:tblGrid>
+              <a:tr h="370840">
+                <a:tc>
+                  <a:txBody>
+                    <a:bodyPr/>
+                    <a:lstStyle/>
+                    <a:p>
+                      <a:pPr algn="ctr"/>
+                      <a:r>
+                        <a:rPr lang="en-US" altLang="zh-TW" dirty="0">
+                          <a:solidFill>
+                            <a:schemeClr val="tx1"/>
+                          </a:solidFill>
+                        </a:rPr>
+                        <a:t>-1</a:t>
+                      </a:r>
+                      <a:endParaRPr lang="zh-TW" altLang="en-US" dirty="0">
+                        <a:solidFill>
+                          <a:schemeClr val="tx1"/>
+                        </a:solidFill>
+                      </a:endParaRPr>
+                    </a:p>
+                  </a:txBody>
+                  <a:tcPr>
+                    <a:lnL w="28575" cap="flat" cmpd="sng" algn="ctr">
+                      <a:solidFill>
+                        <a:srgbClr val="FF0000"/>
+                      </a:solidFill>
+                      <a:prstDash val="solid"/>
+                      <a:round/>
+                      <a:headEnd type="none" w="med" len="med"/>
+                      <a:tailEnd type="none" w="med" len="med"/>
+                    </a:lnL>
+                    <a:lnR w="28575" cap="flat" cmpd="sng" algn="ctr">
+                      <a:solidFill>
+                        <a:srgbClr val="FF0000"/>
+                      </a:solidFill>
+                      <a:prstDash val="solid"/>
+                      <a:round/>
+                      <a:headEnd type="none" w="med" len="med"/>
+                      <a:tailEnd type="none" w="med" len="med"/>
+                    </a:lnR>
+                    <a:lnT w="28575" cap="flat" cmpd="sng" algn="ctr">
+                      <a:solidFill>
+                        <a:srgbClr val="FF0000"/>
+                      </a:solidFill>
+                      <a:prstDash val="solid"/>
+                      <a:round/>
+                      <a:headEnd type="none" w="med" len="med"/>
+                      <a:tailEnd type="none" w="med" len="med"/>
+                    </a:lnT>
+                    <a:lnB w="28575" cap="flat" cmpd="sng" algn="ctr">
+                      <a:solidFill>
+                        <a:srgbClr val="FF0000"/>
+                      </a:solidFill>
+                      <a:prstDash val="solid"/>
+                      <a:round/>
+                      <a:headEnd type="none" w="med" len="med"/>
+                      <a:tailEnd type="none" w="med" len="med"/>
+                    </a:lnB>
+                  </a:tcPr>
+                </a:tc>
+                <a:tc>
+                  <a:txBody>
+                    <a:bodyPr/>
+                    <a:lstStyle/>
+                    <a:p>
+                      <a:pPr algn="ctr"/>
+                      <a:r>
+                        <a:rPr lang="en-US" altLang="zh-TW" dirty="0"/>
+                        <a:t>-10</a:t>
+                      </a:r>
+                      <a:endParaRPr lang="zh-TW" altLang="en-US" dirty="0"/>
+                    </a:p>
+                  </a:txBody>
+                  <a:tcPr>
+                    <a:lnL w="28575" cap="flat" cmpd="sng" algn="ctr">
+                      <a:solidFill>
+                        <a:srgbClr val="FF0000"/>
+                      </a:solidFill>
+                      <a:prstDash val="solid"/>
+                      <a:round/>
+                      <a:headEnd type="none" w="med" len="med"/>
+                      <a:tailEnd type="none" w="med" len="med"/>
+                    </a:lnL>
+                    <a:lnR w="28575" cap="flat" cmpd="sng" algn="ctr">
+                      <a:solidFill>
+                        <a:srgbClr val="FF0000"/>
+                      </a:solidFill>
+                      <a:prstDash val="solid"/>
+                      <a:round/>
+                      <a:headEnd type="none" w="med" len="med"/>
+                      <a:tailEnd type="none" w="med" len="med"/>
+                    </a:lnR>
+                    <a:lnT w="28575" cap="flat" cmpd="sng" algn="ctr">
+                      <a:solidFill>
+                        <a:srgbClr val="FF0000"/>
+                      </a:solidFill>
+                      <a:prstDash val="solid"/>
+                      <a:round/>
+                      <a:headEnd type="none" w="med" len="med"/>
+                      <a:tailEnd type="none" w="med" len="med"/>
+                    </a:lnT>
+                    <a:lnB w="28575" cap="flat" cmpd="sng" algn="ctr">
+                      <a:solidFill>
+                        <a:srgbClr val="FF0000"/>
+                      </a:solidFill>
+                      <a:prstDash val="solid"/>
+                      <a:round/>
+                      <a:headEnd type="none" w="med" len="med"/>
+                      <a:tailEnd type="none" w="med" len="med"/>
+                    </a:lnB>
+                  </a:tcPr>
+                </a:tc>
+                <a:tc>
+                  <a:txBody>
+                    <a:bodyPr/>
+                    <a:lstStyle/>
+                    <a:p>
+                      <a:pPr algn="ctr"/>
+                      <a:r>
+                        <a:rPr lang="en-US" altLang="zh-TW" dirty="0"/>
+                        <a:t>-4</a:t>
+                      </a:r>
+                      <a:endParaRPr lang="zh-TW" altLang="en-US" dirty="0"/>
+                    </a:p>
+                  </a:txBody>
+                  <a:tcPr>
+                    <a:lnL w="28575" cap="flat" cmpd="sng" algn="ctr">
+                      <a:solidFill>
+                        <a:srgbClr val="FF0000"/>
+                      </a:solidFill>
+                      <a:prstDash val="solid"/>
+                      <a:round/>
+                      <a:headEnd type="none" w="med" len="med"/>
+                      <a:tailEnd type="none" w="med" len="med"/>
+                    </a:lnL>
+                    <a:lnR w="28575" cap="flat" cmpd="sng" algn="ctr">
+                      <a:solidFill>
+                        <a:srgbClr val="FF0000"/>
+                      </a:solidFill>
+                      <a:prstDash val="solid"/>
+                      <a:round/>
+                      <a:headEnd type="none" w="med" len="med"/>
+                      <a:tailEnd type="none" w="med" len="med"/>
+                    </a:lnR>
+                    <a:lnT w="28575" cap="flat" cmpd="sng" algn="ctr">
+                      <a:solidFill>
+                        <a:srgbClr val="FF0000"/>
+                      </a:solidFill>
+                      <a:prstDash val="solid"/>
+                      <a:round/>
+                      <a:headEnd type="none" w="med" len="med"/>
+                      <a:tailEnd type="none" w="med" len="med"/>
+                    </a:lnT>
+                    <a:lnB w="28575" cap="flat" cmpd="sng" algn="ctr">
+                      <a:solidFill>
+                        <a:srgbClr val="FF0000"/>
+                      </a:solidFill>
+                      <a:prstDash val="solid"/>
+                      <a:round/>
+                      <a:headEnd type="none" w="med" len="med"/>
+                      <a:tailEnd type="none" w="med" len="med"/>
+                    </a:lnB>
+                  </a:tcPr>
+                </a:tc>
+                <a:tc>
+                  <a:txBody>
+                    <a:bodyPr/>
+                    <a:lstStyle/>
+                    <a:p>
+                      <a:pPr algn="ctr"/>
+                      <a:r>
+                        <a:rPr lang="en-US" altLang="zh-TW" dirty="0"/>
+                        <a:t>-6</a:t>
+                      </a:r>
+                      <a:endParaRPr lang="zh-TW" altLang="en-US" dirty="0"/>
+                    </a:p>
+                  </a:txBody>
+                  <a:tcPr>
+                    <a:lnL w="28575" cap="flat" cmpd="sng" algn="ctr">
+                      <a:solidFill>
+                        <a:srgbClr val="FF0000"/>
+                      </a:solidFill>
+                      <a:prstDash val="solid"/>
+                      <a:round/>
+                      <a:headEnd type="none" w="med" len="med"/>
+                      <a:tailEnd type="none" w="med" len="med"/>
+                    </a:lnL>
+                    <a:lnR w="28575" cap="flat" cmpd="sng" algn="ctr">
+                      <a:solidFill>
+                        <a:srgbClr val="FF0000"/>
+                      </a:solidFill>
+                      <a:prstDash val="solid"/>
+                      <a:round/>
+                      <a:headEnd type="none" w="med" len="med"/>
+                      <a:tailEnd type="none" w="med" len="med"/>
+                    </a:lnR>
+                    <a:lnT w="28575" cap="flat" cmpd="sng" algn="ctr">
+                      <a:solidFill>
+                        <a:srgbClr val="FF0000"/>
+                      </a:solidFill>
+                      <a:prstDash val="solid"/>
+                      <a:round/>
+                      <a:headEnd type="none" w="med" len="med"/>
+                      <a:tailEnd type="none" w="med" len="med"/>
+                    </a:lnT>
+                    <a:lnB w="28575" cap="flat" cmpd="sng" algn="ctr">
+                      <a:solidFill>
+                        <a:srgbClr val="FF0000"/>
+                      </a:solidFill>
+                      <a:prstDash val="solid"/>
+                      <a:round/>
+                      <a:headEnd type="none" w="med" len="med"/>
+                      <a:tailEnd type="none" w="med" len="med"/>
+                    </a:lnB>
+                  </a:tcPr>
+                </a:tc>
+                <a:tc>
+                  <a:txBody>
+                    <a:bodyPr/>
+                    <a:lstStyle/>
+                    <a:p>
+                      <a:pPr algn="ctr"/>
+                      <a:r>
+                        <a:rPr lang="en-US" altLang="zh-TW" dirty="0"/>
+                        <a:t>-9</a:t>
+                      </a:r>
+                      <a:endParaRPr lang="zh-TW" altLang="en-US" dirty="0"/>
+                    </a:p>
+                  </a:txBody>
+                  <a:tcPr>
+                    <a:lnL w="28575" cap="flat" cmpd="sng" algn="ctr">
+                      <a:solidFill>
+                        <a:srgbClr val="FF0000"/>
+                      </a:solidFill>
+                      <a:prstDash val="solid"/>
+                      <a:round/>
+                      <a:headEnd type="none" w="med" len="med"/>
+                      <a:tailEnd type="none" w="med" len="med"/>
+                    </a:lnL>
+                    <a:lnR w="28575" cap="flat" cmpd="sng" algn="ctr">
+                      <a:solidFill>
+                        <a:srgbClr val="FF0000"/>
+                      </a:solidFill>
+                      <a:prstDash val="solid"/>
+                      <a:round/>
+                      <a:headEnd type="none" w="med" len="med"/>
+                      <a:tailEnd type="none" w="med" len="med"/>
+                    </a:lnR>
+                    <a:lnT w="28575" cap="flat" cmpd="sng" algn="ctr">
+                      <a:solidFill>
+                        <a:srgbClr val="FF0000"/>
+                      </a:solidFill>
+                      <a:prstDash val="solid"/>
+                      <a:round/>
+                      <a:headEnd type="none" w="med" len="med"/>
+                      <a:tailEnd type="none" w="med" len="med"/>
+                    </a:lnT>
+                    <a:lnB w="28575" cap="flat" cmpd="sng" algn="ctr">
+                      <a:solidFill>
+                        <a:srgbClr val="FF0000"/>
+                      </a:solidFill>
+                      <a:prstDash val="solid"/>
+                      <a:round/>
+                      <a:headEnd type="none" w="med" len="med"/>
+                      <a:tailEnd type="none" w="med" len="med"/>
+                    </a:lnB>
+                  </a:tcPr>
+                </a:tc>
+                <a:tc>
+                  <a:txBody>
+                    <a:bodyPr/>
+                    <a:lstStyle/>
+                    <a:p>
+                      <a:pPr algn="ctr"/>
+                      <a:r>
+                        <a:rPr lang="en-US" altLang="zh-TW" dirty="0"/>
+                        <a:t>-3</a:t>
+                      </a:r>
+                      <a:endParaRPr lang="zh-TW" altLang="en-US" dirty="0"/>
+                    </a:p>
+                  </a:txBody>
+                  <a:tcPr>
+                    <a:lnL w="28575" cap="flat" cmpd="sng" algn="ctr">
+                      <a:solidFill>
+                        <a:srgbClr val="FF0000"/>
+                      </a:solidFill>
+                      <a:prstDash val="solid"/>
+                      <a:round/>
+                      <a:headEnd type="none" w="med" len="med"/>
+                      <a:tailEnd type="none" w="med" len="med"/>
+                    </a:lnL>
+                    <a:lnR w="28575" cap="flat" cmpd="sng" algn="ctr">
+                      <a:solidFill>
+                        <a:srgbClr val="FF0000"/>
+                      </a:solidFill>
+                      <a:prstDash val="solid"/>
+                      <a:round/>
+                      <a:headEnd type="none" w="med" len="med"/>
+                      <a:tailEnd type="none" w="med" len="med"/>
+                    </a:lnR>
+                    <a:lnT w="28575" cap="flat" cmpd="sng" algn="ctr">
+                      <a:solidFill>
+                        <a:srgbClr val="FF0000"/>
+                      </a:solidFill>
+                      <a:prstDash val="solid"/>
+                      <a:round/>
+                      <a:headEnd type="none" w="med" len="med"/>
+                      <a:tailEnd type="none" w="med" len="med"/>
+                    </a:lnT>
+                    <a:lnB w="28575" cap="flat" cmpd="sng" algn="ctr">
+                      <a:solidFill>
+                        <a:srgbClr val="FF0000"/>
+                      </a:solidFill>
+                      <a:prstDash val="solid"/>
+                      <a:round/>
+                      <a:headEnd type="none" w="med" len="med"/>
+                      <a:tailEnd type="none" w="med" len="med"/>
+                    </a:lnB>
+                  </a:tcPr>
+                </a:tc>
+                <a:tc>
+                  <a:txBody>
+                    <a:bodyPr/>
+                    <a:lstStyle/>
+                    <a:p>
+                      <a:pPr algn="ctr"/>
+                      <a:r>
+                        <a:rPr lang="en-US" altLang="zh-TW" dirty="0"/>
+                        <a:t>-15</a:t>
+                      </a:r>
+                      <a:endParaRPr lang="zh-TW" altLang="en-US" dirty="0"/>
+                    </a:p>
+                  </a:txBody>
+                  <a:tcPr>
+                    <a:lnL w="28575" cap="flat" cmpd="sng" algn="ctr">
+                      <a:solidFill>
+                        <a:srgbClr val="FF0000"/>
+                      </a:solidFill>
+                      <a:prstDash val="solid"/>
+                      <a:round/>
+                      <a:headEnd type="none" w="med" len="med"/>
+                      <a:tailEnd type="none" w="med" len="med"/>
+                    </a:lnL>
+                    <a:lnR w="28575" cap="flat" cmpd="sng" algn="ctr">
+                      <a:solidFill>
+                        <a:srgbClr val="FF0000"/>
+                      </a:solidFill>
+                      <a:prstDash val="solid"/>
+                      <a:round/>
+                      <a:headEnd type="none" w="med" len="med"/>
+                      <a:tailEnd type="none" w="med" len="med"/>
+                    </a:lnR>
+                    <a:lnT w="28575" cap="flat" cmpd="sng" algn="ctr">
+                      <a:solidFill>
+                        <a:srgbClr val="FF0000"/>
+                      </a:solidFill>
+                      <a:prstDash val="solid"/>
+                      <a:round/>
+                      <a:headEnd type="none" w="med" len="med"/>
+                      <a:tailEnd type="none" w="med" len="med"/>
+                    </a:lnT>
+                    <a:lnB w="28575" cap="flat" cmpd="sng" algn="ctr">
+                      <a:solidFill>
+                        <a:srgbClr val="FF0000"/>
+                      </a:solidFill>
+                      <a:prstDash val="solid"/>
+                      <a:round/>
+                      <a:headEnd type="none" w="med" len="med"/>
+                      <a:tailEnd type="none" w="med" len="med"/>
+                    </a:lnB>
+                  </a:tcPr>
+                </a:tc>
+                <a:tc>
+                  <a:txBody>
+                    <a:bodyPr/>
+                    <a:lstStyle/>
+                    <a:p>
+                      <a:pPr algn="ctr"/>
+                      <a:r>
+                        <a:rPr lang="en-US" altLang="zh-TW" dirty="0"/>
+                        <a:t>-7</a:t>
+                      </a:r>
+                      <a:endParaRPr lang="zh-TW" altLang="en-US" dirty="0"/>
+                    </a:p>
+                  </a:txBody>
+                  <a:tcPr>
+                    <a:lnL w="28575" cap="flat" cmpd="sng" algn="ctr">
+                      <a:solidFill>
+                        <a:srgbClr val="FF0000"/>
+                      </a:solidFill>
+                      <a:prstDash val="solid"/>
+                      <a:round/>
+                      <a:headEnd type="none" w="med" len="med"/>
+                      <a:tailEnd type="none" w="med" len="med"/>
+                    </a:lnL>
+                    <a:lnR w="28575" cap="flat" cmpd="sng" algn="ctr">
+                      <a:solidFill>
+                        <a:srgbClr val="FF0000"/>
+                      </a:solidFill>
+                      <a:prstDash val="solid"/>
+                      <a:round/>
+                      <a:headEnd type="none" w="med" len="med"/>
+                      <a:tailEnd type="none" w="med" len="med"/>
+                    </a:lnR>
+                    <a:lnT w="28575" cap="flat" cmpd="sng" algn="ctr">
+                      <a:solidFill>
+                        <a:srgbClr val="FF0000"/>
+                      </a:solidFill>
+                      <a:prstDash val="solid"/>
+                      <a:round/>
+                      <a:headEnd type="none" w="med" len="med"/>
+                      <a:tailEnd type="none" w="med" len="med"/>
+                    </a:lnT>
+                    <a:lnB w="28575" cap="flat" cmpd="sng" algn="ctr">
+                      <a:solidFill>
+                        <a:srgbClr val="FF0000"/>
+                      </a:solidFill>
+                      <a:prstDash val="solid"/>
+                      <a:round/>
+                      <a:headEnd type="none" w="med" len="med"/>
+                      <a:tailEnd type="none" w="med" len="med"/>
+                    </a:lnB>
+                  </a:tcPr>
+                </a:tc>
+                <a:extLst>
+                  <a:ext uri="{0D108BD9-81ED-4DB2-BD59-A6C34878D82A}">
+                    <a16:rowId xmlns:a16="http://schemas.microsoft.com/office/drawing/2014/main" val="3760033530"/>
+                  </a:ext>
+                </a:extLst>
+              </a:tr>
+            </a:tbl>
+          </a:graphicData>
+        </a:graphic>
+      </p:graphicFrame>
+      <p:sp>
+        <p:nvSpPr>
+          <p:cNvPr id="9" name="文字方塊 8">
+            <a:extLst>
+              <a:ext uri="{FF2B5EF4-FFF2-40B4-BE49-F238E27FC236}">
+                <a16:creationId xmlns:a16="http://schemas.microsoft.com/office/drawing/2014/main" id="{A623689A-62D3-4D0C-8C58-CB97F9C9A829}"/>
+              </a:ext>
+            </a:extLst>
+          </p:cNvPr>
+          <p:cNvSpPr txBox="1"/>
+          <p:nvPr/>
+        </p:nvSpPr>
+        <p:spPr>
+          <a:xfrm>
+            <a:off x="578843" y="2537977"/>
+            <a:ext cx="755008" cy="400110"/>
+          </a:xfrm>
+          <a:prstGeom prst="rect">
+            <a:avLst/>
+          </a:prstGeom>
+          <a:noFill/>
+        </p:spPr>
+        <p:txBody>
+          <a:bodyPr wrap="square" rtlCol="0">
+            <a:spAutoFit/>
+          </a:bodyPr>
+          <a:lstStyle/>
+          <a:p>
+            <a:r>
+              <a:rPr lang="en-US" altLang="zh-TW" sz="2000" dirty="0"/>
+              <a:t>8 X 1</a:t>
+            </a:r>
+            <a:endParaRPr lang="zh-TW" altLang="en-US" sz="2000" dirty="0"/>
+          </a:p>
+        </p:txBody>
+      </p:sp>
+      <p:sp>
+        <p:nvSpPr>
+          <p:cNvPr id="10" name="文字方塊 9">
+            <a:extLst>
+              <a:ext uri="{FF2B5EF4-FFF2-40B4-BE49-F238E27FC236}">
+                <a16:creationId xmlns:a16="http://schemas.microsoft.com/office/drawing/2014/main" id="{BEA6D307-C9C4-4A57-B6EA-BD0FF56B0157}"/>
+              </a:ext>
+            </a:extLst>
+          </p:cNvPr>
+          <p:cNvSpPr txBox="1"/>
+          <p:nvPr/>
+        </p:nvSpPr>
+        <p:spPr>
+          <a:xfrm>
+            <a:off x="578843" y="3328590"/>
+            <a:ext cx="755008" cy="400110"/>
+          </a:xfrm>
+          <a:prstGeom prst="rect">
+            <a:avLst/>
+          </a:prstGeom>
+          <a:noFill/>
+        </p:spPr>
+        <p:txBody>
+          <a:bodyPr wrap="square" rtlCol="0">
+            <a:spAutoFit/>
+          </a:bodyPr>
+          <a:lstStyle/>
+          <a:p>
+            <a:r>
+              <a:rPr lang="en-US" altLang="zh-TW" sz="2000" dirty="0"/>
+              <a:t>4 X 2</a:t>
+            </a:r>
+            <a:endParaRPr lang="zh-TW" altLang="en-US" sz="2000" dirty="0"/>
+          </a:p>
+        </p:txBody>
+      </p:sp>
+      <p:sp>
+        <p:nvSpPr>
+          <p:cNvPr id="11" name="文字方塊 10">
+            <a:extLst>
+              <a:ext uri="{FF2B5EF4-FFF2-40B4-BE49-F238E27FC236}">
+                <a16:creationId xmlns:a16="http://schemas.microsoft.com/office/drawing/2014/main" id="{3A7E86AE-7F59-473E-B0B1-B31D75583E90}"/>
+              </a:ext>
+            </a:extLst>
+          </p:cNvPr>
+          <p:cNvSpPr txBox="1"/>
+          <p:nvPr/>
+        </p:nvSpPr>
+        <p:spPr>
+          <a:xfrm>
+            <a:off x="578843" y="4136005"/>
+            <a:ext cx="755008" cy="400110"/>
+          </a:xfrm>
+          <a:prstGeom prst="rect">
+            <a:avLst/>
+          </a:prstGeom>
+          <a:noFill/>
+        </p:spPr>
+        <p:txBody>
+          <a:bodyPr wrap="square" rtlCol="0">
+            <a:spAutoFit/>
+          </a:bodyPr>
+          <a:lstStyle/>
+          <a:p>
+            <a:r>
+              <a:rPr lang="en-US" altLang="zh-TW" sz="2000" dirty="0"/>
+              <a:t>2 X 4</a:t>
+            </a:r>
+            <a:endParaRPr lang="zh-TW" altLang="en-US" sz="2000" dirty="0"/>
+          </a:p>
+        </p:txBody>
+      </p:sp>
+      <p:sp>
+        <p:nvSpPr>
+          <p:cNvPr id="12" name="文字方塊 11">
+            <a:extLst>
+              <a:ext uri="{FF2B5EF4-FFF2-40B4-BE49-F238E27FC236}">
+                <a16:creationId xmlns:a16="http://schemas.microsoft.com/office/drawing/2014/main" id="{A4848F0D-6558-4E1B-A3E4-14B698259BA4}"/>
+              </a:ext>
+            </a:extLst>
+          </p:cNvPr>
+          <p:cNvSpPr txBox="1"/>
+          <p:nvPr/>
+        </p:nvSpPr>
+        <p:spPr>
+          <a:xfrm>
+            <a:off x="578844" y="4894419"/>
+            <a:ext cx="755007" cy="400110"/>
+          </a:xfrm>
+          <a:prstGeom prst="rect">
+            <a:avLst/>
+          </a:prstGeom>
+          <a:noFill/>
+        </p:spPr>
+        <p:txBody>
+          <a:bodyPr wrap="square" rtlCol="0">
+            <a:spAutoFit/>
+          </a:bodyPr>
+          <a:lstStyle/>
+          <a:p>
+            <a:r>
+              <a:rPr lang="en-US" altLang="zh-TW" sz="2000" dirty="0"/>
+              <a:t>8 X 1</a:t>
+            </a:r>
+            <a:endParaRPr lang="zh-TW" altLang="en-US" sz="2000" dirty="0"/>
+          </a:p>
+        </p:txBody>
+      </p:sp>
+    </p:spTree>
+    <p:extLst>
+      <p:ext uri="{BB962C8B-B14F-4D97-AF65-F5344CB8AC3E}">
+        <p14:creationId xmlns:p14="http://schemas.microsoft.com/office/powerpoint/2010/main" val="3803876046"/>
+      </p:ext>
+    </p:extLst>
+  </p:cSld>
+  <p:clrMapOvr>
+    <a:masterClrMapping/>
+  </p:clrMapOvr>
+</p:sld>
+</file>
+
+<file path=ppt/slides/slide29.xml><?xml version="1.0" encoding="utf-8"?>
+<p:sld xmlns:a="http://schemas.openxmlformats.org/drawingml/2006/main" xmlns:r="http://schemas.openxmlformats.org/officeDocument/2006/relationships" xmlns:p="http://schemas.openxmlformats.org/presentationml/2006/main">
+  <p:cSld>
+    <p:spTree>
+      <p:nvGrpSpPr>
+        <p:cNvPr id="1" name=""/>
+        <p:cNvGrpSpPr/>
+        <p:nvPr/>
+      </p:nvGrpSpPr>
+      <p:grpSpPr>
+        <a:xfrm>
+          <a:off x="0" y="0"/>
+          <a:ext cx="0" cy="0"/>
+          <a:chOff x="0" y="0"/>
+          <a:chExt cx="0" cy="0"/>
+        </a:xfrm>
+      </p:grpSpPr>
+      <p:sp>
+        <p:nvSpPr>
+          <p:cNvPr id="2" name="標題 1">
+            <a:extLst>
+              <a:ext uri="{FF2B5EF4-FFF2-40B4-BE49-F238E27FC236}">
+                <a16:creationId xmlns:a16="http://schemas.microsoft.com/office/drawing/2014/main" id="{D9983F40-A7FE-4B55-8B7D-FA25BBEDA291}"/>
+              </a:ext>
+            </a:extLst>
+          </p:cNvPr>
+          <p:cNvSpPr>
+            <a:spLocks noGrp="1"/>
+          </p:cNvSpPr>
+          <p:nvPr>
+            <p:ph type="title"/>
+          </p:nvPr>
+        </p:nvSpPr>
+        <p:spPr/>
+        <p:txBody>
+          <a:bodyPr/>
+          <a:lstStyle/>
+          <a:p>
+            <a:r>
+              <a:rPr lang="en-US" altLang="zh-TW" dirty="0"/>
+              <a:t>Application - Merge Sort</a:t>
+            </a:r>
+            <a:endParaRPr lang="zh-TW" altLang="en-US" dirty="0"/>
+          </a:p>
+        </p:txBody>
+      </p:sp>
+      <mc:AlternateContent xmlns:mc="http://schemas.openxmlformats.org/markup-compatibility/2006" xmlns:a14="http://schemas.microsoft.com/office/drawing/2010/main">
+        <mc:Choice Requires="a14">
+          <p:sp>
+            <p:nvSpPr>
+              <p:cNvPr id="3" name="內容版面配置區 2">
+                <a:extLst>
+                  <a:ext uri="{FF2B5EF4-FFF2-40B4-BE49-F238E27FC236}">
+                    <a16:creationId xmlns:a16="http://schemas.microsoft.com/office/drawing/2014/main" id="{EA71076D-7928-480E-9760-B79434EC2C47}"/>
+                  </a:ext>
+                </a:extLst>
+              </p:cNvPr>
+              <p:cNvSpPr>
+                <a:spLocks noGrp="1"/>
+              </p:cNvSpPr>
+              <p:nvPr>
+                <p:ph idx="1"/>
+              </p:nvPr>
+            </p:nvSpPr>
+            <p:spPr/>
+            <p:txBody>
+              <a:bodyPr/>
+              <a:lstStyle/>
+              <a:p>
+                <a:r>
+                  <a:rPr lang="en-US" altLang="zh-TW" dirty="0"/>
+                  <a:t>Complexity :</a:t>
+                </a:r>
+              </a:p>
+              <a:p>
+                <a:pPr marL="0" indent="0" algn="ctr">
+                  <a:buNone/>
+                </a:pPr>
+                <a14:m>
+                  <m:oMathPara xmlns:m="http://schemas.openxmlformats.org/officeDocument/2006/math">
+                    <m:oMathParaPr>
+                      <m:jc m:val="centerGroup"/>
+                    </m:oMathParaPr>
+                    <m:oMath xmlns:m="http://schemas.openxmlformats.org/officeDocument/2006/math">
+                      <m:nary>
+                        <m:naryPr>
+                          <m:chr m:val="∑"/>
+                          <m:ctrlPr>
+                            <a:rPr lang="en-US" altLang="zh-TW" b="0" i="1" smtClean="0">
+                              <a:latin typeface="Cambria Math" panose="02040503050406030204" pitchFamily="18" charset="0"/>
+                            </a:rPr>
+                          </m:ctrlPr>
+                        </m:naryPr>
+                        <m:sub>
+                          <m:r>
+                            <m:rPr>
+                              <m:brk m:alnAt="23"/>
+                            </m:rPr>
+                            <a:rPr lang="en-US" altLang="zh-TW" b="0" i="1" smtClean="0">
+                              <a:latin typeface="Cambria Math" panose="02040503050406030204" pitchFamily="18" charset="0"/>
+                            </a:rPr>
+                            <m:t>𝑖</m:t>
+                          </m:r>
+                          <m:r>
+                            <a:rPr lang="en-US" altLang="zh-TW" b="0" i="1" smtClean="0">
+                              <a:latin typeface="Cambria Math" panose="02040503050406030204" pitchFamily="18" charset="0"/>
+                            </a:rPr>
+                            <m:t>=0</m:t>
+                          </m:r>
+                        </m:sub>
+                        <m:sup>
+                          <m:r>
+                            <m:rPr>
+                              <m:sty m:val="p"/>
+                            </m:rPr>
+                            <a:rPr lang="en-US" altLang="zh-TW" b="0" i="1" smtClean="0">
+                              <a:latin typeface="Cambria Math" panose="02040503050406030204" pitchFamily="18" charset="0"/>
+                            </a:rPr>
+                            <m:t>log</m:t>
+                          </m:r>
+                          <m:r>
+                            <a:rPr lang="en-US" altLang="zh-TW" b="0" i="1" smtClean="0">
+                              <a:latin typeface="Cambria Math" panose="02040503050406030204" pitchFamily="18" charset="0"/>
+                            </a:rPr>
+                            <m:t> </m:t>
+                          </m:r>
+                          <m:r>
+                            <a:rPr lang="en-US" altLang="zh-TW" b="0" i="1" smtClean="0">
+                              <a:latin typeface="Cambria Math" panose="02040503050406030204" pitchFamily="18" charset="0"/>
+                            </a:rPr>
+                            <m:t>𝑛</m:t>
+                          </m:r>
+                        </m:sup>
+                        <m:e>
+                          <m:nary>
+                            <m:naryPr>
+                              <m:chr m:val="∑"/>
+                              <m:ctrlPr>
+                                <a:rPr lang="en-US" altLang="zh-TW" b="0" i="1" smtClean="0">
+                                  <a:latin typeface="Cambria Math" panose="02040503050406030204" pitchFamily="18" charset="0"/>
+                                </a:rPr>
+                              </m:ctrlPr>
+                            </m:naryPr>
+                            <m:sub>
+                              <m:r>
+                                <m:rPr>
+                                  <m:brk m:alnAt="23"/>
+                                </m:rPr>
+                                <a:rPr lang="en-US" altLang="zh-TW" b="0" i="1" smtClean="0">
+                                  <a:latin typeface="Cambria Math" panose="02040503050406030204" pitchFamily="18" charset="0"/>
+                                </a:rPr>
+                                <m:t>𝑗</m:t>
+                              </m:r>
+                              <m:r>
+                                <a:rPr lang="en-US" altLang="zh-TW" b="0" i="1" smtClean="0">
+                                  <a:latin typeface="Cambria Math" panose="02040503050406030204" pitchFamily="18" charset="0"/>
+                                </a:rPr>
+                                <m:t>=1</m:t>
+                              </m:r>
+                            </m:sub>
+                            <m:sup>
+                              <m:r>
+                                <a:rPr lang="en-US" altLang="zh-TW" b="0" i="1" smtClean="0">
+                                  <a:latin typeface="Cambria Math" panose="02040503050406030204" pitchFamily="18" charset="0"/>
+                                </a:rPr>
+                                <m:t>𝑛</m:t>
+                              </m:r>
+                              <m:r>
+                                <a:rPr lang="en-US" altLang="zh-TW" b="0" i="1" smtClean="0">
+                                  <a:latin typeface="Cambria Math" panose="02040503050406030204" pitchFamily="18" charset="0"/>
+                                </a:rPr>
+                                <m:t>/</m:t>
+                              </m:r>
+                              <m:sSup>
+                                <m:sSupPr>
+                                  <m:ctrlPr>
+                                    <a:rPr lang="en-US" altLang="zh-TW" b="0" i="1" smtClean="0">
+                                      <a:latin typeface="Cambria Math" panose="02040503050406030204" pitchFamily="18" charset="0"/>
+                                    </a:rPr>
+                                  </m:ctrlPr>
+                                </m:sSupPr>
+                                <m:e>
+                                  <m:r>
+                                    <a:rPr lang="en-US" altLang="zh-TW" b="0" i="1" smtClean="0">
+                                      <a:latin typeface="Cambria Math" panose="02040503050406030204" pitchFamily="18" charset="0"/>
+                                    </a:rPr>
+                                    <m:t>2</m:t>
+                                  </m:r>
+                                </m:e>
+                                <m:sup>
+                                  <m:r>
+                                    <a:rPr lang="en-US" altLang="zh-TW" b="0" i="1" smtClean="0">
+                                      <a:latin typeface="Cambria Math" panose="02040503050406030204" pitchFamily="18" charset="0"/>
+                                    </a:rPr>
+                                    <m:t>𝑖</m:t>
+                                  </m:r>
+                                </m:sup>
+                              </m:sSup>
+                            </m:sup>
+                            <m:e>
+                              <m:sSup>
+                                <m:sSupPr>
+                                  <m:ctrlPr>
+                                    <a:rPr lang="en-US" altLang="zh-TW" b="0" i="1" smtClean="0">
+                                      <a:latin typeface="Cambria Math" panose="02040503050406030204" pitchFamily="18" charset="0"/>
+                                    </a:rPr>
+                                  </m:ctrlPr>
+                                </m:sSupPr>
+                                <m:e>
+                                  <m:r>
+                                    <a:rPr lang="en-US" altLang="zh-TW" b="0" i="1" smtClean="0">
+                                      <a:latin typeface="Cambria Math" panose="02040503050406030204" pitchFamily="18" charset="0"/>
+                                    </a:rPr>
+                                    <m:t>2</m:t>
+                                  </m:r>
+                                </m:e>
+                                <m:sup>
+                                  <m:r>
+                                    <a:rPr lang="en-US" altLang="zh-TW" b="0" i="1" smtClean="0">
+                                      <a:latin typeface="Cambria Math" panose="02040503050406030204" pitchFamily="18" charset="0"/>
+                                    </a:rPr>
+                                    <m:t>𝑖</m:t>
+                                  </m:r>
+                                </m:sup>
+                              </m:sSup>
+                            </m:e>
+                          </m:nary>
+                        </m:e>
+                      </m:nary>
+                      <m:r>
+                        <a:rPr lang="en-US" altLang="zh-TW" b="0" i="1" smtClean="0">
+                          <a:latin typeface="Cambria Math" panose="02040503050406030204" pitchFamily="18" charset="0"/>
+                        </a:rPr>
+                        <m:t>=</m:t>
+                      </m:r>
+                      <m:nary>
+                        <m:naryPr>
+                          <m:chr m:val="∑"/>
+                          <m:ctrlPr>
+                            <a:rPr lang="en-US" altLang="zh-TW" i="1">
+                              <a:latin typeface="Cambria Math" panose="02040503050406030204" pitchFamily="18" charset="0"/>
+                            </a:rPr>
+                          </m:ctrlPr>
+                        </m:naryPr>
+                        <m:sub>
+                          <m:r>
+                            <m:rPr>
+                              <m:brk m:alnAt="23"/>
+                            </m:rPr>
+                            <a:rPr lang="en-US" altLang="zh-TW" i="1">
+                              <a:latin typeface="Cambria Math" panose="02040503050406030204" pitchFamily="18" charset="0"/>
+                            </a:rPr>
+                            <m:t>𝑖</m:t>
+                          </m:r>
+                          <m:r>
+                            <a:rPr lang="en-US" altLang="zh-TW" i="1">
+                              <a:latin typeface="Cambria Math" panose="02040503050406030204" pitchFamily="18" charset="0"/>
+                            </a:rPr>
+                            <m:t>=1</m:t>
+                          </m:r>
+                        </m:sub>
+                        <m:sup>
+                          <m:r>
+                            <m:rPr>
+                              <m:sty m:val="p"/>
+                            </m:rPr>
+                            <a:rPr lang="en-US" altLang="zh-TW" i="1">
+                              <a:latin typeface="Cambria Math" panose="02040503050406030204" pitchFamily="18" charset="0"/>
+                            </a:rPr>
+                            <m:t>log</m:t>
+                          </m:r>
+                          <m:r>
+                            <a:rPr lang="en-US" altLang="zh-TW" i="1">
+                              <a:latin typeface="Cambria Math" panose="02040503050406030204" pitchFamily="18" charset="0"/>
+                            </a:rPr>
+                            <m:t> </m:t>
+                          </m:r>
+                          <m:r>
+                            <a:rPr lang="en-US" altLang="zh-TW" i="1">
+                              <a:latin typeface="Cambria Math" panose="02040503050406030204" pitchFamily="18" charset="0"/>
+                            </a:rPr>
+                            <m:t>𝑛</m:t>
+                          </m:r>
+                        </m:sup>
+                        <m:e>
+                          <m:r>
+                            <a:rPr lang="en-US" altLang="zh-TW" b="0" i="1" smtClean="0">
+                              <a:latin typeface="Cambria Math" panose="02040503050406030204" pitchFamily="18" charset="0"/>
+                            </a:rPr>
+                            <m:t>𝑛</m:t>
+                          </m:r>
+                        </m:e>
+                      </m:nary>
+                      <m:r>
+                        <a:rPr lang="en-US" altLang="zh-TW" b="0" i="1" smtClean="0">
+                          <a:latin typeface="Cambria Math" panose="02040503050406030204" pitchFamily="18" charset="0"/>
+                        </a:rPr>
+                        <m:t>=</m:t>
+                      </m:r>
+                      <m:r>
+                        <a:rPr lang="en-US" altLang="zh-TW" b="0" i="1" smtClean="0">
+                          <a:latin typeface="Cambria Math" panose="02040503050406030204" pitchFamily="18" charset="0"/>
+                        </a:rPr>
+                        <m:t>𝑛</m:t>
+                      </m:r>
+                      <m:r>
+                        <a:rPr lang="en-US" altLang="zh-TW" b="0" i="1" smtClean="0">
+                          <a:latin typeface="Cambria Math" panose="02040503050406030204" pitchFamily="18" charset="0"/>
+                        </a:rPr>
+                        <m:t> </m:t>
+                      </m:r>
+                      <m:r>
+                        <m:rPr>
+                          <m:sty m:val="p"/>
+                        </m:rPr>
+                        <a:rPr lang="en-US" altLang="zh-TW" b="0" i="1" smtClean="0">
+                          <a:latin typeface="Cambria Math" panose="02040503050406030204" pitchFamily="18" charset="0"/>
+                        </a:rPr>
+                        <m:t>log</m:t>
+                      </m:r>
+                      <m:r>
+                        <a:rPr lang="en-US" altLang="zh-TW" b="0" i="1" smtClean="0">
+                          <a:latin typeface="Cambria Math" panose="02040503050406030204" pitchFamily="18" charset="0"/>
+                        </a:rPr>
+                        <m:t> </m:t>
+                      </m:r>
+                      <m:r>
+                        <a:rPr lang="en-US" altLang="zh-TW" b="0" i="1" smtClean="0">
+                          <a:latin typeface="Cambria Math" panose="02040503050406030204" pitchFamily="18" charset="0"/>
+                        </a:rPr>
+                        <m:t>𝑛</m:t>
+                      </m:r>
+                    </m:oMath>
+                  </m:oMathPara>
+                </a14:m>
+                <a:endParaRPr lang="zh-TW" altLang="en-US" dirty="0"/>
+              </a:p>
+            </p:txBody>
+          </p:sp>
+        </mc:Choice>
+        <mc:Fallback xmlns="">
+          <p:sp>
+            <p:nvSpPr>
+              <p:cNvPr id="3" name="內容版面配置區 2">
+                <a:extLst>
+                  <a:ext uri="{FF2B5EF4-FFF2-40B4-BE49-F238E27FC236}">
+                    <a16:creationId xmlns:a16="http://schemas.microsoft.com/office/drawing/2014/main" id="{EA71076D-7928-480E-9760-B79434EC2C47}"/>
+                  </a:ext>
+                </a:extLst>
+              </p:cNvPr>
+              <p:cNvSpPr>
+                <a:spLocks noGrp="1" noRot="1" noChangeAspect="1" noMove="1" noResize="1" noEditPoints="1" noAdjustHandles="1" noChangeArrowheads="1" noChangeShapeType="1" noTextEdit="1"/>
+              </p:cNvSpPr>
+              <p:nvPr>
+                <p:ph idx="1"/>
+              </p:nvPr>
+            </p:nvSpPr>
+            <p:spPr>
+              <a:blipFill>
+                <a:blip r:embed="rId2"/>
+                <a:stretch>
+                  <a:fillRect l="-1043" t="-2241"/>
+                </a:stretch>
+              </a:blipFill>
+            </p:spPr>
+            <p:txBody>
+              <a:bodyPr/>
+              <a:lstStyle/>
+              <a:p>
+                <a:r>
+                  <a:rPr lang="zh-TW" altLang="en-US">
+                    <a:noFill/>
+                  </a:rPr>
+                  <a:t> </a:t>
+                </a:r>
+              </a:p>
+            </p:txBody>
+          </p:sp>
+        </mc:Fallback>
+      </mc:AlternateContent>
+    </p:spTree>
+    <p:extLst>
+      <p:ext uri="{BB962C8B-B14F-4D97-AF65-F5344CB8AC3E}">
+        <p14:creationId xmlns:p14="http://schemas.microsoft.com/office/powerpoint/2010/main" val="1833645745"/>
+      </p:ext>
+    </p:extLst>
+  </p:cSld>
+  <p:clrMapOvr>
+    <a:masterClrMapping/>
+  </p:clrMapOvr>
+</p:sld>
+</file>
+
+<file path=ppt/slides/slide3.xml><?xml version="1.0" encoding="utf-8"?>
+<p:sld xmlns:a="http://schemas.openxmlformats.org/drawingml/2006/main" xmlns:r="http://schemas.openxmlformats.org/officeDocument/2006/relationships" xmlns:p="http://schemas.openxmlformats.org/presentationml/2006/main">
+  <p:cSld>
+    <p:spTree>
+      <p:nvGrpSpPr>
+        <p:cNvPr id="1" name=""/>
+        <p:cNvGrpSpPr/>
+        <p:nvPr/>
+      </p:nvGrpSpPr>
+      <p:grpSpPr>
+        <a:xfrm>
+          <a:off x="0" y="0"/>
+          <a:ext cx="0" cy="0"/>
+          <a:chOff x="0" y="0"/>
+          <a:chExt cx="0" cy="0"/>
+        </a:xfrm>
+      </p:grpSpPr>
+      <p:sp>
+        <p:nvSpPr>
+          <p:cNvPr id="2" name="標題 1">
+            <a:extLst>
+              <a:ext uri="{FF2B5EF4-FFF2-40B4-BE49-F238E27FC236}">
+                <a16:creationId xmlns:a16="http://schemas.microsoft.com/office/drawing/2014/main" id="{9B13B20A-7F5D-456F-9A7C-0BBE69FB90C7}"/>
+              </a:ext>
+            </a:extLst>
+          </p:cNvPr>
+          <p:cNvSpPr>
+            <a:spLocks noGrp="1"/>
+          </p:cNvSpPr>
+          <p:nvPr>
+            <p:ph type="title"/>
+          </p:nvPr>
+        </p:nvSpPr>
+        <p:spPr/>
+        <p:txBody>
+          <a:bodyPr/>
+          <a:lstStyle/>
+          <a:p>
+            <a:r>
+              <a:rPr lang="en-US" altLang="zh-TW" b="1" dirty="0"/>
+              <a:t>function</a:t>
+            </a:r>
+            <a:r>
+              <a:rPr lang="en-US" altLang="zh-TW" dirty="0"/>
+              <a:t> in C++</a:t>
+            </a:r>
+            <a:endParaRPr lang="zh-TW" altLang="en-US" dirty="0"/>
+          </a:p>
+        </p:txBody>
+      </p:sp>
+      <p:sp>
+        <p:nvSpPr>
+          <p:cNvPr id="3" name="內容版面配置區 2">
+            <a:extLst>
+              <a:ext uri="{FF2B5EF4-FFF2-40B4-BE49-F238E27FC236}">
+                <a16:creationId xmlns:a16="http://schemas.microsoft.com/office/drawing/2014/main" id="{236BBD2D-5672-45D8-AC6D-34308243B2B5}"/>
+              </a:ext>
+            </a:extLst>
+          </p:cNvPr>
+          <p:cNvSpPr>
+            <a:spLocks noGrp="1"/>
+          </p:cNvSpPr>
+          <p:nvPr>
+            <p:ph idx="1"/>
+          </p:nvPr>
+        </p:nvSpPr>
+        <p:spPr/>
+        <p:txBody>
+          <a:bodyPr/>
+          <a:lstStyle/>
+          <a:p>
+            <a:r>
+              <a:rPr lang="en-US" altLang="zh-TW" dirty="0"/>
+              <a:t>A sequence of statements with a name and a list of parameters. </a:t>
+            </a:r>
+          </a:p>
+          <a:p>
+            <a:r>
+              <a:rPr lang="en-US" altLang="zh-TW" dirty="0"/>
+              <a:t>A function can terminate by returning or by throwing an exception. </a:t>
+            </a:r>
+          </a:p>
+          <a:p>
+            <a:r>
+              <a:rPr lang="en-US" altLang="zh-TW" dirty="0"/>
+              <a:t>In a function-call expression, the parameters are initialized from the arguments and the statements in the function body are executed.</a:t>
+            </a:r>
+            <a:endParaRPr lang="zh-TW" altLang="en-US" dirty="0"/>
+          </a:p>
+        </p:txBody>
+      </p:sp>
+      <p:sp>
+        <p:nvSpPr>
+          <p:cNvPr id="4" name="文字方塊 3">
+            <a:extLst>
+              <a:ext uri="{FF2B5EF4-FFF2-40B4-BE49-F238E27FC236}">
+                <a16:creationId xmlns:a16="http://schemas.microsoft.com/office/drawing/2014/main" id="{808FCEAF-E826-4A8A-96FE-460B474EF4B9}"/>
+              </a:ext>
+            </a:extLst>
+          </p:cNvPr>
+          <p:cNvSpPr txBox="1"/>
+          <p:nvPr/>
+        </p:nvSpPr>
+        <p:spPr>
+          <a:xfrm>
+            <a:off x="1398" y="6488668"/>
+            <a:ext cx="6094602" cy="369332"/>
+          </a:xfrm>
+          <a:prstGeom prst="rect">
+            <a:avLst/>
+          </a:prstGeom>
+          <a:noFill/>
+        </p:spPr>
+        <p:txBody>
+          <a:bodyPr wrap="square">
+            <a:spAutoFit/>
+          </a:bodyPr>
+          <a:lstStyle/>
+          <a:p>
+            <a:r>
+              <a:rPr lang="zh-TW" altLang="en-US" dirty="0"/>
+              <a:t>https://en.cppreference.com/w/cpp/language/functions</a:t>
+            </a:r>
+          </a:p>
+        </p:txBody>
+      </p:sp>
+    </p:spTree>
+    <p:extLst>
+      <p:ext uri="{BB962C8B-B14F-4D97-AF65-F5344CB8AC3E}">
+        <p14:creationId xmlns:p14="http://schemas.microsoft.com/office/powerpoint/2010/main" val="3202495778"/>
+      </p:ext>
+    </p:extLst>
+  </p:cSld>
+  <p:clrMapOvr>
+    <a:masterClrMapping/>
+  </p:clrMapOvr>
+</p:sld>
+</file>
+
+<file path=ppt/slides/slide30.xml><?xml version="1.0" encoding="utf-8"?>
 <p:sld xmlns:a="http://schemas.openxmlformats.org/drawingml/2006/main" xmlns:r="http://schemas.openxmlformats.org/officeDocument/2006/relationships" xmlns:p="http://schemas.openxmlformats.org/presentationml/2006/main">
   <p:cSld>
     <p:spTree>
@@ -15705,7 +22288,11 @@
           <a:bodyPr/>
           <a:lstStyle/>
           <a:p>
-            <a:endParaRPr lang="zh-TW" altLang="en-US"/>
+            <a:r>
+              <a:rPr lang="en-US" altLang="zh-TW" dirty="0"/>
+              <a:t>Lambda function can be defined inside a function and use some variables stored in the current function.</a:t>
+            </a:r>
+            <a:endParaRPr lang="zh-TW" altLang="en-US" dirty="0"/>
           </a:p>
         </p:txBody>
       </p:sp>
@@ -15722,7 +22309,7 @@
 </p:sld>
 </file>
 
-<file path=ppt/slides/slide28.xml><?xml version="1.0" encoding="utf-8"?>
+<file path=ppt/slides/slide31.xml><?xml version="1.0" encoding="utf-8"?>
 <p:sld xmlns:a="http://schemas.openxmlformats.org/drawingml/2006/main" xmlns:r="http://schemas.openxmlformats.org/officeDocument/2006/relationships" xmlns:p="http://schemas.openxmlformats.org/presentationml/2006/main">
   <p:cSld>
     <p:spTree>
@@ -16280,145 +22867,6 @@
 </p:sld>
 </file>
 
-<file path=ppt/slides/slide3.xml><?xml version="1.0" encoding="utf-8"?>
-<p:sld xmlns:a="http://schemas.openxmlformats.org/drawingml/2006/main" xmlns:r="http://schemas.openxmlformats.org/officeDocument/2006/relationships" xmlns:p="http://schemas.openxmlformats.org/presentationml/2006/main">
-  <p:cSld>
-    <p:spTree>
-      <p:nvGrpSpPr>
-        <p:cNvPr id="1" name=""/>
-        <p:cNvGrpSpPr/>
-        <p:nvPr/>
-      </p:nvGrpSpPr>
-      <p:grpSpPr>
-        <a:xfrm>
-          <a:off x="0" y="0"/>
-          <a:ext cx="0" cy="0"/>
-          <a:chOff x="0" y="0"/>
-          <a:chExt cx="0" cy="0"/>
-        </a:xfrm>
-      </p:grpSpPr>
-      <p:sp>
-        <p:nvSpPr>
-          <p:cNvPr id="2" name="標題 1">
-            <a:extLst>
-              <a:ext uri="{FF2B5EF4-FFF2-40B4-BE49-F238E27FC236}">
-                <a16:creationId xmlns:a16="http://schemas.microsoft.com/office/drawing/2014/main" id="{9B13B20A-7F5D-456F-9A7C-0BBE69FB90C7}"/>
-              </a:ext>
-            </a:extLst>
-          </p:cNvPr>
-          <p:cNvSpPr>
-            <a:spLocks noGrp="1"/>
-          </p:cNvSpPr>
-          <p:nvPr>
-            <p:ph type="title"/>
-          </p:nvPr>
-        </p:nvSpPr>
-        <p:spPr/>
-        <p:txBody>
-          <a:bodyPr/>
-          <a:lstStyle/>
-          <a:p>
-            <a:r>
-              <a:rPr lang="en-US" altLang="zh-TW" b="1" dirty="0"/>
-              <a:t>function</a:t>
-            </a:r>
-            <a:r>
-              <a:rPr lang="en-US" altLang="zh-TW" dirty="0"/>
-              <a:t> in C++</a:t>
-            </a:r>
-            <a:endParaRPr lang="zh-TW" altLang="en-US" dirty="0"/>
-          </a:p>
-        </p:txBody>
-      </p:sp>
-      <p:sp>
-        <p:nvSpPr>
-          <p:cNvPr id="3" name="內容版面配置區 2">
-            <a:extLst>
-              <a:ext uri="{FF2B5EF4-FFF2-40B4-BE49-F238E27FC236}">
-                <a16:creationId xmlns:a16="http://schemas.microsoft.com/office/drawing/2014/main" id="{236BBD2D-5672-45D8-AC6D-34308243B2B5}"/>
-              </a:ext>
-            </a:extLst>
-          </p:cNvPr>
-          <p:cNvSpPr>
-            <a:spLocks noGrp="1"/>
-          </p:cNvSpPr>
-          <p:nvPr>
-            <p:ph idx="1"/>
-          </p:nvPr>
-        </p:nvSpPr>
-        <p:spPr/>
-        <p:txBody>
-          <a:bodyPr/>
-          <a:lstStyle/>
-          <a:p>
-            <a:r>
-              <a:rPr lang="en-US" altLang="zh-TW" dirty="0"/>
-              <a:t>A sequence of statements with a name and a list of parameters. </a:t>
-            </a:r>
-          </a:p>
-          <a:p>
-            <a:r>
-              <a:rPr lang="en-US" altLang="zh-TW" dirty="0"/>
-              <a:t>A function can terminate by returning or by throwing an exception. </a:t>
-            </a:r>
-          </a:p>
-          <a:p>
-            <a:r>
-              <a:rPr lang="en-US" altLang="zh-TW" dirty="0"/>
-              <a:t>In a function-call expression, the parameters are initialized from the arguments and the statements in the function body are executed.</a:t>
-            </a:r>
-            <a:endParaRPr lang="zh-TW" altLang="en-US" dirty="0"/>
-          </a:p>
-        </p:txBody>
-      </p:sp>
-      <p:sp>
-        <p:nvSpPr>
-          <p:cNvPr id="4" name="文字方塊 3">
-            <a:extLst>
-              <a:ext uri="{FF2B5EF4-FFF2-40B4-BE49-F238E27FC236}">
-                <a16:creationId xmlns:a16="http://schemas.microsoft.com/office/drawing/2014/main" id="{808FCEAF-E826-4A8A-96FE-460B474EF4B9}"/>
-              </a:ext>
-            </a:extLst>
-          </p:cNvPr>
-          <p:cNvSpPr txBox="1"/>
-          <p:nvPr/>
-        </p:nvSpPr>
-        <p:spPr>
-          <a:xfrm>
-            <a:off x="1398" y="6488668"/>
-            <a:ext cx="6094602" cy="369332"/>
-          </a:xfrm>
-          <a:prstGeom prst="rect">
-            <a:avLst/>
-          </a:prstGeom>
-          <a:noFill/>
-        </p:spPr>
-        <p:txBody>
-          <a:bodyPr wrap="square">
-            <a:spAutoFit/>
-          </a:bodyPr>
-          <a:lstStyle/>
-          <a:p>
-            <a:r>
-              <a:rPr lang="zh-TW" altLang="en-US" dirty="0"/>
-              <a:t>https://en.cppreference.com/w/cpp/language/functions</a:t>
-            </a:r>
-          </a:p>
-        </p:txBody>
-      </p:sp>
-    </p:spTree>
-    <p:extLst>
-      <p:ext uri="{BB962C8B-B14F-4D97-AF65-F5344CB8AC3E}">
-        <p14:creationId xmlns:p14="http://schemas.microsoft.com/office/powerpoint/2010/main" val="3202495778"/>
-      </p:ext>
-    </p:extLst>
-  </p:cSld>
-  <p:clrMapOvr>
-    <a:masterClrMapping/>
-  </p:clrMapOvr>
-</p:sld>
-</file>
-
 <file path=ppt/slides/slide4.xml><?xml version="1.0" encoding="utf-8"?>
 <p:sld xmlns:a="http://schemas.openxmlformats.org/drawingml/2006/main" xmlns:r="http://schemas.openxmlformats.org/officeDocument/2006/relationships" xmlns:p="http://schemas.openxmlformats.org/presentationml/2006/main">
   <p:cSld>
@@ -17967,7 +24415,7 @@
           <a:lstStyle/>
           <a:p>
             <a:r>
-              <a:rPr lang="en-US" altLang="zh-TW" b="0">
+              <a:rPr lang="en-US" altLang="zh-TW" b="0" dirty="0">
                 <a:solidFill>
                   <a:srgbClr val="0000FF"/>
                 </a:solidFill>
@@ -17977,7 +24425,7 @@
               <a:t>int</a:t>
             </a:r>
             <a:r>
-              <a:rPr lang="en-US" altLang="zh-TW" b="0">
+              <a:rPr lang="en-US" altLang="zh-TW" b="0" dirty="0">
                 <a:solidFill>
                   <a:srgbClr val="000000"/>
                 </a:solidFill>
@@ -17987,7 +24435,7 @@
               <a:t> </a:t>
             </a:r>
             <a:r>
-              <a:rPr lang="en-US" altLang="zh-TW" b="0">
+              <a:rPr lang="en-US" altLang="zh-TW" b="0" dirty="0">
                 <a:solidFill>
                   <a:srgbClr val="795E26"/>
                 </a:solidFill>
@@ -17997,7 +24445,7 @@
               <a:t>f4</a:t>
             </a:r>
             <a:r>
-              <a:rPr lang="en-US" altLang="zh-TW" b="0">
+              <a:rPr lang="en-US" altLang="zh-TW" b="0" dirty="0">
                 <a:solidFill>
                   <a:srgbClr val="000000"/>
                 </a:solidFill>
@@ -18009,7 +24457,7 @@
           </a:p>
           <a:p>
             <a:r>
-              <a:rPr lang="en-US" altLang="zh-TW" b="0">
+              <a:rPr lang="en-US" altLang="zh-TW" b="0" dirty="0">
                 <a:solidFill>
                   <a:srgbClr val="000000"/>
                 </a:solidFill>
@@ -18021,7 +24469,7 @@
           </a:p>
           <a:p>
             <a:r>
-              <a:rPr lang="en-US" altLang="zh-TW" b="0">
+              <a:rPr lang="en-US" altLang="zh-TW" b="0" dirty="0">
                 <a:solidFill>
                   <a:srgbClr val="000000"/>
                 </a:solidFill>
@@ -18031,7 +24479,7 @@
               <a:t>    </a:t>
             </a:r>
             <a:r>
-              <a:rPr lang="en-US" altLang="zh-TW" b="0">
+              <a:rPr lang="en-US" altLang="zh-TW" b="0" dirty="0">
                 <a:solidFill>
                   <a:srgbClr val="267F99"/>
                 </a:solidFill>
@@ -18041,7 +24489,7 @@
               <a:t>std</a:t>
             </a:r>
             <a:r>
-              <a:rPr lang="en-US" altLang="zh-TW" b="0">
+              <a:rPr lang="en-US" altLang="zh-TW" b="0" dirty="0">
                 <a:solidFill>
                   <a:srgbClr val="000000"/>
                 </a:solidFill>
@@ -18051,7 +24499,7 @@
               <a:t>::</a:t>
             </a:r>
             <a:r>
-              <a:rPr lang="en-US" altLang="zh-TW" b="0">
+              <a:rPr lang="en-US" altLang="zh-TW" b="0" dirty="0" err="1">
                 <a:solidFill>
                   <a:srgbClr val="001080"/>
                 </a:solidFill>
@@ -18061,7 +24509,7 @@
               <a:t>cout</a:t>
             </a:r>
             <a:r>
-              <a:rPr lang="en-US" altLang="zh-TW" b="0">
+              <a:rPr lang="en-US" altLang="zh-TW" b="0" dirty="0">
                 <a:solidFill>
                   <a:srgbClr val="000000"/>
                 </a:solidFill>
@@ -18071,7 +24519,7 @@
               <a:t> </a:t>
             </a:r>
             <a:r>
-              <a:rPr lang="en-US" altLang="zh-TW" b="0">
+              <a:rPr lang="en-US" altLang="zh-TW" b="0" dirty="0">
                 <a:solidFill>
                   <a:srgbClr val="795E26"/>
                 </a:solidFill>
@@ -18081,17 +24529,37 @@
               <a:t>&lt;&lt;</a:t>
             </a:r>
             <a:r>
-              <a:rPr lang="en-US" altLang="zh-TW" b="0">
-                <a:solidFill>
-                  <a:srgbClr val="000000"/>
-                </a:solidFill>
-                <a:effectLst/>
-                <a:latin typeface="Consolas" panose="020B0609020204030204" pitchFamily="49" charset="0"/>
-              </a:rPr>
-              <a:t> __func__ </a:t>
-            </a:r>
-            <a:r>
-              <a:rPr lang="en-US" altLang="zh-TW" b="0">
+              <a:rPr lang="en-US" altLang="zh-TW" b="0" dirty="0">
+                <a:solidFill>
+                  <a:srgbClr val="000000"/>
+                </a:solidFill>
+                <a:effectLst/>
+                <a:latin typeface="Consolas" panose="020B0609020204030204" pitchFamily="49" charset="0"/>
+              </a:rPr>
+              <a:t> __</a:t>
+            </a:r>
+            <a:r>
+              <a:rPr lang="en-US" altLang="zh-TW" b="0" dirty="0" err="1">
+                <a:solidFill>
+                  <a:srgbClr val="000000"/>
+                </a:solidFill>
+                <a:effectLst/>
+                <a:latin typeface="Consolas" panose="020B0609020204030204" pitchFamily="49" charset="0"/>
+              </a:rPr>
+              <a:t>func</a:t>
+            </a:r>
+            <a:r>
+              <a:rPr lang="en-US" altLang="zh-TW" b="0" dirty="0">
+                <a:solidFill>
+                  <a:srgbClr val="000000"/>
+                </a:solidFill>
+                <a:effectLst/>
+                <a:latin typeface="Consolas" panose="020B0609020204030204" pitchFamily="49" charset="0"/>
+              </a:rPr>
+              <a:t>__ </a:t>
+            </a:r>
+            <a:r>
+              <a:rPr lang="en-US" altLang="zh-TW" b="0" dirty="0">
                 <a:solidFill>
                   <a:srgbClr val="795E26"/>
                 </a:solidFill>
@@ -18101,7 +24569,7 @@
               <a:t>&lt;&lt;</a:t>
             </a:r>
             <a:r>
-              <a:rPr lang="en-US" altLang="zh-TW" b="0">
+              <a:rPr lang="en-US" altLang="zh-TW" b="0" dirty="0">
                 <a:solidFill>
                   <a:srgbClr val="000000"/>
                 </a:solidFill>
@@ -18111,7 +24579,7 @@
               <a:t> </a:t>
             </a:r>
             <a:r>
-              <a:rPr lang="en-US" altLang="zh-TW" b="0">
+              <a:rPr lang="en-US" altLang="zh-TW" b="0" dirty="0">
                 <a:solidFill>
                   <a:srgbClr val="A31515"/>
                 </a:solidFill>
@@ -18121,7 +24589,7 @@
               <a:t>"</a:t>
             </a:r>
             <a:r>
-              <a:rPr lang="en-US" altLang="zh-TW" b="0">
+              <a:rPr lang="en-US" altLang="zh-TW" b="0" dirty="0">
                 <a:solidFill>
                   <a:srgbClr val="EE0000"/>
                 </a:solidFill>
@@ -18131,7 +24599,7 @@
               <a:t>\n</a:t>
             </a:r>
             <a:r>
-              <a:rPr lang="en-US" altLang="zh-TW" b="0">
+              <a:rPr lang="en-US" altLang="zh-TW" b="0" dirty="0">
                 <a:solidFill>
                   <a:srgbClr val="A31515"/>
                 </a:solidFill>
@@ -18141,7 +24609,7 @@
               <a:t>"</a:t>
             </a:r>
             <a:r>
-              <a:rPr lang="en-US" altLang="zh-TW" b="0">
+              <a:rPr lang="en-US" altLang="zh-TW" b="0" dirty="0">
                 <a:solidFill>
                   <a:srgbClr val="000000"/>
                 </a:solidFill>
@@ -18153,7 +24621,7 @@
           </a:p>
           <a:p>
             <a:r>
-              <a:rPr lang="en-US" altLang="zh-TW" b="0">
+              <a:rPr lang="en-US" altLang="zh-TW" b="0" dirty="0">
                 <a:solidFill>
                   <a:srgbClr val="000000"/>
                 </a:solidFill>
@@ -18163,7 +24631,7 @@
               <a:t>    </a:t>
             </a:r>
             <a:r>
-              <a:rPr lang="en-US" altLang="zh-TW" b="0">
+              <a:rPr lang="en-US" altLang="zh-TW" b="0" dirty="0">
                 <a:solidFill>
                   <a:srgbClr val="AF00DB"/>
                 </a:solidFill>
@@ -18173,7 +24641,7 @@
               <a:t>return</a:t>
             </a:r>
             <a:r>
-              <a:rPr lang="en-US" altLang="zh-TW" b="0">
+              <a:rPr lang="en-US" altLang="zh-TW" b="0" dirty="0">
                 <a:solidFill>
                   <a:srgbClr val="000000"/>
                 </a:solidFill>
@@ -18183,7 +24651,7 @@
               <a:t> </a:t>
             </a:r>
             <a:r>
-              <a:rPr lang="en-US" altLang="zh-TW" b="0">
+              <a:rPr lang="en-US" altLang="zh-TW" b="0" dirty="0">
                 <a:solidFill>
                   <a:srgbClr val="098658"/>
                 </a:solidFill>
@@ -18193,7 +24661,7 @@
               <a:t>1</a:t>
             </a:r>
             <a:r>
-              <a:rPr lang="en-US" altLang="zh-TW" b="0">
+              <a:rPr lang="en-US" altLang="zh-TW" b="0" dirty="0">
                 <a:solidFill>
                   <a:srgbClr val="000000"/>
                 </a:solidFill>
@@ -18205,7 +24673,7 @@
           </a:p>
           <a:p>
             <a:r>
-              <a:rPr lang="en-US" altLang="zh-TW" b="0">
+              <a:rPr lang="en-US" altLang="zh-TW" b="0" dirty="0">
                 <a:solidFill>
                   <a:srgbClr val="000000"/>
                 </a:solidFill>
@@ -18214,13 +24682,6 @@
               </a:rPr>
               <a:t>}</a:t>
             </a:r>
-            <a:endParaRPr lang="en-US" altLang="zh-TW" b="0" dirty="0">
-              <a:solidFill>
-                <a:srgbClr val="000000"/>
-              </a:solidFill>
-              <a:effectLst/>
-              <a:latin typeface="Consolas" panose="020B0609020204030204" pitchFamily="49" charset="0"/>
-            </a:endParaRPr>
           </a:p>
         </p:txBody>
       </p:sp>

--- a/08-function/00-function.pptx
+++ b/08-function/00-function.pptx
@@ -35,7 +35,8 @@
     <p:sldId id="329" r:id="rId29"/>
     <p:sldId id="330" r:id="rId30"/>
     <p:sldId id="307" r:id="rId31"/>
-    <p:sldId id="294" r:id="rId32"/>
+    <p:sldId id="331" r:id="rId32"/>
+    <p:sldId id="294" r:id="rId33"/>
   </p:sldIdLst>
   <p:sldSz cx="12192000" cy="6858000"/>
   <p:notesSz cx="6858000" cy="9144000"/>
@@ -289,7 +290,7 @@
           <a:p>
             <a:fld id="{3C22E3A1-C276-43FD-A0AD-E3E3A7519323}" type="datetimeFigureOut">
               <a:rPr lang="zh-TW" altLang="en-US" smtClean="0"/>
-              <a:t>2021/11/3</a:t>
+              <a:t>2021/12/28</a:t>
             </a:fld>
             <a:endParaRPr lang="zh-TW" altLang="en-US"/>
           </a:p>
@@ -487,7 +488,7 @@
           <a:p>
             <a:fld id="{3C22E3A1-C276-43FD-A0AD-E3E3A7519323}" type="datetimeFigureOut">
               <a:rPr lang="zh-TW" altLang="en-US" smtClean="0"/>
-              <a:t>2021/11/3</a:t>
+              <a:t>2021/12/28</a:t>
             </a:fld>
             <a:endParaRPr lang="zh-TW" altLang="en-US"/>
           </a:p>
@@ -695,7 +696,7 @@
           <a:p>
             <a:fld id="{3C22E3A1-C276-43FD-A0AD-E3E3A7519323}" type="datetimeFigureOut">
               <a:rPr lang="zh-TW" altLang="en-US" smtClean="0"/>
-              <a:t>2021/11/3</a:t>
+              <a:t>2021/12/28</a:t>
             </a:fld>
             <a:endParaRPr lang="zh-TW" altLang="en-US"/>
           </a:p>
@@ -893,7 +894,7 @@
           <a:p>
             <a:fld id="{3C22E3A1-C276-43FD-A0AD-E3E3A7519323}" type="datetimeFigureOut">
               <a:rPr lang="zh-TW" altLang="en-US" smtClean="0"/>
-              <a:t>2021/11/3</a:t>
+              <a:t>2021/12/28</a:t>
             </a:fld>
             <a:endParaRPr lang="zh-TW" altLang="en-US"/>
           </a:p>
@@ -1168,7 +1169,7 @@
           <a:p>
             <a:fld id="{3C22E3A1-C276-43FD-A0AD-E3E3A7519323}" type="datetimeFigureOut">
               <a:rPr lang="zh-TW" altLang="en-US" smtClean="0"/>
-              <a:t>2021/11/3</a:t>
+              <a:t>2021/12/28</a:t>
             </a:fld>
             <a:endParaRPr lang="zh-TW" altLang="en-US"/>
           </a:p>
@@ -1433,7 +1434,7 @@
           <a:p>
             <a:fld id="{3C22E3A1-C276-43FD-A0AD-E3E3A7519323}" type="datetimeFigureOut">
               <a:rPr lang="zh-TW" altLang="en-US" smtClean="0"/>
-              <a:t>2021/11/3</a:t>
+              <a:t>2021/12/28</a:t>
             </a:fld>
             <a:endParaRPr lang="zh-TW" altLang="en-US"/>
           </a:p>
@@ -1845,7 +1846,7 @@
           <a:p>
             <a:fld id="{3C22E3A1-C276-43FD-A0AD-E3E3A7519323}" type="datetimeFigureOut">
               <a:rPr lang="zh-TW" altLang="en-US" smtClean="0"/>
-              <a:t>2021/11/3</a:t>
+              <a:t>2021/12/28</a:t>
             </a:fld>
             <a:endParaRPr lang="zh-TW" altLang="en-US"/>
           </a:p>
@@ -1986,7 +1987,7 @@
           <a:p>
             <a:fld id="{3C22E3A1-C276-43FD-A0AD-E3E3A7519323}" type="datetimeFigureOut">
               <a:rPr lang="zh-TW" altLang="en-US" smtClean="0"/>
-              <a:t>2021/11/3</a:t>
+              <a:t>2021/12/28</a:t>
             </a:fld>
             <a:endParaRPr lang="zh-TW" altLang="en-US"/>
           </a:p>
@@ -2099,7 +2100,7 @@
           <a:p>
             <a:fld id="{3C22E3A1-C276-43FD-A0AD-E3E3A7519323}" type="datetimeFigureOut">
               <a:rPr lang="zh-TW" altLang="en-US" smtClean="0"/>
-              <a:t>2021/11/3</a:t>
+              <a:t>2021/12/28</a:t>
             </a:fld>
             <a:endParaRPr lang="zh-TW" altLang="en-US"/>
           </a:p>
@@ -2410,7 +2411,7 @@
           <a:p>
             <a:fld id="{3C22E3A1-C276-43FD-A0AD-E3E3A7519323}" type="datetimeFigureOut">
               <a:rPr lang="zh-TW" altLang="en-US" smtClean="0"/>
-              <a:t>2021/11/3</a:t>
+              <a:t>2021/12/28</a:t>
             </a:fld>
             <a:endParaRPr lang="zh-TW" altLang="en-US"/>
           </a:p>
@@ -2698,7 +2699,7 @@
           <a:p>
             <a:fld id="{3C22E3A1-C276-43FD-A0AD-E3E3A7519323}" type="datetimeFigureOut">
               <a:rPr lang="zh-TW" altLang="en-US" smtClean="0"/>
-              <a:t>2021/11/3</a:t>
+              <a:t>2021/12/28</a:t>
             </a:fld>
             <a:endParaRPr lang="zh-TW" altLang="en-US"/>
           </a:p>
@@ -2939,7 +2940,7 @@
           <a:p>
             <a:fld id="{3C22E3A1-C276-43FD-A0AD-E3E3A7519323}" type="datetimeFigureOut">
               <a:rPr lang="zh-TW" altLang="en-US" smtClean="0"/>
-              <a:t>2021/11/3</a:t>
+              <a:t>2021/12/28</a:t>
             </a:fld>
             <a:endParaRPr lang="zh-TW" altLang="en-US"/>
           </a:p>
@@ -22292,6 +22293,165 @@
               <a:rPr lang="en-US" altLang="zh-TW" dirty="0"/>
               <a:t>Lambda function can be defined inside a function and use some variables stored in the current function.</a:t>
             </a:r>
+          </a:p>
+          <a:p>
+            <a:r>
+              <a:rPr lang="en-US" altLang="zh-TW" dirty="0"/>
+              <a:t>Syntax:</a:t>
+            </a:r>
+          </a:p>
+          <a:p>
+            <a:pPr marL="0" indent="0">
+              <a:buNone/>
+            </a:pPr>
+            <a:r>
+              <a:rPr lang="en-US" altLang="zh-TW" dirty="0"/>
+              <a:t>	[</a:t>
+            </a:r>
+            <a:r>
+              <a:rPr lang="en-US" altLang="zh-TW" b="0" i="1" dirty="0">
+                <a:solidFill>
+                  <a:srgbClr val="808080"/>
+                </a:solidFill>
+                <a:effectLst/>
+                <a:latin typeface="DejaVuSans"/>
+              </a:rPr>
+              <a:t>captures</a:t>
+            </a:r>
+            <a:r>
+              <a:rPr lang="en-US" altLang="zh-TW" dirty="0"/>
+              <a:t>](</a:t>
+            </a:r>
+            <a:r>
+              <a:rPr lang="en-US" altLang="zh-TW" b="0" i="1" dirty="0">
+                <a:solidFill>
+                  <a:srgbClr val="808080"/>
+                </a:solidFill>
+                <a:effectLst/>
+                <a:latin typeface="DejaVuSans"/>
+              </a:rPr>
+              <a:t>params</a:t>
+            </a:r>
+            <a:r>
+              <a:rPr lang="en-US" altLang="zh-TW" dirty="0"/>
+              <a:t>) </a:t>
+            </a:r>
+            <a:r>
+              <a:rPr lang="en-US" altLang="zh-TW" b="0" i="1" dirty="0">
+                <a:solidFill>
+                  <a:srgbClr val="808080"/>
+                </a:solidFill>
+                <a:effectLst/>
+                <a:latin typeface="DejaVuSans"/>
+              </a:rPr>
+              <a:t>exception </a:t>
+            </a:r>
+            <a:r>
+              <a:rPr lang="en-US" altLang="zh-TW" dirty="0"/>
+              <a:t>-&gt; </a:t>
+            </a:r>
+            <a:r>
+              <a:rPr lang="en-US" altLang="zh-TW" b="0" i="1" dirty="0">
+                <a:solidFill>
+                  <a:srgbClr val="808080"/>
+                </a:solidFill>
+                <a:effectLst/>
+                <a:latin typeface="DejaVuSans"/>
+              </a:rPr>
+              <a:t>return type </a:t>
+            </a:r>
+            <a:r>
+              <a:rPr lang="en-US" altLang="zh-TW" dirty="0"/>
+              <a:t>{</a:t>
+            </a:r>
+            <a:r>
+              <a:rPr lang="en-US" altLang="zh-TW" b="0" i="1" dirty="0">
+                <a:solidFill>
+                  <a:srgbClr val="808080"/>
+                </a:solidFill>
+                <a:effectLst/>
+                <a:latin typeface="DejaVuSans"/>
+              </a:rPr>
+              <a:t>body</a:t>
+            </a:r>
+            <a:r>
+              <a:rPr lang="en-US" altLang="zh-TW" dirty="0"/>
+              <a:t>}</a:t>
+            </a:r>
+          </a:p>
+          <a:p>
+            <a:endParaRPr lang="zh-TW" altLang="en-US" dirty="0"/>
+          </a:p>
+        </p:txBody>
+      </p:sp>
+      <p:sp>
+        <p:nvSpPr>
+          <p:cNvPr id="7" name="TextBox 6">
+            <a:extLst>
+              <a:ext uri="{FF2B5EF4-FFF2-40B4-BE49-F238E27FC236}">
+                <a16:creationId xmlns:a16="http://schemas.microsoft.com/office/drawing/2014/main" id="{12873299-2542-4F53-B941-2CD6A5946E9A}"/>
+              </a:ext>
+            </a:extLst>
+          </p:cNvPr>
+          <p:cNvSpPr txBox="1"/>
+          <p:nvPr/>
+        </p:nvSpPr>
+        <p:spPr>
+          <a:xfrm>
+            <a:off x="0" y="6123543"/>
+            <a:ext cx="6097424" cy="369332"/>
+          </a:xfrm>
+          <a:prstGeom prst="rect">
+            <a:avLst/>
+          </a:prstGeom>
+          <a:noFill/>
+        </p:spPr>
+        <p:txBody>
+          <a:bodyPr wrap="square">
+            <a:spAutoFit/>
+          </a:bodyPr>
+          <a:lstStyle/>
+          <a:p>
+            <a:r>
+              <a:rPr lang="en-US" altLang="zh-TW" dirty="0"/>
+              <a:t>https://en.cppreference.com/w/cpp/language/lambda</a:t>
+            </a:r>
+            <a:endParaRPr lang="zh-TW" altLang="en-US" dirty="0"/>
+          </a:p>
+        </p:txBody>
+      </p:sp>
+      <p:sp>
+        <p:nvSpPr>
+          <p:cNvPr id="9" name="TextBox 8">
+            <a:extLst>
+              <a:ext uri="{FF2B5EF4-FFF2-40B4-BE49-F238E27FC236}">
+                <a16:creationId xmlns:a16="http://schemas.microsoft.com/office/drawing/2014/main" id="{51EAE203-481C-431A-8EB2-975E8D7F9F43}"/>
+              </a:ext>
+            </a:extLst>
+          </p:cNvPr>
+          <p:cNvSpPr txBox="1"/>
+          <p:nvPr/>
+        </p:nvSpPr>
+        <p:spPr>
+          <a:xfrm>
+            <a:off x="0" y="6498723"/>
+            <a:ext cx="8475292" cy="369332"/>
+          </a:xfrm>
+          <a:prstGeom prst="rect">
+            <a:avLst/>
+          </a:prstGeom>
+          <a:noFill/>
+        </p:spPr>
+        <p:txBody>
+          <a:bodyPr wrap="square">
+            <a:spAutoFit/>
+          </a:bodyPr>
+          <a:lstStyle/>
+          <a:p>
+            <a:r>
+              <a:rPr lang="en-US" altLang="zh-TW" dirty="0"/>
+              <a:t>https://docs.microsoft.com/en-us/cpp/cpp/lambda-expressions-in-cpp?view=msvc-170</a:t>
+            </a:r>
             <a:endParaRPr lang="zh-TW" altLang="en-US" dirty="0"/>
           </a:p>
         </p:txBody>
@@ -22310,6 +22470,1556 @@
 </file>
 
 <file path=ppt/slides/slide31.xml><?xml version="1.0" encoding="utf-8"?>
+<p:sld xmlns:a="http://schemas.openxmlformats.org/drawingml/2006/main" xmlns:r="http://schemas.openxmlformats.org/officeDocument/2006/relationships" xmlns:p="http://schemas.openxmlformats.org/presentationml/2006/main">
+  <p:cSld>
+    <p:spTree>
+      <p:nvGrpSpPr>
+        <p:cNvPr id="1" name=""/>
+        <p:cNvGrpSpPr/>
+        <p:nvPr/>
+      </p:nvGrpSpPr>
+      <p:grpSpPr>
+        <a:xfrm>
+          <a:off x="0" y="0"/>
+          <a:ext cx="0" cy="0"/>
+          <a:chOff x="0" y="0"/>
+          <a:chExt cx="0" cy="0"/>
+        </a:xfrm>
+      </p:grpSpPr>
+      <p:sp>
+        <p:nvSpPr>
+          <p:cNvPr id="2" name="Title 1">
+            <a:extLst>
+              <a:ext uri="{FF2B5EF4-FFF2-40B4-BE49-F238E27FC236}">
+                <a16:creationId xmlns:a16="http://schemas.microsoft.com/office/drawing/2014/main" id="{4797DC39-ECE4-4B90-9B93-195283E546F7}"/>
+              </a:ext>
+            </a:extLst>
+          </p:cNvPr>
+          <p:cNvSpPr>
+            <a:spLocks noGrp="1"/>
+          </p:cNvSpPr>
+          <p:nvPr>
+            <p:ph type="title"/>
+          </p:nvPr>
+        </p:nvSpPr>
+        <p:spPr/>
+        <p:txBody>
+          <a:bodyPr/>
+          <a:lstStyle/>
+          <a:p>
+            <a:r>
+              <a:rPr lang="en-US" altLang="zh-TW" dirty="0"/>
+              <a:t>Lambda Function (optional)</a:t>
+            </a:r>
+            <a:endParaRPr lang="zh-TW" altLang="en-US" dirty="0"/>
+          </a:p>
+        </p:txBody>
+      </p:sp>
+      <p:sp>
+        <p:nvSpPr>
+          <p:cNvPr id="5" name="TextBox 4">
+            <a:extLst>
+              <a:ext uri="{FF2B5EF4-FFF2-40B4-BE49-F238E27FC236}">
+                <a16:creationId xmlns:a16="http://schemas.microsoft.com/office/drawing/2014/main" id="{1C615590-0A74-4661-86BF-4176A5827560}"/>
+              </a:ext>
+            </a:extLst>
+          </p:cNvPr>
+          <p:cNvSpPr txBox="1"/>
+          <p:nvPr/>
+        </p:nvSpPr>
+        <p:spPr>
+          <a:xfrm>
+            <a:off x="838200" y="1293344"/>
+            <a:ext cx="8923946" cy="5355312"/>
+          </a:xfrm>
+          <a:prstGeom prst="rect">
+            <a:avLst/>
+          </a:prstGeom>
+          <a:noFill/>
+        </p:spPr>
+        <p:txBody>
+          <a:bodyPr wrap="square">
+            <a:spAutoFit/>
+          </a:bodyPr>
+          <a:lstStyle/>
+          <a:p>
+            <a:r>
+              <a:rPr lang="en-US" altLang="zh-TW" b="0" dirty="0">
+                <a:solidFill>
+                  <a:srgbClr val="AF00DB"/>
+                </a:solidFill>
+                <a:effectLst/>
+                <a:latin typeface="Consolas" panose="020B0609020204030204" pitchFamily="49" charset="0"/>
+              </a:rPr>
+              <a:t>#include</a:t>
+            </a:r>
+            <a:r>
+              <a:rPr lang="en-US" altLang="zh-TW" b="0" dirty="0">
+                <a:solidFill>
+                  <a:srgbClr val="0000FF"/>
+                </a:solidFill>
+                <a:effectLst/>
+                <a:latin typeface="Consolas" panose="020B0609020204030204" pitchFamily="49" charset="0"/>
+              </a:rPr>
+              <a:t> </a:t>
+            </a:r>
+            <a:r>
+              <a:rPr lang="en-US" altLang="zh-TW" b="0" dirty="0">
+                <a:solidFill>
+                  <a:srgbClr val="A31515"/>
+                </a:solidFill>
+                <a:effectLst/>
+                <a:latin typeface="Consolas" panose="020B0609020204030204" pitchFamily="49" charset="0"/>
+              </a:rPr>
+              <a:t>&lt;iostream&gt;</a:t>
+            </a:r>
+            <a:endParaRPr lang="en-US" altLang="zh-TW" b="0" dirty="0">
+              <a:solidFill>
+                <a:srgbClr val="000000"/>
+              </a:solidFill>
+              <a:effectLst/>
+              <a:latin typeface="Consolas" panose="020B0609020204030204" pitchFamily="49" charset="0"/>
+            </a:endParaRPr>
+          </a:p>
+          <a:p>
+            <a:br>
+              <a:rPr lang="en-US" altLang="zh-TW" b="0" dirty="0">
+                <a:solidFill>
+                  <a:srgbClr val="000000"/>
+                </a:solidFill>
+                <a:effectLst/>
+                <a:latin typeface="Consolas" panose="020B0609020204030204" pitchFamily="49" charset="0"/>
+              </a:rPr>
+            </a:br>
+            <a:r>
+              <a:rPr lang="en-US" altLang="zh-TW" b="0" dirty="0">
+                <a:solidFill>
+                  <a:srgbClr val="0000FF"/>
+                </a:solidFill>
+                <a:effectLst/>
+                <a:latin typeface="Consolas" panose="020B0609020204030204" pitchFamily="49" charset="0"/>
+              </a:rPr>
+              <a:t>int</a:t>
+            </a:r>
+            <a:r>
+              <a:rPr lang="en-US" altLang="zh-TW" b="0" dirty="0">
+                <a:solidFill>
+                  <a:srgbClr val="000000"/>
+                </a:solidFill>
+                <a:effectLst/>
+                <a:latin typeface="Consolas" panose="020B0609020204030204" pitchFamily="49" charset="0"/>
+              </a:rPr>
+              <a:t> </a:t>
+            </a:r>
+            <a:r>
+              <a:rPr lang="en-US" altLang="zh-TW" b="0" dirty="0">
+                <a:solidFill>
+                  <a:srgbClr val="795E26"/>
+                </a:solidFill>
+                <a:effectLst/>
+                <a:latin typeface="Consolas" panose="020B0609020204030204" pitchFamily="49" charset="0"/>
+              </a:rPr>
+              <a:t>main</a:t>
+            </a:r>
+            <a:r>
+              <a:rPr lang="en-US" altLang="zh-TW" b="0" dirty="0">
+                <a:solidFill>
+                  <a:srgbClr val="000000"/>
+                </a:solidFill>
+                <a:effectLst/>
+                <a:latin typeface="Consolas" panose="020B0609020204030204" pitchFamily="49" charset="0"/>
+              </a:rPr>
+              <a:t>()</a:t>
+            </a:r>
+          </a:p>
+          <a:p>
+            <a:r>
+              <a:rPr lang="en-US" altLang="zh-TW" b="0" dirty="0">
+                <a:solidFill>
+                  <a:srgbClr val="000000"/>
+                </a:solidFill>
+                <a:effectLst/>
+                <a:latin typeface="Consolas" panose="020B0609020204030204" pitchFamily="49" charset="0"/>
+              </a:rPr>
+              <a:t>{</a:t>
+            </a:r>
+          </a:p>
+          <a:p>
+            <a:r>
+              <a:rPr lang="en-US" altLang="zh-TW" b="0" dirty="0">
+                <a:solidFill>
+                  <a:srgbClr val="000000"/>
+                </a:solidFill>
+                <a:effectLst/>
+                <a:latin typeface="Consolas" panose="020B0609020204030204" pitchFamily="49" charset="0"/>
+              </a:rPr>
+              <a:t>    </a:t>
+            </a:r>
+            <a:r>
+              <a:rPr lang="en-US" altLang="zh-TW" b="0" dirty="0">
+                <a:solidFill>
+                  <a:srgbClr val="0000FF"/>
+                </a:solidFill>
+                <a:effectLst/>
+                <a:latin typeface="Consolas" panose="020B0609020204030204" pitchFamily="49" charset="0"/>
+              </a:rPr>
+              <a:t>int</a:t>
+            </a:r>
+            <a:r>
+              <a:rPr lang="en-US" altLang="zh-TW" b="0" dirty="0">
+                <a:solidFill>
+                  <a:srgbClr val="000000"/>
+                </a:solidFill>
+                <a:effectLst/>
+                <a:latin typeface="Consolas" panose="020B0609020204030204" pitchFamily="49" charset="0"/>
+              </a:rPr>
+              <a:t> </a:t>
+            </a:r>
+            <a:r>
+              <a:rPr lang="en-US" altLang="zh-TW" b="0" dirty="0" err="1">
+                <a:solidFill>
+                  <a:srgbClr val="001080"/>
+                </a:solidFill>
+                <a:effectLst/>
+                <a:latin typeface="Consolas" panose="020B0609020204030204" pitchFamily="49" charset="0"/>
+              </a:rPr>
+              <a:t>i</a:t>
+            </a:r>
+            <a:r>
+              <a:rPr lang="en-US" altLang="zh-TW" b="0" dirty="0">
+                <a:solidFill>
+                  <a:srgbClr val="000000"/>
+                </a:solidFill>
+                <a:effectLst/>
+                <a:latin typeface="Consolas" panose="020B0609020204030204" pitchFamily="49" charset="0"/>
+              </a:rPr>
+              <a:t> = </a:t>
+            </a:r>
+            <a:r>
+              <a:rPr lang="en-US" altLang="zh-TW" b="0" dirty="0">
+                <a:solidFill>
+                  <a:srgbClr val="098658"/>
+                </a:solidFill>
+                <a:effectLst/>
+                <a:latin typeface="Consolas" panose="020B0609020204030204" pitchFamily="49" charset="0"/>
+              </a:rPr>
+              <a:t>0</a:t>
+            </a:r>
+            <a:r>
+              <a:rPr lang="en-US" altLang="zh-TW" b="0" dirty="0">
+                <a:solidFill>
+                  <a:srgbClr val="000000"/>
+                </a:solidFill>
+                <a:effectLst/>
+                <a:latin typeface="Consolas" panose="020B0609020204030204" pitchFamily="49" charset="0"/>
+              </a:rPr>
+              <a:t>;</a:t>
+            </a:r>
+          </a:p>
+          <a:p>
+            <a:r>
+              <a:rPr lang="en-US" altLang="zh-TW" b="0" dirty="0">
+                <a:solidFill>
+                  <a:srgbClr val="000000"/>
+                </a:solidFill>
+                <a:effectLst/>
+                <a:latin typeface="Consolas" panose="020B0609020204030204" pitchFamily="49" charset="0"/>
+              </a:rPr>
+              <a:t>    </a:t>
+            </a:r>
+            <a:r>
+              <a:rPr lang="en-US" altLang="zh-TW" b="0" dirty="0">
+                <a:solidFill>
+                  <a:srgbClr val="0000FF"/>
+                </a:solidFill>
+                <a:effectLst/>
+                <a:latin typeface="Consolas" panose="020B0609020204030204" pitchFamily="49" charset="0"/>
+              </a:rPr>
+              <a:t>auto</a:t>
+            </a:r>
+            <a:r>
+              <a:rPr lang="en-US" altLang="zh-TW" b="0" dirty="0">
+                <a:solidFill>
+                  <a:srgbClr val="000000"/>
+                </a:solidFill>
+                <a:effectLst/>
+                <a:latin typeface="Consolas" panose="020B0609020204030204" pitchFamily="49" charset="0"/>
+              </a:rPr>
+              <a:t> </a:t>
+            </a:r>
+            <a:r>
+              <a:rPr lang="en-US" altLang="zh-TW" b="0" dirty="0">
+                <a:solidFill>
+                  <a:srgbClr val="001080"/>
+                </a:solidFill>
+                <a:effectLst/>
+                <a:latin typeface="Consolas" panose="020B0609020204030204" pitchFamily="49" charset="0"/>
+              </a:rPr>
+              <a:t>f</a:t>
+            </a:r>
+            <a:r>
+              <a:rPr lang="en-US" altLang="zh-TW" b="0" dirty="0">
+                <a:solidFill>
+                  <a:srgbClr val="000000"/>
+                </a:solidFill>
+                <a:effectLst/>
+                <a:latin typeface="Consolas" panose="020B0609020204030204" pitchFamily="49" charset="0"/>
+              </a:rPr>
+              <a:t> = [=](</a:t>
+            </a:r>
+            <a:r>
+              <a:rPr lang="en-US" altLang="zh-TW" b="0" dirty="0">
+                <a:solidFill>
+                  <a:srgbClr val="0000FF"/>
+                </a:solidFill>
+                <a:effectLst/>
+                <a:latin typeface="Consolas" panose="020B0609020204030204" pitchFamily="49" charset="0"/>
+              </a:rPr>
+              <a:t>int</a:t>
+            </a:r>
+            <a:r>
+              <a:rPr lang="en-US" altLang="zh-TW" b="0" dirty="0">
+                <a:solidFill>
+                  <a:srgbClr val="000000"/>
+                </a:solidFill>
+                <a:effectLst/>
+                <a:latin typeface="Consolas" panose="020B0609020204030204" pitchFamily="49" charset="0"/>
+              </a:rPr>
+              <a:t> </a:t>
+            </a:r>
+            <a:r>
+              <a:rPr lang="en-US" altLang="zh-TW" b="0" dirty="0">
+                <a:solidFill>
+                  <a:srgbClr val="001080"/>
+                </a:solidFill>
+                <a:effectLst/>
+                <a:latin typeface="Consolas" panose="020B0609020204030204" pitchFamily="49" charset="0"/>
+              </a:rPr>
+              <a:t>a</a:t>
+            </a:r>
+            <a:r>
+              <a:rPr lang="en-US" altLang="zh-TW" b="0" dirty="0">
+                <a:solidFill>
+                  <a:srgbClr val="000000"/>
+                </a:solidFill>
+                <a:effectLst/>
+                <a:latin typeface="Consolas" panose="020B0609020204030204" pitchFamily="49" charset="0"/>
+              </a:rPr>
+              <a:t>, </a:t>
+            </a:r>
+            <a:r>
+              <a:rPr lang="en-US" altLang="zh-TW" b="0" dirty="0">
+                <a:solidFill>
+                  <a:srgbClr val="0000FF"/>
+                </a:solidFill>
+                <a:effectLst/>
+                <a:latin typeface="Consolas" panose="020B0609020204030204" pitchFamily="49" charset="0"/>
+              </a:rPr>
+              <a:t>int</a:t>
+            </a:r>
+            <a:r>
+              <a:rPr lang="en-US" altLang="zh-TW" b="0" dirty="0">
+                <a:solidFill>
+                  <a:srgbClr val="000000"/>
+                </a:solidFill>
+                <a:effectLst/>
+                <a:latin typeface="Consolas" panose="020B0609020204030204" pitchFamily="49" charset="0"/>
+              </a:rPr>
+              <a:t> </a:t>
+            </a:r>
+            <a:r>
+              <a:rPr lang="en-US" altLang="zh-TW" b="0" dirty="0">
+                <a:solidFill>
+                  <a:srgbClr val="001080"/>
+                </a:solidFill>
+                <a:effectLst/>
+                <a:latin typeface="Consolas" panose="020B0609020204030204" pitchFamily="49" charset="0"/>
+              </a:rPr>
+              <a:t>b</a:t>
+            </a:r>
+            <a:r>
+              <a:rPr lang="en-US" altLang="zh-TW" b="0" dirty="0">
+                <a:solidFill>
+                  <a:srgbClr val="000000"/>
+                </a:solidFill>
+                <a:effectLst/>
+                <a:latin typeface="Consolas" panose="020B0609020204030204" pitchFamily="49" charset="0"/>
+              </a:rPr>
+              <a:t>) -&gt;</a:t>
+            </a:r>
+            <a:r>
+              <a:rPr lang="en-US" altLang="zh-TW" b="0" dirty="0">
+                <a:solidFill>
+                  <a:srgbClr val="0000FF"/>
+                </a:solidFill>
+                <a:effectLst/>
+                <a:latin typeface="Consolas" panose="020B0609020204030204" pitchFamily="49" charset="0"/>
+              </a:rPr>
+              <a:t> int</a:t>
+            </a:r>
+            <a:endParaRPr lang="en-US" altLang="zh-TW" b="0" dirty="0">
+              <a:solidFill>
+                <a:srgbClr val="000000"/>
+              </a:solidFill>
+              <a:effectLst/>
+              <a:latin typeface="Consolas" panose="020B0609020204030204" pitchFamily="49" charset="0"/>
+            </a:endParaRPr>
+          </a:p>
+          <a:p>
+            <a:r>
+              <a:rPr lang="en-US" altLang="zh-TW" b="0" dirty="0">
+                <a:solidFill>
+                  <a:srgbClr val="000000"/>
+                </a:solidFill>
+                <a:effectLst/>
+                <a:latin typeface="Consolas" panose="020B0609020204030204" pitchFamily="49" charset="0"/>
+              </a:rPr>
+              <a:t>    {</a:t>
+            </a:r>
+          </a:p>
+          <a:p>
+            <a:r>
+              <a:rPr lang="en-US" altLang="zh-TW" b="0" dirty="0">
+                <a:solidFill>
+                  <a:srgbClr val="000000"/>
+                </a:solidFill>
+                <a:effectLst/>
+                <a:latin typeface="Consolas" panose="020B0609020204030204" pitchFamily="49" charset="0"/>
+              </a:rPr>
+              <a:t>        </a:t>
+            </a:r>
+            <a:r>
+              <a:rPr lang="en-US" altLang="zh-TW" b="0" dirty="0">
+                <a:solidFill>
+                  <a:srgbClr val="AF00DB"/>
+                </a:solidFill>
+                <a:effectLst/>
+                <a:latin typeface="Consolas" panose="020B0609020204030204" pitchFamily="49" charset="0"/>
+              </a:rPr>
+              <a:t>return</a:t>
+            </a:r>
+            <a:r>
+              <a:rPr lang="en-US" altLang="zh-TW" b="0" dirty="0">
+                <a:solidFill>
+                  <a:srgbClr val="000000"/>
+                </a:solidFill>
+                <a:effectLst/>
+                <a:latin typeface="Consolas" panose="020B0609020204030204" pitchFamily="49" charset="0"/>
+              </a:rPr>
+              <a:t> </a:t>
+            </a:r>
+            <a:r>
+              <a:rPr lang="en-US" altLang="zh-TW" b="0" dirty="0" err="1">
+                <a:solidFill>
+                  <a:srgbClr val="001080"/>
+                </a:solidFill>
+                <a:effectLst/>
+                <a:latin typeface="Consolas" panose="020B0609020204030204" pitchFamily="49" charset="0"/>
+              </a:rPr>
+              <a:t>i</a:t>
+            </a:r>
+            <a:r>
+              <a:rPr lang="en-US" altLang="zh-TW" b="0" dirty="0">
+                <a:solidFill>
+                  <a:srgbClr val="000000"/>
+                </a:solidFill>
+                <a:effectLst/>
+                <a:latin typeface="Consolas" panose="020B0609020204030204" pitchFamily="49" charset="0"/>
+              </a:rPr>
+              <a:t> + </a:t>
+            </a:r>
+            <a:r>
+              <a:rPr lang="en-US" altLang="zh-TW" b="0" dirty="0">
+                <a:solidFill>
+                  <a:srgbClr val="001080"/>
+                </a:solidFill>
+                <a:effectLst/>
+                <a:latin typeface="Consolas" panose="020B0609020204030204" pitchFamily="49" charset="0"/>
+              </a:rPr>
+              <a:t>a</a:t>
+            </a:r>
+            <a:r>
+              <a:rPr lang="en-US" altLang="zh-TW" b="0" dirty="0">
+                <a:solidFill>
+                  <a:srgbClr val="000000"/>
+                </a:solidFill>
+                <a:effectLst/>
+                <a:latin typeface="Consolas" panose="020B0609020204030204" pitchFamily="49" charset="0"/>
+              </a:rPr>
+              <a:t> + </a:t>
+            </a:r>
+            <a:r>
+              <a:rPr lang="en-US" altLang="zh-TW" b="0" dirty="0">
+                <a:solidFill>
+                  <a:srgbClr val="001080"/>
+                </a:solidFill>
+                <a:effectLst/>
+                <a:latin typeface="Consolas" panose="020B0609020204030204" pitchFamily="49" charset="0"/>
+              </a:rPr>
+              <a:t>b</a:t>
+            </a:r>
+            <a:r>
+              <a:rPr lang="en-US" altLang="zh-TW" b="0" dirty="0">
+                <a:solidFill>
+                  <a:srgbClr val="000000"/>
+                </a:solidFill>
+                <a:effectLst/>
+                <a:latin typeface="Consolas" panose="020B0609020204030204" pitchFamily="49" charset="0"/>
+              </a:rPr>
+              <a:t>;</a:t>
+            </a:r>
+          </a:p>
+          <a:p>
+            <a:r>
+              <a:rPr lang="en-US" altLang="zh-TW" b="0" dirty="0">
+                <a:solidFill>
+                  <a:srgbClr val="000000"/>
+                </a:solidFill>
+                <a:effectLst/>
+                <a:latin typeface="Consolas" panose="020B0609020204030204" pitchFamily="49" charset="0"/>
+              </a:rPr>
+              <a:t>    };</a:t>
+            </a:r>
+            <a:br>
+              <a:rPr lang="en-US" altLang="zh-TW" b="0" dirty="0">
+                <a:solidFill>
+                  <a:srgbClr val="000000"/>
+                </a:solidFill>
+                <a:effectLst/>
+                <a:latin typeface="Consolas" panose="020B0609020204030204" pitchFamily="49" charset="0"/>
+              </a:rPr>
+            </a:br>
+            <a:r>
+              <a:rPr lang="en-US" altLang="zh-TW" b="0" dirty="0">
+                <a:solidFill>
+                  <a:srgbClr val="000000"/>
+                </a:solidFill>
+                <a:effectLst/>
+                <a:latin typeface="Consolas" panose="020B0609020204030204" pitchFamily="49" charset="0"/>
+              </a:rPr>
+              <a:t>    </a:t>
+            </a:r>
+            <a:r>
+              <a:rPr lang="en-US" altLang="zh-TW" b="0" dirty="0">
+                <a:solidFill>
+                  <a:srgbClr val="0000FF"/>
+                </a:solidFill>
+                <a:effectLst/>
+                <a:latin typeface="Consolas" panose="020B0609020204030204" pitchFamily="49" charset="0"/>
+              </a:rPr>
+              <a:t>auto</a:t>
+            </a:r>
+            <a:r>
+              <a:rPr lang="en-US" altLang="zh-TW" b="0" dirty="0">
+                <a:solidFill>
+                  <a:srgbClr val="000000"/>
+                </a:solidFill>
+                <a:effectLst/>
+                <a:latin typeface="Consolas" panose="020B0609020204030204" pitchFamily="49" charset="0"/>
+              </a:rPr>
+              <a:t> </a:t>
+            </a:r>
+            <a:r>
+              <a:rPr lang="en-US" altLang="zh-TW" b="0" dirty="0">
+                <a:solidFill>
+                  <a:srgbClr val="001080"/>
+                </a:solidFill>
+                <a:effectLst/>
+                <a:latin typeface="Consolas" panose="020B0609020204030204" pitchFamily="49" charset="0"/>
+              </a:rPr>
+              <a:t>g</a:t>
+            </a:r>
+            <a:r>
+              <a:rPr lang="en-US" altLang="zh-TW" b="0" dirty="0">
+                <a:solidFill>
+                  <a:srgbClr val="000000"/>
+                </a:solidFill>
+                <a:effectLst/>
+                <a:latin typeface="Consolas" panose="020B0609020204030204" pitchFamily="49" charset="0"/>
+              </a:rPr>
+              <a:t> = [&amp;](</a:t>
+            </a:r>
+            <a:r>
+              <a:rPr lang="en-US" altLang="zh-TW" b="0" dirty="0">
+                <a:solidFill>
+                  <a:srgbClr val="0000FF"/>
+                </a:solidFill>
+                <a:effectLst/>
+                <a:latin typeface="Consolas" panose="020B0609020204030204" pitchFamily="49" charset="0"/>
+              </a:rPr>
+              <a:t>int</a:t>
+            </a:r>
+            <a:r>
+              <a:rPr lang="en-US" altLang="zh-TW" b="0" dirty="0">
+                <a:solidFill>
+                  <a:srgbClr val="000000"/>
+                </a:solidFill>
+                <a:effectLst/>
+                <a:latin typeface="Consolas" panose="020B0609020204030204" pitchFamily="49" charset="0"/>
+              </a:rPr>
+              <a:t> </a:t>
+            </a:r>
+            <a:r>
+              <a:rPr lang="en-US" altLang="zh-TW" b="0" dirty="0">
+                <a:solidFill>
+                  <a:srgbClr val="001080"/>
+                </a:solidFill>
+                <a:effectLst/>
+                <a:latin typeface="Consolas" panose="020B0609020204030204" pitchFamily="49" charset="0"/>
+              </a:rPr>
+              <a:t>a</a:t>
+            </a:r>
+            <a:r>
+              <a:rPr lang="en-US" altLang="zh-TW" b="0" dirty="0">
+                <a:solidFill>
+                  <a:srgbClr val="000000"/>
+                </a:solidFill>
+                <a:effectLst/>
+                <a:latin typeface="Consolas" panose="020B0609020204030204" pitchFamily="49" charset="0"/>
+              </a:rPr>
+              <a:t>, </a:t>
+            </a:r>
+            <a:r>
+              <a:rPr lang="en-US" altLang="zh-TW" b="0" dirty="0">
+                <a:solidFill>
+                  <a:srgbClr val="0000FF"/>
+                </a:solidFill>
+                <a:effectLst/>
+                <a:latin typeface="Consolas" panose="020B0609020204030204" pitchFamily="49" charset="0"/>
+              </a:rPr>
+              <a:t>int</a:t>
+            </a:r>
+            <a:r>
+              <a:rPr lang="en-US" altLang="zh-TW" b="0" dirty="0">
+                <a:solidFill>
+                  <a:srgbClr val="000000"/>
+                </a:solidFill>
+                <a:effectLst/>
+                <a:latin typeface="Consolas" panose="020B0609020204030204" pitchFamily="49" charset="0"/>
+              </a:rPr>
+              <a:t> </a:t>
+            </a:r>
+            <a:r>
+              <a:rPr lang="en-US" altLang="zh-TW" b="0" dirty="0">
+                <a:solidFill>
+                  <a:srgbClr val="001080"/>
+                </a:solidFill>
+                <a:effectLst/>
+                <a:latin typeface="Consolas" panose="020B0609020204030204" pitchFamily="49" charset="0"/>
+              </a:rPr>
+              <a:t>b</a:t>
+            </a:r>
+            <a:r>
+              <a:rPr lang="en-US" altLang="zh-TW" b="0" dirty="0">
+                <a:solidFill>
+                  <a:srgbClr val="000000"/>
+                </a:solidFill>
+                <a:effectLst/>
+                <a:latin typeface="Consolas" panose="020B0609020204030204" pitchFamily="49" charset="0"/>
+              </a:rPr>
+              <a:t>) -&gt;</a:t>
+            </a:r>
+            <a:r>
+              <a:rPr lang="en-US" altLang="zh-TW" b="0" dirty="0">
+                <a:solidFill>
+                  <a:srgbClr val="0000FF"/>
+                </a:solidFill>
+                <a:effectLst/>
+                <a:latin typeface="Consolas" panose="020B0609020204030204" pitchFamily="49" charset="0"/>
+              </a:rPr>
+              <a:t> int</a:t>
+            </a:r>
+            <a:endParaRPr lang="en-US" altLang="zh-TW" b="0" dirty="0">
+              <a:solidFill>
+                <a:srgbClr val="000000"/>
+              </a:solidFill>
+              <a:effectLst/>
+              <a:latin typeface="Consolas" panose="020B0609020204030204" pitchFamily="49" charset="0"/>
+            </a:endParaRPr>
+          </a:p>
+          <a:p>
+            <a:r>
+              <a:rPr lang="en-US" altLang="zh-TW" b="0" dirty="0">
+                <a:solidFill>
+                  <a:srgbClr val="000000"/>
+                </a:solidFill>
+                <a:effectLst/>
+                <a:latin typeface="Consolas" panose="020B0609020204030204" pitchFamily="49" charset="0"/>
+              </a:rPr>
+              <a:t>    {</a:t>
+            </a:r>
+          </a:p>
+          <a:p>
+            <a:r>
+              <a:rPr lang="en-US" altLang="zh-TW" b="0" dirty="0">
+                <a:solidFill>
+                  <a:srgbClr val="000000"/>
+                </a:solidFill>
+                <a:effectLst/>
+                <a:latin typeface="Consolas" panose="020B0609020204030204" pitchFamily="49" charset="0"/>
+              </a:rPr>
+              <a:t>        </a:t>
+            </a:r>
+            <a:r>
+              <a:rPr lang="en-US" altLang="zh-TW" b="0" dirty="0" err="1">
+                <a:solidFill>
+                  <a:srgbClr val="001080"/>
+                </a:solidFill>
+                <a:effectLst/>
+                <a:latin typeface="Consolas" panose="020B0609020204030204" pitchFamily="49" charset="0"/>
+              </a:rPr>
+              <a:t>i</a:t>
+            </a:r>
+            <a:r>
+              <a:rPr lang="en-US" altLang="zh-TW" b="0" dirty="0">
+                <a:solidFill>
+                  <a:srgbClr val="000000"/>
+                </a:solidFill>
+                <a:effectLst/>
+                <a:latin typeface="Consolas" panose="020B0609020204030204" pitchFamily="49" charset="0"/>
+              </a:rPr>
+              <a:t> = </a:t>
+            </a:r>
+            <a:r>
+              <a:rPr lang="en-US" altLang="zh-TW" b="0" dirty="0" err="1">
+                <a:solidFill>
+                  <a:srgbClr val="001080"/>
+                </a:solidFill>
+                <a:effectLst/>
+                <a:latin typeface="Consolas" panose="020B0609020204030204" pitchFamily="49" charset="0"/>
+              </a:rPr>
+              <a:t>i</a:t>
+            </a:r>
+            <a:r>
+              <a:rPr lang="en-US" altLang="zh-TW" b="0" dirty="0">
+                <a:solidFill>
+                  <a:srgbClr val="000000"/>
+                </a:solidFill>
+                <a:effectLst/>
+                <a:latin typeface="Consolas" panose="020B0609020204030204" pitchFamily="49" charset="0"/>
+              </a:rPr>
+              <a:t> + </a:t>
+            </a:r>
+            <a:r>
+              <a:rPr lang="en-US" altLang="zh-TW" b="0" dirty="0">
+                <a:solidFill>
+                  <a:srgbClr val="001080"/>
+                </a:solidFill>
+                <a:effectLst/>
+                <a:latin typeface="Consolas" panose="020B0609020204030204" pitchFamily="49" charset="0"/>
+              </a:rPr>
+              <a:t>a</a:t>
+            </a:r>
+            <a:r>
+              <a:rPr lang="en-US" altLang="zh-TW" b="0" dirty="0">
+                <a:solidFill>
+                  <a:srgbClr val="000000"/>
+                </a:solidFill>
+                <a:effectLst/>
+                <a:latin typeface="Consolas" panose="020B0609020204030204" pitchFamily="49" charset="0"/>
+              </a:rPr>
+              <a:t> + </a:t>
+            </a:r>
+            <a:r>
+              <a:rPr lang="en-US" altLang="zh-TW" b="0" dirty="0">
+                <a:solidFill>
+                  <a:srgbClr val="001080"/>
+                </a:solidFill>
+                <a:effectLst/>
+                <a:latin typeface="Consolas" panose="020B0609020204030204" pitchFamily="49" charset="0"/>
+              </a:rPr>
+              <a:t>b</a:t>
+            </a:r>
+            <a:r>
+              <a:rPr lang="en-US" altLang="zh-TW" b="0" dirty="0">
+                <a:solidFill>
+                  <a:srgbClr val="000000"/>
+                </a:solidFill>
+                <a:effectLst/>
+                <a:latin typeface="Consolas" panose="020B0609020204030204" pitchFamily="49" charset="0"/>
+              </a:rPr>
+              <a:t>;</a:t>
+            </a:r>
+          </a:p>
+          <a:p>
+            <a:r>
+              <a:rPr lang="en-US" altLang="zh-TW" b="0" dirty="0">
+                <a:solidFill>
+                  <a:srgbClr val="000000"/>
+                </a:solidFill>
+                <a:effectLst/>
+                <a:latin typeface="Consolas" panose="020B0609020204030204" pitchFamily="49" charset="0"/>
+              </a:rPr>
+              <a:t>        </a:t>
+            </a:r>
+            <a:r>
+              <a:rPr lang="en-US" altLang="zh-TW" b="0" dirty="0">
+                <a:solidFill>
+                  <a:srgbClr val="AF00DB"/>
+                </a:solidFill>
+                <a:effectLst/>
+                <a:latin typeface="Consolas" panose="020B0609020204030204" pitchFamily="49" charset="0"/>
+              </a:rPr>
+              <a:t>return</a:t>
+            </a:r>
+            <a:r>
+              <a:rPr lang="en-US" altLang="zh-TW" b="0" dirty="0">
+                <a:solidFill>
+                  <a:srgbClr val="000000"/>
+                </a:solidFill>
+                <a:effectLst/>
+                <a:latin typeface="Consolas" panose="020B0609020204030204" pitchFamily="49" charset="0"/>
+              </a:rPr>
+              <a:t> </a:t>
+            </a:r>
+            <a:r>
+              <a:rPr lang="en-US" altLang="zh-TW" b="0" dirty="0" err="1">
+                <a:solidFill>
+                  <a:srgbClr val="001080"/>
+                </a:solidFill>
+                <a:effectLst/>
+                <a:latin typeface="Consolas" panose="020B0609020204030204" pitchFamily="49" charset="0"/>
+              </a:rPr>
+              <a:t>i</a:t>
+            </a:r>
+            <a:r>
+              <a:rPr lang="en-US" altLang="zh-TW" b="0" dirty="0">
+                <a:solidFill>
+                  <a:srgbClr val="000000"/>
+                </a:solidFill>
+                <a:effectLst/>
+                <a:latin typeface="Consolas" panose="020B0609020204030204" pitchFamily="49" charset="0"/>
+              </a:rPr>
+              <a:t>;</a:t>
+            </a:r>
+          </a:p>
+          <a:p>
+            <a:r>
+              <a:rPr lang="en-US" altLang="zh-TW" b="0" dirty="0">
+                <a:solidFill>
+                  <a:srgbClr val="000000"/>
+                </a:solidFill>
+                <a:effectLst/>
+                <a:latin typeface="Consolas" panose="020B0609020204030204" pitchFamily="49" charset="0"/>
+              </a:rPr>
+              <a:t>    };</a:t>
+            </a:r>
+            <a:br>
+              <a:rPr lang="en-US" altLang="zh-TW" b="0" dirty="0">
+                <a:solidFill>
+                  <a:srgbClr val="000000"/>
+                </a:solidFill>
+                <a:effectLst/>
+                <a:latin typeface="Consolas" panose="020B0609020204030204" pitchFamily="49" charset="0"/>
+              </a:rPr>
+            </a:br>
+            <a:r>
+              <a:rPr lang="en-US" altLang="zh-TW" b="0" dirty="0">
+                <a:solidFill>
+                  <a:srgbClr val="000000"/>
+                </a:solidFill>
+                <a:effectLst/>
+                <a:latin typeface="Consolas" panose="020B0609020204030204" pitchFamily="49" charset="0"/>
+              </a:rPr>
+              <a:t>    </a:t>
+            </a:r>
+            <a:r>
+              <a:rPr lang="en-US" altLang="zh-TW" b="0" dirty="0">
+                <a:solidFill>
+                  <a:srgbClr val="267F99"/>
+                </a:solidFill>
+                <a:effectLst/>
+                <a:latin typeface="Consolas" panose="020B0609020204030204" pitchFamily="49" charset="0"/>
+              </a:rPr>
+              <a:t>std</a:t>
+            </a:r>
+            <a:r>
+              <a:rPr lang="en-US" altLang="zh-TW" b="0" dirty="0">
+                <a:solidFill>
+                  <a:srgbClr val="000000"/>
+                </a:solidFill>
+                <a:effectLst/>
+                <a:latin typeface="Consolas" panose="020B0609020204030204" pitchFamily="49" charset="0"/>
+              </a:rPr>
+              <a:t>::</a:t>
+            </a:r>
+            <a:r>
+              <a:rPr lang="en-US" altLang="zh-TW" b="0" dirty="0" err="1">
+                <a:solidFill>
+                  <a:srgbClr val="001080"/>
+                </a:solidFill>
+                <a:effectLst/>
+                <a:latin typeface="Consolas" panose="020B0609020204030204" pitchFamily="49" charset="0"/>
+              </a:rPr>
+              <a:t>cout</a:t>
+            </a:r>
+            <a:r>
+              <a:rPr lang="en-US" altLang="zh-TW" b="0" dirty="0">
+                <a:solidFill>
+                  <a:srgbClr val="000000"/>
+                </a:solidFill>
+                <a:effectLst/>
+                <a:latin typeface="Consolas" panose="020B0609020204030204" pitchFamily="49" charset="0"/>
+              </a:rPr>
+              <a:t> </a:t>
+            </a:r>
+            <a:r>
+              <a:rPr lang="en-US" altLang="zh-TW" b="0" dirty="0">
+                <a:solidFill>
+                  <a:srgbClr val="795E26"/>
+                </a:solidFill>
+                <a:effectLst/>
+                <a:latin typeface="Consolas" panose="020B0609020204030204" pitchFamily="49" charset="0"/>
+              </a:rPr>
+              <a:t>&lt;&lt;</a:t>
+            </a:r>
+            <a:r>
+              <a:rPr lang="en-US" altLang="zh-TW" b="0" dirty="0">
+                <a:solidFill>
+                  <a:srgbClr val="000000"/>
+                </a:solidFill>
+                <a:effectLst/>
+                <a:latin typeface="Consolas" panose="020B0609020204030204" pitchFamily="49" charset="0"/>
+              </a:rPr>
+              <a:t> </a:t>
+            </a:r>
+            <a:r>
+              <a:rPr lang="en-US" altLang="zh-TW" b="0" dirty="0">
+                <a:solidFill>
+                  <a:srgbClr val="001080"/>
+                </a:solidFill>
+                <a:effectLst/>
+                <a:latin typeface="Consolas" panose="020B0609020204030204" pitchFamily="49" charset="0"/>
+              </a:rPr>
+              <a:t>f</a:t>
+            </a:r>
+            <a:r>
+              <a:rPr lang="en-US" altLang="zh-TW" b="0" dirty="0">
+                <a:solidFill>
+                  <a:srgbClr val="000000"/>
+                </a:solidFill>
+                <a:effectLst/>
+                <a:latin typeface="Consolas" panose="020B0609020204030204" pitchFamily="49" charset="0"/>
+              </a:rPr>
+              <a:t>(</a:t>
+            </a:r>
+            <a:r>
+              <a:rPr lang="en-US" altLang="zh-TW" b="0" dirty="0">
+                <a:solidFill>
+                  <a:srgbClr val="098658"/>
+                </a:solidFill>
+                <a:effectLst/>
+                <a:latin typeface="Consolas" panose="020B0609020204030204" pitchFamily="49" charset="0"/>
+              </a:rPr>
+              <a:t>10</a:t>
+            </a:r>
+            <a:r>
+              <a:rPr lang="en-US" altLang="zh-TW" b="0" dirty="0">
+                <a:solidFill>
+                  <a:srgbClr val="000000"/>
+                </a:solidFill>
+                <a:effectLst/>
+                <a:latin typeface="Consolas" panose="020B0609020204030204" pitchFamily="49" charset="0"/>
+              </a:rPr>
+              <a:t>, </a:t>
+            </a:r>
+            <a:r>
+              <a:rPr lang="en-US" altLang="zh-TW" b="0" dirty="0">
+                <a:solidFill>
+                  <a:srgbClr val="098658"/>
+                </a:solidFill>
+                <a:effectLst/>
+                <a:latin typeface="Consolas" panose="020B0609020204030204" pitchFamily="49" charset="0"/>
+              </a:rPr>
+              <a:t>5</a:t>
+            </a:r>
+            <a:r>
+              <a:rPr lang="en-US" altLang="zh-TW" b="0" dirty="0">
+                <a:solidFill>
+                  <a:srgbClr val="000000"/>
+                </a:solidFill>
+                <a:effectLst/>
+                <a:latin typeface="Consolas" panose="020B0609020204030204" pitchFamily="49" charset="0"/>
+              </a:rPr>
+              <a:t>) </a:t>
+            </a:r>
+            <a:r>
+              <a:rPr lang="en-US" altLang="zh-TW" b="0" dirty="0">
+                <a:solidFill>
+                  <a:srgbClr val="795E26"/>
+                </a:solidFill>
+                <a:effectLst/>
+                <a:latin typeface="Consolas" panose="020B0609020204030204" pitchFamily="49" charset="0"/>
+              </a:rPr>
+              <a:t>&lt;&lt;</a:t>
+            </a:r>
+            <a:r>
+              <a:rPr lang="en-US" altLang="zh-TW" b="0" dirty="0">
+                <a:solidFill>
+                  <a:srgbClr val="000000"/>
+                </a:solidFill>
+                <a:effectLst/>
+                <a:latin typeface="Consolas" panose="020B0609020204030204" pitchFamily="49" charset="0"/>
+              </a:rPr>
+              <a:t> </a:t>
+            </a:r>
+            <a:r>
+              <a:rPr lang="en-US" altLang="zh-TW" b="0" dirty="0">
+                <a:solidFill>
+                  <a:srgbClr val="A31515"/>
+                </a:solidFill>
+                <a:effectLst/>
+                <a:latin typeface="Consolas" panose="020B0609020204030204" pitchFamily="49" charset="0"/>
+              </a:rPr>
+              <a:t>", </a:t>
+            </a:r>
+            <a:r>
+              <a:rPr lang="en-US" altLang="zh-TW" b="0" dirty="0" err="1">
+                <a:solidFill>
+                  <a:srgbClr val="A31515"/>
+                </a:solidFill>
+                <a:effectLst/>
+                <a:latin typeface="Consolas" panose="020B0609020204030204" pitchFamily="49" charset="0"/>
+              </a:rPr>
+              <a:t>i</a:t>
+            </a:r>
+            <a:r>
+              <a:rPr lang="en-US" altLang="zh-TW" b="0" dirty="0">
+                <a:solidFill>
+                  <a:srgbClr val="A31515"/>
+                </a:solidFill>
+                <a:effectLst/>
+                <a:latin typeface="Consolas" panose="020B0609020204030204" pitchFamily="49" charset="0"/>
+              </a:rPr>
+              <a:t>="</a:t>
+            </a:r>
+            <a:r>
+              <a:rPr lang="en-US" altLang="zh-TW" b="0" dirty="0">
+                <a:solidFill>
+                  <a:srgbClr val="000000"/>
+                </a:solidFill>
+                <a:effectLst/>
+                <a:latin typeface="Consolas" panose="020B0609020204030204" pitchFamily="49" charset="0"/>
+              </a:rPr>
+              <a:t> </a:t>
+            </a:r>
+            <a:r>
+              <a:rPr lang="en-US" altLang="zh-TW" b="0" dirty="0">
+                <a:solidFill>
+                  <a:srgbClr val="795E26"/>
+                </a:solidFill>
+                <a:effectLst/>
+                <a:latin typeface="Consolas" panose="020B0609020204030204" pitchFamily="49" charset="0"/>
+              </a:rPr>
+              <a:t>&lt;&lt;</a:t>
+            </a:r>
+            <a:r>
+              <a:rPr lang="en-US" altLang="zh-TW" b="0" dirty="0">
+                <a:solidFill>
+                  <a:srgbClr val="000000"/>
+                </a:solidFill>
+                <a:effectLst/>
+                <a:latin typeface="Consolas" panose="020B0609020204030204" pitchFamily="49" charset="0"/>
+              </a:rPr>
+              <a:t> </a:t>
+            </a:r>
+            <a:r>
+              <a:rPr lang="en-US" altLang="zh-TW" b="0" dirty="0" err="1">
+                <a:solidFill>
+                  <a:srgbClr val="001080"/>
+                </a:solidFill>
+                <a:effectLst/>
+                <a:latin typeface="Consolas" panose="020B0609020204030204" pitchFamily="49" charset="0"/>
+              </a:rPr>
+              <a:t>i</a:t>
+            </a:r>
+            <a:r>
+              <a:rPr lang="en-US" altLang="zh-TW" b="0" dirty="0">
+                <a:solidFill>
+                  <a:srgbClr val="000000"/>
+                </a:solidFill>
+                <a:effectLst/>
+                <a:latin typeface="Consolas" panose="020B0609020204030204" pitchFamily="49" charset="0"/>
+              </a:rPr>
+              <a:t> </a:t>
+            </a:r>
+            <a:r>
+              <a:rPr lang="en-US" altLang="zh-TW" b="0" dirty="0">
+                <a:solidFill>
+                  <a:srgbClr val="795E26"/>
+                </a:solidFill>
+                <a:effectLst/>
+                <a:latin typeface="Consolas" panose="020B0609020204030204" pitchFamily="49" charset="0"/>
+              </a:rPr>
+              <a:t>&lt;&lt;</a:t>
+            </a:r>
+            <a:r>
+              <a:rPr lang="en-US" altLang="zh-TW" b="0" dirty="0">
+                <a:solidFill>
+                  <a:srgbClr val="000000"/>
+                </a:solidFill>
+                <a:effectLst/>
+                <a:latin typeface="Consolas" panose="020B0609020204030204" pitchFamily="49" charset="0"/>
+              </a:rPr>
+              <a:t> </a:t>
+            </a:r>
+            <a:r>
+              <a:rPr lang="en-US" altLang="zh-TW" b="0" dirty="0">
+                <a:solidFill>
+                  <a:srgbClr val="A31515"/>
+                </a:solidFill>
+                <a:effectLst/>
+                <a:latin typeface="Consolas" panose="020B0609020204030204" pitchFamily="49" charset="0"/>
+              </a:rPr>
+              <a:t>"</a:t>
+            </a:r>
+            <a:r>
+              <a:rPr lang="en-US" altLang="zh-TW" b="0" dirty="0">
+                <a:solidFill>
+                  <a:srgbClr val="EE0000"/>
+                </a:solidFill>
+                <a:effectLst/>
+                <a:latin typeface="Consolas" panose="020B0609020204030204" pitchFamily="49" charset="0"/>
+              </a:rPr>
+              <a:t>\n</a:t>
+            </a:r>
+            <a:r>
+              <a:rPr lang="en-US" altLang="zh-TW" b="0" dirty="0">
+                <a:solidFill>
+                  <a:srgbClr val="A31515"/>
+                </a:solidFill>
+                <a:effectLst/>
+                <a:latin typeface="Consolas" panose="020B0609020204030204" pitchFamily="49" charset="0"/>
+              </a:rPr>
+              <a:t>"</a:t>
+            </a:r>
+            <a:r>
+              <a:rPr lang="en-US" altLang="zh-TW" b="0" dirty="0">
+                <a:solidFill>
+                  <a:srgbClr val="000000"/>
+                </a:solidFill>
+                <a:effectLst/>
+                <a:latin typeface="Consolas" panose="020B0609020204030204" pitchFamily="49" charset="0"/>
+              </a:rPr>
+              <a:t>;</a:t>
+            </a:r>
+          </a:p>
+          <a:p>
+            <a:r>
+              <a:rPr lang="en-US" altLang="zh-TW" b="0" dirty="0">
+                <a:solidFill>
+                  <a:srgbClr val="000000"/>
+                </a:solidFill>
+                <a:effectLst/>
+                <a:latin typeface="Consolas" panose="020B0609020204030204" pitchFamily="49" charset="0"/>
+              </a:rPr>
+              <a:t>    </a:t>
+            </a:r>
+            <a:r>
+              <a:rPr lang="en-US" altLang="zh-TW" b="0" dirty="0">
+                <a:solidFill>
+                  <a:srgbClr val="267F99"/>
+                </a:solidFill>
+                <a:effectLst/>
+                <a:latin typeface="Consolas" panose="020B0609020204030204" pitchFamily="49" charset="0"/>
+              </a:rPr>
+              <a:t>std</a:t>
+            </a:r>
+            <a:r>
+              <a:rPr lang="en-US" altLang="zh-TW" b="0" dirty="0">
+                <a:solidFill>
+                  <a:srgbClr val="000000"/>
+                </a:solidFill>
+                <a:effectLst/>
+                <a:latin typeface="Consolas" panose="020B0609020204030204" pitchFamily="49" charset="0"/>
+              </a:rPr>
+              <a:t>::</a:t>
+            </a:r>
+            <a:r>
+              <a:rPr lang="en-US" altLang="zh-TW" b="0" dirty="0" err="1">
+                <a:solidFill>
+                  <a:srgbClr val="001080"/>
+                </a:solidFill>
+                <a:effectLst/>
+                <a:latin typeface="Consolas" panose="020B0609020204030204" pitchFamily="49" charset="0"/>
+              </a:rPr>
+              <a:t>cout</a:t>
+            </a:r>
+            <a:r>
+              <a:rPr lang="en-US" altLang="zh-TW" b="0" dirty="0">
+                <a:solidFill>
+                  <a:srgbClr val="000000"/>
+                </a:solidFill>
+                <a:effectLst/>
+                <a:latin typeface="Consolas" panose="020B0609020204030204" pitchFamily="49" charset="0"/>
+              </a:rPr>
+              <a:t> </a:t>
+            </a:r>
+            <a:r>
+              <a:rPr lang="en-US" altLang="zh-TW" b="0" dirty="0">
+                <a:solidFill>
+                  <a:srgbClr val="795E26"/>
+                </a:solidFill>
+                <a:effectLst/>
+                <a:latin typeface="Consolas" panose="020B0609020204030204" pitchFamily="49" charset="0"/>
+              </a:rPr>
+              <a:t>&lt;&lt;</a:t>
+            </a:r>
+            <a:r>
+              <a:rPr lang="en-US" altLang="zh-TW" b="0" dirty="0">
+                <a:solidFill>
+                  <a:srgbClr val="000000"/>
+                </a:solidFill>
+                <a:effectLst/>
+                <a:latin typeface="Consolas" panose="020B0609020204030204" pitchFamily="49" charset="0"/>
+              </a:rPr>
+              <a:t> </a:t>
+            </a:r>
+            <a:r>
+              <a:rPr lang="en-US" altLang="zh-TW" b="0" dirty="0">
+                <a:solidFill>
+                  <a:srgbClr val="001080"/>
+                </a:solidFill>
+                <a:effectLst/>
+                <a:latin typeface="Consolas" panose="020B0609020204030204" pitchFamily="49" charset="0"/>
+              </a:rPr>
+              <a:t>g</a:t>
+            </a:r>
+            <a:r>
+              <a:rPr lang="en-US" altLang="zh-TW" b="0" dirty="0">
+                <a:solidFill>
+                  <a:srgbClr val="000000"/>
+                </a:solidFill>
+                <a:effectLst/>
+                <a:latin typeface="Consolas" panose="020B0609020204030204" pitchFamily="49" charset="0"/>
+              </a:rPr>
+              <a:t>(</a:t>
+            </a:r>
+            <a:r>
+              <a:rPr lang="en-US" altLang="zh-TW" b="0" dirty="0">
+                <a:solidFill>
+                  <a:srgbClr val="098658"/>
+                </a:solidFill>
+                <a:effectLst/>
+                <a:latin typeface="Consolas" panose="020B0609020204030204" pitchFamily="49" charset="0"/>
+              </a:rPr>
+              <a:t>10</a:t>
+            </a:r>
+            <a:r>
+              <a:rPr lang="en-US" altLang="zh-TW" b="0" dirty="0">
+                <a:solidFill>
+                  <a:srgbClr val="000000"/>
+                </a:solidFill>
+                <a:effectLst/>
+                <a:latin typeface="Consolas" panose="020B0609020204030204" pitchFamily="49" charset="0"/>
+              </a:rPr>
+              <a:t>, </a:t>
+            </a:r>
+            <a:r>
+              <a:rPr lang="en-US" altLang="zh-TW" b="0" dirty="0">
+                <a:solidFill>
+                  <a:srgbClr val="098658"/>
+                </a:solidFill>
+                <a:effectLst/>
+                <a:latin typeface="Consolas" panose="020B0609020204030204" pitchFamily="49" charset="0"/>
+              </a:rPr>
+              <a:t>5</a:t>
+            </a:r>
+            <a:r>
+              <a:rPr lang="en-US" altLang="zh-TW" b="0" dirty="0">
+                <a:solidFill>
+                  <a:srgbClr val="000000"/>
+                </a:solidFill>
+                <a:effectLst/>
+                <a:latin typeface="Consolas" panose="020B0609020204030204" pitchFamily="49" charset="0"/>
+              </a:rPr>
+              <a:t>) </a:t>
+            </a:r>
+            <a:r>
+              <a:rPr lang="en-US" altLang="zh-TW" b="0" dirty="0">
+                <a:solidFill>
+                  <a:srgbClr val="795E26"/>
+                </a:solidFill>
+                <a:effectLst/>
+                <a:latin typeface="Consolas" panose="020B0609020204030204" pitchFamily="49" charset="0"/>
+              </a:rPr>
+              <a:t>&lt;&lt;</a:t>
+            </a:r>
+            <a:r>
+              <a:rPr lang="en-US" altLang="zh-TW" b="0" dirty="0">
+                <a:solidFill>
+                  <a:srgbClr val="000000"/>
+                </a:solidFill>
+                <a:effectLst/>
+                <a:latin typeface="Consolas" panose="020B0609020204030204" pitchFamily="49" charset="0"/>
+              </a:rPr>
+              <a:t> </a:t>
+            </a:r>
+            <a:r>
+              <a:rPr lang="en-US" altLang="zh-TW" b="0" dirty="0">
+                <a:solidFill>
+                  <a:srgbClr val="A31515"/>
+                </a:solidFill>
+                <a:effectLst/>
+                <a:latin typeface="Consolas" panose="020B0609020204030204" pitchFamily="49" charset="0"/>
+              </a:rPr>
+              <a:t>", </a:t>
+            </a:r>
+            <a:r>
+              <a:rPr lang="en-US" altLang="zh-TW" b="0" dirty="0" err="1">
+                <a:solidFill>
+                  <a:srgbClr val="A31515"/>
+                </a:solidFill>
+                <a:effectLst/>
+                <a:latin typeface="Consolas" panose="020B0609020204030204" pitchFamily="49" charset="0"/>
+              </a:rPr>
+              <a:t>i</a:t>
+            </a:r>
+            <a:r>
+              <a:rPr lang="en-US" altLang="zh-TW" b="0" dirty="0">
+                <a:solidFill>
+                  <a:srgbClr val="A31515"/>
+                </a:solidFill>
+                <a:effectLst/>
+                <a:latin typeface="Consolas" panose="020B0609020204030204" pitchFamily="49" charset="0"/>
+              </a:rPr>
+              <a:t>="</a:t>
+            </a:r>
+            <a:r>
+              <a:rPr lang="en-US" altLang="zh-TW" b="0" dirty="0">
+                <a:solidFill>
+                  <a:srgbClr val="000000"/>
+                </a:solidFill>
+                <a:effectLst/>
+                <a:latin typeface="Consolas" panose="020B0609020204030204" pitchFamily="49" charset="0"/>
+              </a:rPr>
+              <a:t> </a:t>
+            </a:r>
+            <a:r>
+              <a:rPr lang="en-US" altLang="zh-TW" b="0" dirty="0">
+                <a:solidFill>
+                  <a:srgbClr val="795E26"/>
+                </a:solidFill>
+                <a:effectLst/>
+                <a:latin typeface="Consolas" panose="020B0609020204030204" pitchFamily="49" charset="0"/>
+              </a:rPr>
+              <a:t>&lt;&lt;</a:t>
+            </a:r>
+            <a:r>
+              <a:rPr lang="en-US" altLang="zh-TW" b="0" dirty="0">
+                <a:solidFill>
+                  <a:srgbClr val="000000"/>
+                </a:solidFill>
+                <a:effectLst/>
+                <a:latin typeface="Consolas" panose="020B0609020204030204" pitchFamily="49" charset="0"/>
+              </a:rPr>
+              <a:t> </a:t>
+            </a:r>
+            <a:r>
+              <a:rPr lang="en-US" altLang="zh-TW" b="0" dirty="0" err="1">
+                <a:solidFill>
+                  <a:srgbClr val="001080"/>
+                </a:solidFill>
+                <a:effectLst/>
+                <a:latin typeface="Consolas" panose="020B0609020204030204" pitchFamily="49" charset="0"/>
+              </a:rPr>
+              <a:t>i</a:t>
+            </a:r>
+            <a:r>
+              <a:rPr lang="en-US" altLang="zh-TW" b="0" dirty="0">
+                <a:solidFill>
+                  <a:srgbClr val="000000"/>
+                </a:solidFill>
+                <a:effectLst/>
+                <a:latin typeface="Consolas" panose="020B0609020204030204" pitchFamily="49" charset="0"/>
+              </a:rPr>
+              <a:t> </a:t>
+            </a:r>
+            <a:r>
+              <a:rPr lang="en-US" altLang="zh-TW" b="0" dirty="0">
+                <a:solidFill>
+                  <a:srgbClr val="795E26"/>
+                </a:solidFill>
+                <a:effectLst/>
+                <a:latin typeface="Consolas" panose="020B0609020204030204" pitchFamily="49" charset="0"/>
+              </a:rPr>
+              <a:t>&lt;&lt;</a:t>
+            </a:r>
+            <a:r>
+              <a:rPr lang="en-US" altLang="zh-TW" b="0" dirty="0">
+                <a:solidFill>
+                  <a:srgbClr val="000000"/>
+                </a:solidFill>
+                <a:effectLst/>
+                <a:latin typeface="Consolas" panose="020B0609020204030204" pitchFamily="49" charset="0"/>
+              </a:rPr>
+              <a:t> </a:t>
+            </a:r>
+            <a:r>
+              <a:rPr lang="en-US" altLang="zh-TW" b="0" dirty="0">
+                <a:solidFill>
+                  <a:srgbClr val="A31515"/>
+                </a:solidFill>
+                <a:effectLst/>
+                <a:latin typeface="Consolas" panose="020B0609020204030204" pitchFamily="49" charset="0"/>
+              </a:rPr>
+              <a:t>"</a:t>
+            </a:r>
+            <a:r>
+              <a:rPr lang="en-US" altLang="zh-TW" b="0" dirty="0">
+                <a:solidFill>
+                  <a:srgbClr val="EE0000"/>
+                </a:solidFill>
+                <a:effectLst/>
+                <a:latin typeface="Consolas" panose="020B0609020204030204" pitchFamily="49" charset="0"/>
+              </a:rPr>
+              <a:t>\n</a:t>
+            </a:r>
+            <a:r>
+              <a:rPr lang="en-US" altLang="zh-TW" b="0" dirty="0">
+                <a:solidFill>
+                  <a:srgbClr val="A31515"/>
+                </a:solidFill>
+                <a:effectLst/>
+                <a:latin typeface="Consolas" panose="020B0609020204030204" pitchFamily="49" charset="0"/>
+              </a:rPr>
+              <a:t>"</a:t>
+            </a:r>
+            <a:r>
+              <a:rPr lang="en-US" altLang="zh-TW" b="0" dirty="0">
+                <a:solidFill>
+                  <a:srgbClr val="000000"/>
+                </a:solidFill>
+                <a:effectLst/>
+                <a:latin typeface="Consolas" panose="020B0609020204030204" pitchFamily="49" charset="0"/>
+              </a:rPr>
+              <a:t>;</a:t>
+            </a:r>
+          </a:p>
+          <a:p>
+            <a:br>
+              <a:rPr lang="en-US" altLang="zh-TW" b="0" dirty="0">
+                <a:solidFill>
+                  <a:srgbClr val="000000"/>
+                </a:solidFill>
+                <a:effectLst/>
+                <a:latin typeface="Consolas" panose="020B0609020204030204" pitchFamily="49" charset="0"/>
+              </a:rPr>
+            </a:br>
+            <a:r>
+              <a:rPr lang="en-US" altLang="zh-TW" b="0" dirty="0">
+                <a:solidFill>
+                  <a:srgbClr val="000000"/>
+                </a:solidFill>
+                <a:effectLst/>
+                <a:latin typeface="Consolas" panose="020B0609020204030204" pitchFamily="49" charset="0"/>
+              </a:rPr>
+              <a:t>    </a:t>
+            </a:r>
+            <a:r>
+              <a:rPr lang="en-US" altLang="zh-TW" b="0" dirty="0">
+                <a:solidFill>
+                  <a:srgbClr val="AF00DB"/>
+                </a:solidFill>
+                <a:effectLst/>
+                <a:latin typeface="Consolas" panose="020B0609020204030204" pitchFamily="49" charset="0"/>
+              </a:rPr>
+              <a:t>return</a:t>
+            </a:r>
+            <a:r>
+              <a:rPr lang="en-US" altLang="zh-TW" b="0" dirty="0">
+                <a:solidFill>
+                  <a:srgbClr val="000000"/>
+                </a:solidFill>
+                <a:effectLst/>
+                <a:latin typeface="Consolas" panose="020B0609020204030204" pitchFamily="49" charset="0"/>
+              </a:rPr>
+              <a:t> </a:t>
+            </a:r>
+            <a:r>
+              <a:rPr lang="en-US" altLang="zh-TW" b="0" dirty="0">
+                <a:solidFill>
+                  <a:srgbClr val="098658"/>
+                </a:solidFill>
+                <a:effectLst/>
+                <a:latin typeface="Consolas" panose="020B0609020204030204" pitchFamily="49" charset="0"/>
+              </a:rPr>
+              <a:t>0</a:t>
+            </a:r>
+            <a:r>
+              <a:rPr lang="en-US" altLang="zh-TW" b="0" dirty="0">
+                <a:solidFill>
+                  <a:srgbClr val="000000"/>
+                </a:solidFill>
+                <a:effectLst/>
+                <a:latin typeface="Consolas" panose="020B0609020204030204" pitchFamily="49" charset="0"/>
+              </a:rPr>
+              <a:t>;</a:t>
+            </a:r>
+          </a:p>
+          <a:p>
+            <a:r>
+              <a:rPr lang="en-US" altLang="zh-TW" b="0" dirty="0">
+                <a:solidFill>
+                  <a:srgbClr val="000000"/>
+                </a:solidFill>
+                <a:effectLst/>
+                <a:latin typeface="Consolas" panose="020B0609020204030204" pitchFamily="49" charset="0"/>
+              </a:rPr>
+              <a:t>}</a:t>
+            </a:r>
+          </a:p>
+        </p:txBody>
+      </p:sp>
+      <p:pic>
+        <p:nvPicPr>
+          <p:cNvPr id="7" name="Picture 6">
+            <a:extLst>
+              <a:ext uri="{FF2B5EF4-FFF2-40B4-BE49-F238E27FC236}">
+                <a16:creationId xmlns:a16="http://schemas.microsoft.com/office/drawing/2014/main" id="{AA46E495-BFEF-4F52-9CE9-85E4E4E5C2A6}"/>
+              </a:ext>
+            </a:extLst>
+          </p:cNvPr>
+          <p:cNvPicPr>
+            <a:picLocks noChangeAspect="1"/>
+          </p:cNvPicPr>
+          <p:nvPr/>
+        </p:nvPicPr>
+        <p:blipFill>
+          <a:blip r:embed="rId2"/>
+          <a:stretch>
+            <a:fillRect/>
+          </a:stretch>
+        </p:blipFill>
+        <p:spPr>
+          <a:xfrm>
+            <a:off x="8942660" y="5926939"/>
+            <a:ext cx="3084985" cy="721717"/>
+          </a:xfrm>
+          <a:prstGeom prst="rect">
+            <a:avLst/>
+          </a:prstGeom>
+          <a:ln w="28575">
+            <a:solidFill>
+              <a:srgbClr val="FF0000"/>
+            </a:solidFill>
+          </a:ln>
+        </p:spPr>
+      </p:pic>
+    </p:spTree>
+    <p:extLst>
+      <p:ext uri="{BB962C8B-B14F-4D97-AF65-F5344CB8AC3E}">
+        <p14:creationId xmlns:p14="http://schemas.microsoft.com/office/powerpoint/2010/main" val="1137117377"/>
+      </p:ext>
+    </p:extLst>
+  </p:cSld>
+  <p:clrMapOvr>
+    <a:masterClrMapping/>
+  </p:clrMapOvr>
+</p:sld>
+</file>
+
+<file path=ppt/slides/slide32.xml><?xml version="1.0" encoding="utf-8"?>
 <p:sld xmlns:a="http://schemas.openxmlformats.org/drawingml/2006/main" xmlns:r="http://schemas.openxmlformats.org/officeDocument/2006/relationships" xmlns:p="http://schemas.openxmlformats.org/presentationml/2006/main">
   <p:cSld>
     <p:spTree>
